--- a/Diapositivas/4. Database Testing.pptx
+++ b/Diapositivas/4. Database Testing.pptx
@@ -280,7 +280,7 @@
           <a:p>
             <a:fld id="{63D5FC4C-9EE1-4746-A368-724F618FC790}" type="datetimeFigureOut">
               <a:rPr lang="es-PE" smtClean="0"/>
-              <a:t>19/04/2013</a:t>
+              <a:t>21/04/2013</a:t>
             </a:fld>
             <a:endParaRPr lang="es-PE"/>
           </a:p>
@@ -5620,7 +5620,7 @@
             <a:fld id="{807CB568-C05F-482F-9F26-AA302B8892DF}" type="datetimeFigureOut">
               <a:rPr lang="es-ES" smtClean="0"/>
               <a:pPr/>
-              <a:t>19/04/2013</a:t>
+              <a:t>21/04/2013</a:t>
             </a:fld>
             <a:endParaRPr lang="es-ES"/>
           </a:p>
@@ -5799,7 +5799,7 @@
             <a:fld id="{807CB568-C05F-482F-9F26-AA302B8892DF}" type="datetimeFigureOut">
               <a:rPr lang="es-ES" smtClean="0"/>
               <a:pPr/>
-              <a:t>19/04/2013</a:t>
+              <a:t>21/04/2013</a:t>
             </a:fld>
             <a:endParaRPr lang="es-ES"/>
           </a:p>
@@ -5988,7 +5988,7 @@
             <a:fld id="{807CB568-C05F-482F-9F26-AA302B8892DF}" type="datetimeFigureOut">
               <a:rPr lang="es-ES" smtClean="0"/>
               <a:pPr/>
-              <a:t>19/04/2013</a:t>
+              <a:t>21/04/2013</a:t>
             </a:fld>
             <a:endParaRPr lang="es-ES"/>
           </a:p>
@@ -6167,7 +6167,7 @@
             <a:fld id="{807CB568-C05F-482F-9F26-AA302B8892DF}" type="datetimeFigureOut">
               <a:rPr lang="es-ES" smtClean="0"/>
               <a:pPr/>
-              <a:t>19/04/2013</a:t>
+              <a:t>21/04/2013</a:t>
             </a:fld>
             <a:endParaRPr lang="es-ES"/>
           </a:p>
@@ -6422,7 +6422,7 @@
             <a:fld id="{807CB568-C05F-482F-9F26-AA302B8892DF}" type="datetimeFigureOut">
               <a:rPr lang="es-ES" smtClean="0"/>
               <a:pPr/>
-              <a:t>19/04/2013</a:t>
+              <a:t>21/04/2013</a:t>
             </a:fld>
             <a:endParaRPr lang="es-ES"/>
           </a:p>
@@ -6719,7 +6719,7 @@
             <a:fld id="{807CB568-C05F-482F-9F26-AA302B8892DF}" type="datetimeFigureOut">
               <a:rPr lang="es-ES" smtClean="0"/>
               <a:pPr/>
-              <a:t>19/04/2013</a:t>
+              <a:t>21/04/2013</a:t>
             </a:fld>
             <a:endParaRPr lang="es-ES"/>
           </a:p>
@@ -7150,7 +7150,7 @@
             <a:fld id="{807CB568-C05F-482F-9F26-AA302B8892DF}" type="datetimeFigureOut">
               <a:rPr lang="es-ES" smtClean="0"/>
               <a:pPr/>
-              <a:t>19/04/2013</a:t>
+              <a:t>21/04/2013</a:t>
             </a:fld>
             <a:endParaRPr lang="es-ES"/>
           </a:p>
@@ -7277,7 +7277,7 @@
             <a:fld id="{807CB568-C05F-482F-9F26-AA302B8892DF}" type="datetimeFigureOut">
               <a:rPr lang="es-ES" smtClean="0"/>
               <a:pPr/>
-              <a:t>19/04/2013</a:t>
+              <a:t>21/04/2013</a:t>
             </a:fld>
             <a:endParaRPr lang="es-ES"/>
           </a:p>
@@ -7381,7 +7381,7 @@
             <a:fld id="{807CB568-C05F-482F-9F26-AA302B8892DF}" type="datetimeFigureOut">
               <a:rPr lang="es-ES" smtClean="0"/>
               <a:pPr/>
-              <a:t>19/04/2013</a:t>
+              <a:t>21/04/2013</a:t>
             </a:fld>
             <a:endParaRPr lang="es-ES"/>
           </a:p>
@@ -7667,7 +7667,7 @@
             <a:fld id="{807CB568-C05F-482F-9F26-AA302B8892DF}" type="datetimeFigureOut">
               <a:rPr lang="es-ES" smtClean="0"/>
               <a:pPr/>
-              <a:t>19/04/2013</a:t>
+              <a:t>21/04/2013</a:t>
             </a:fld>
             <a:endParaRPr lang="es-ES"/>
           </a:p>
@@ -7936,7 +7936,7 @@
             <a:fld id="{807CB568-C05F-482F-9F26-AA302B8892DF}" type="datetimeFigureOut">
               <a:rPr lang="es-ES" smtClean="0"/>
               <a:pPr/>
-              <a:t>19/04/2013</a:t>
+              <a:t>21/04/2013</a:t>
             </a:fld>
             <a:endParaRPr lang="es-ES"/>
           </a:p>
@@ -8187,7 +8187,7 @@
             <a:fld id="{807CB568-C05F-482F-9F26-AA302B8892DF}" type="datetimeFigureOut">
               <a:rPr lang="es-ES" smtClean="0"/>
               <a:pPr/>
-              <a:t>19/04/2013</a:t>
+              <a:t>21/04/2013</a:t>
             </a:fld>
             <a:endParaRPr lang="es-ES"/>
           </a:p>
@@ -11900,7 +11900,7 @@
             </a:pPr>
             <a:r>
               <a:rPr lang="es-PE" sz="2600" dirty="0" err="1" smtClean="0"/>
-              <a:t>NDBUnit</a:t>
+              <a:t>DBUnit</a:t>
             </a:r>
             <a:r>
               <a:rPr lang="es-PE" sz="2600" dirty="0" smtClean="0"/>
@@ -13541,7 +13541,7 @@
                   <a:srgbClr val="00823B"/>
                 </a:solidFill>
               </a:rPr>
-              <a:t>Entity</a:t>
+              <a:t>Hibernate</a:t>
             </a:r>
             <a:r>
               <a:rPr lang="es-PE" dirty="0" smtClean="0">
@@ -13549,7 +13549,7 @@
                   <a:srgbClr val="00823B"/>
                 </a:solidFill>
               </a:rPr>
-              <a:t> Framework </a:t>
+              <a:t> </a:t>
             </a:r>
             <a:r>
               <a:rPr lang="es-PE" dirty="0" err="1" smtClean="0">
@@ -13597,12 +13597,20 @@
               <a:t>Los mismos patrones de inserción y restauración de BD se aplican en el caso de </a:t>
             </a:r>
             <a:r>
+              <a:rPr lang="es-PE" sz="2600" dirty="0" err="1"/>
+              <a:t>H</a:t>
+            </a:r>
+            <a:r>
               <a:rPr lang="es-PE" sz="2600" dirty="0" err="1" smtClean="0"/>
-              <a:t>Entity</a:t>
+              <a:t>ibernate</a:t>
             </a:r>
             <a:r>
               <a:rPr lang="es-PE" sz="2600" dirty="0" smtClean="0"/>
-              <a:t> Framework y cualquier ORM.</a:t>
+              <a:t> y </a:t>
+            </a:r>
+            <a:r>
+              <a:rPr lang="es-PE" sz="2600" dirty="0" smtClean="0"/>
+              <a:t>cualquier ORM.</a:t>
             </a:r>
           </a:p>
           <a:p>

--- a/Diapositivas/4. Database Testing.pptx
+++ b/Diapositivas/4. Database Testing.pptx
@@ -5,7 +5,7 @@
     <p:sldMasterId id="2147483684" r:id="rId1"/>
   </p:sldMasterIdLst>
   <p:notesMasterIdLst>
-    <p:notesMasterId r:id="rId38"/>
+    <p:notesMasterId r:id="rId35"/>
   </p:notesMasterIdLst>
   <p:sldIdLst>
     <p:sldId id="687" r:id="rId2"/>
@@ -13,37 +13,34 @@
     <p:sldId id="527" r:id="rId4"/>
     <p:sldId id="531" r:id="rId5"/>
     <p:sldId id="547" r:id="rId6"/>
-    <p:sldId id="684" r:id="rId7"/>
-    <p:sldId id="528" r:id="rId8"/>
+    <p:sldId id="528" r:id="rId7"/>
+    <p:sldId id="684" r:id="rId8"/>
     <p:sldId id="540" r:id="rId9"/>
     <p:sldId id="532" r:id="rId10"/>
     <p:sldId id="529" r:id="rId11"/>
     <p:sldId id="561" r:id="rId12"/>
     <p:sldId id="555" r:id="rId13"/>
     <p:sldId id="556" r:id="rId14"/>
-    <p:sldId id="534" r:id="rId15"/>
-    <p:sldId id="557" r:id="rId16"/>
-    <p:sldId id="688" r:id="rId17"/>
-    <p:sldId id="689" r:id="rId18"/>
-    <p:sldId id="692" r:id="rId19"/>
-    <p:sldId id="536" r:id="rId20"/>
-    <p:sldId id="538" r:id="rId21"/>
-    <p:sldId id="578" r:id="rId22"/>
+    <p:sldId id="695" r:id="rId15"/>
+    <p:sldId id="696" r:id="rId16"/>
+    <p:sldId id="697" r:id="rId17"/>
+    <p:sldId id="534" r:id="rId18"/>
+    <p:sldId id="557" r:id="rId19"/>
+    <p:sldId id="688" r:id="rId20"/>
+    <p:sldId id="689" r:id="rId21"/>
+    <p:sldId id="692" r:id="rId22"/>
     <p:sldId id="539" r:id="rId23"/>
     <p:sldId id="690" r:id="rId24"/>
     <p:sldId id="691" r:id="rId25"/>
     <p:sldId id="562" r:id="rId26"/>
     <p:sldId id="575" r:id="rId27"/>
     <p:sldId id="579" r:id="rId28"/>
-    <p:sldId id="583" r:id="rId29"/>
-    <p:sldId id="582" r:id="rId30"/>
-    <p:sldId id="584" r:id="rId31"/>
-    <p:sldId id="574" r:id="rId32"/>
-    <p:sldId id="685" r:id="rId33"/>
-    <p:sldId id="693" r:id="rId34"/>
-    <p:sldId id="694" r:id="rId35"/>
-    <p:sldId id="686" r:id="rId36"/>
-    <p:sldId id="585" r:id="rId37"/>
+    <p:sldId id="574" r:id="rId29"/>
+    <p:sldId id="685" r:id="rId30"/>
+    <p:sldId id="694" r:id="rId31"/>
+    <p:sldId id="693" r:id="rId32"/>
+    <p:sldId id="686" r:id="rId33"/>
+    <p:sldId id="585" r:id="rId34"/>
   </p:sldIdLst>
   <p:sldSz cx="9144000" cy="6858000" type="screen4x3"/>
   <p:notesSz cx="6858000" cy="9144000"/>
@@ -163,15 +160,6 @@
 
 <file path=ppt/comments/comment2.xml><?xml version="1.0" encoding="utf-8"?>
 <p:cmLst xmlns:a="http://schemas.openxmlformats.org/drawingml/2006/main" xmlns:r="http://schemas.openxmlformats.org/officeDocument/2006/relationships" xmlns:p="http://schemas.openxmlformats.org/presentationml/2006/main">
-  <p:cm authorId="0" dt="2012-08-22T18:08:52.584" idx="6">
-    <p:pos x="10" y="10"/>
-    <p:text>Opcional</p:text>
-  </p:cm>
-</p:cmLst>
-</file>
-
-<file path=ppt/comments/comment3.xml><?xml version="1.0" encoding="utf-8"?>
-<p:cmLst xmlns:a="http://schemas.openxmlformats.org/drawingml/2006/main" xmlns:r="http://schemas.openxmlformats.org/officeDocument/2006/relationships" xmlns:p="http://schemas.openxmlformats.org/presentationml/2006/main">
   <p:cm authorId="0" dt="2012-08-22T17:59:56.774" idx="5">
     <p:pos x="10" y="10"/>
     <p:text> Organizar mejor esta diapositiva</p:text>
@@ -179,7 +167,7 @@
 </p:cmLst>
 </file>
 
-<file path=ppt/comments/comment4.xml><?xml version="1.0" encoding="utf-8"?>
+<file path=ppt/comments/comment3.xml><?xml version="1.0" encoding="utf-8"?>
 <p:cmLst xmlns:a="http://schemas.openxmlformats.org/drawingml/2006/main" xmlns:r="http://schemas.openxmlformats.org/officeDocument/2006/relationships" xmlns:p="http://schemas.openxmlformats.org/presentationml/2006/main">
   <p:cm authorId="0" dt="2012-10-30T01:18:58.255" idx="20">
     <p:pos x="10" y="10"/>
@@ -189,7 +177,7 @@
 </p:cmLst>
 </file>
 
-<file path=ppt/comments/comment5.xml><?xml version="1.0" encoding="utf-8"?>
+<file path=ppt/comments/comment4.xml><?xml version="1.0" encoding="utf-8"?>
 <p:cmLst xmlns:a="http://schemas.openxmlformats.org/drawingml/2006/main" xmlns:r="http://schemas.openxmlformats.org/officeDocument/2006/relationships" xmlns:p="http://schemas.openxmlformats.org/presentationml/2006/main">
   <p:cm authorId="0" dt="2012-08-22T17:59:56.774" idx="7">
     <p:pos x="10" y="10"/>
@@ -280,7 +268,7 @@
           <a:p>
             <a:fld id="{63D5FC4C-9EE1-4746-A368-724F618FC790}" type="datetimeFigureOut">
               <a:rPr lang="es-PE" smtClean="0"/>
-              <a:t>21/04/2013</a:t>
+              <a:t>25/04/2013</a:t>
             </a:fld>
             <a:endParaRPr lang="es-PE"/>
           </a:p>
@@ -1369,6 +1357,60 @@
           <a:bodyPr/>
           <a:lstStyle/>
           <a:p>
+            <a:pPr marL="0" marR="0" lvl="1" indent="0" algn="l" defTabSz="914400" rtl="0" eaLnBrk="1" fontAlgn="auto" latinLnBrk="0" hangingPunct="1">
+              <a:lnSpc>
+                <a:spcPct val="100000"/>
+              </a:lnSpc>
+              <a:spcBef>
+                <a:spcPts val="0"/>
+              </a:spcBef>
+              <a:spcAft>
+                <a:spcPts val="0"/>
+              </a:spcAft>
+              <a:buClrTx/>
+              <a:buSzTx/>
+              <a:buFontTx/>
+              <a:buNone/>
+              <a:tabLst/>
+              <a:defRPr/>
+            </a:pPr>
+            <a:r>
+              <a:rPr lang="es-PE" sz="2600" dirty="0" smtClean="0"/>
+              <a:t>Se puede combinar con otros patrones: </a:t>
+            </a:r>
+            <a:br>
+              <a:rPr lang="es-PE" sz="2600" dirty="0" smtClean="0"/>
+            </a:br>
+            <a:r>
+              <a:rPr lang="es-PE" sz="2600" dirty="0" smtClean="0"/>
+              <a:t>Test Data </a:t>
+            </a:r>
+            <a:r>
+              <a:rPr lang="es-PE" sz="2600" dirty="0" err="1" smtClean="0"/>
+              <a:t>Builder</a:t>
+            </a:r>
+            <a:r>
+              <a:rPr lang="es-PE" sz="2600" dirty="0" smtClean="0"/>
+              <a:t>, </a:t>
+            </a:r>
+            <a:r>
+              <a:rPr lang="es-PE" sz="2600" dirty="0" err="1" smtClean="0"/>
+              <a:t>Object</a:t>
+            </a:r>
+            <a:r>
+              <a:rPr lang="es-PE" sz="2600" dirty="0" smtClean="0"/>
+              <a:t> </a:t>
+            </a:r>
+            <a:r>
+              <a:rPr lang="es-PE" sz="2600" dirty="0" err="1" smtClean="0"/>
+              <a:t>Mother</a:t>
+            </a:r>
+            <a:r>
+              <a:rPr lang="es-PE" sz="2600" dirty="0" smtClean="0"/>
+              <a:t>.</a:t>
+            </a:r>
+          </a:p>
+          <a:p>
             <a:endParaRPr lang="es-PE" dirty="0"/>
           </a:p>
         </p:txBody>
@@ -1470,20 +1512,6 @@
               <a:tabLst/>
               <a:defRPr/>
             </a:pPr>
-            <a:r>
-              <a:rPr lang="es-PE" sz="1200" dirty="0" smtClean="0"/>
-              <a:t>La organización elegida influye en el mantenimiento de los data </a:t>
-            </a:r>
-            <a:r>
-              <a:rPr lang="es-PE" sz="1200" dirty="0" err="1" smtClean="0"/>
-              <a:t>sources</a:t>
-            </a:r>
-            <a:r>
-              <a:rPr lang="es-PE" sz="1200" dirty="0" smtClean="0"/>
-              <a:t> y en el tiempo de ejecución de la prueba.</a:t>
-            </a:r>
-          </a:p>
-          <a:p>
             <a:endParaRPr lang="es-PE" dirty="0"/>
           </a:p>
         </p:txBody>
@@ -1568,23 +1596,11 @@
           <a:bodyPr/>
           <a:lstStyle/>
           <a:p>
-            <a:r>
-              <a:rPr lang="es-PE" dirty="0" smtClean="0"/>
-              <a:t>Este método es</a:t>
-            </a:r>
-            <a:r>
-              <a:rPr lang="es-PE" baseline="0" dirty="0" smtClean="0"/>
-              <a:t> el que impacta más en todas las pruebas.</a:t>
-            </a:r>
-          </a:p>
-          <a:p>
-            <a:endParaRPr lang="es-PE" baseline="0" dirty="0" smtClean="0"/>
-          </a:p>
-          <a:p>
-            <a:r>
-              <a:rPr lang="es-PE" baseline="0" dirty="0" smtClean="0"/>
-              <a:t>Se puede aplicar utilizando un ORM o sin el.</a:t>
-            </a:r>
+            <a:pPr marL="171450" indent="-171450">
+              <a:buFontTx/>
+              <a:buChar char="-"/>
+            </a:pPr>
+            <a:endParaRPr lang="es-PE" b="0" baseline="0" noProof="0" dirty="0" smtClean="0"/>
           </a:p>
         </p:txBody>
       </p:sp>
@@ -1668,42 +1684,7 @@
           <a:bodyPr/>
           <a:lstStyle/>
           <a:p>
-            <a:pPr marL="0" marR="0" lvl="1" indent="0" algn="l" defTabSz="914400" rtl="0" eaLnBrk="1" fontAlgn="auto" latinLnBrk="0" hangingPunct="1">
-              <a:lnSpc>
-                <a:spcPct val="100000"/>
-              </a:lnSpc>
-              <a:spcBef>
-                <a:spcPts val="0"/>
-              </a:spcBef>
-              <a:spcAft>
-                <a:spcPts val="0"/>
-              </a:spcAft>
-              <a:buClrTx/>
-              <a:buSzTx/>
-              <a:buFontTx/>
-              <a:buNone/>
-              <a:tabLst/>
-              <a:defRPr/>
-            </a:pPr>
-            <a:r>
-              <a:rPr lang="es-PE" sz="2600" dirty="0" smtClean="0"/>
-              <a:t>EF </a:t>
-            </a:r>
-            <a:r>
-              <a:rPr lang="es-PE" sz="2600" dirty="0" err="1" smtClean="0"/>
-              <a:t>Initializers</a:t>
-            </a:r>
-            <a:r>
-              <a:rPr lang="es-PE" sz="2600" dirty="0" smtClean="0"/>
-              <a:t>: Permite recrear toda la BD </a:t>
-            </a:r>
-            <a:br>
-              <a:rPr lang="es-PE" sz="2600" dirty="0" smtClean="0"/>
-            </a:br>
-            <a:r>
-              <a:rPr lang="es-PE" sz="2600" dirty="0" smtClean="0"/>
-              <a:t>(tablas y datos) antes de realizar las inserciones.</a:t>
-            </a:r>
+            <a:endParaRPr lang="es-PE" dirty="0"/>
           </a:p>
         </p:txBody>
       </p:sp>
@@ -1787,14 +1768,38 @@
           <a:bodyPr/>
           <a:lstStyle/>
           <a:p>
-            <a:endParaRPr lang="es-PE" sz="1200" dirty="0" smtClean="0"/>
-          </a:p>
-          <a:p>
-            <a:pPr marL="171450" indent="-171450">
+            <a:pPr marL="0" marR="0" indent="0" algn="l" defTabSz="914400" rtl="0" eaLnBrk="1" fontAlgn="auto" latinLnBrk="0" hangingPunct="1">
+              <a:lnSpc>
+                <a:spcPct val="100000"/>
+              </a:lnSpc>
+              <a:spcBef>
+                <a:spcPts val="0"/>
+              </a:spcBef>
+              <a:spcAft>
+                <a:spcPts val="0"/>
+              </a:spcAft>
+              <a:buClrTx/>
+              <a:buSzTx/>
               <a:buFontTx/>
-              <a:buChar char="-"/>
+              <a:buNone/>
+              <a:tabLst/>
+              <a:defRPr/>
             </a:pPr>
-            <a:endParaRPr lang="es-PE" b="0" baseline="0" noProof="0" dirty="0" smtClean="0"/>
+            <a:r>
+              <a:rPr lang="es-PE" sz="1200" dirty="0" smtClean="0"/>
+              <a:t>La organización elegida influye en el mantenimiento de los data </a:t>
+            </a:r>
+            <a:r>
+              <a:rPr lang="es-PE" sz="1200" dirty="0" err="1" smtClean="0"/>
+              <a:t>sources</a:t>
+            </a:r>
+            <a:r>
+              <a:rPr lang="es-PE" sz="1200" dirty="0" smtClean="0"/>
+              <a:t> y en el tiempo de ejecución de la prueba.</a:t>
+            </a:r>
+          </a:p>
+          <a:p>
+            <a:endParaRPr lang="es-PE" dirty="0"/>
           </a:p>
         </p:txBody>
       </p:sp>
@@ -1878,61 +1883,23 @@
           <a:bodyPr/>
           <a:lstStyle/>
           <a:p>
-            <a:pPr marL="0" marR="0" lvl="1" indent="0" algn="l" defTabSz="914400" rtl="0" eaLnBrk="1" fontAlgn="auto" latinLnBrk="0" hangingPunct="1">
-              <a:lnSpc>
-                <a:spcPct val="100000"/>
-              </a:lnSpc>
-              <a:spcBef>
-                <a:spcPts val="0"/>
-              </a:spcBef>
-              <a:spcAft>
-                <a:spcPts val="0"/>
-              </a:spcAft>
-              <a:buClrTx/>
-              <a:buSzTx/>
-              <a:buFontTx/>
-              <a:buNone/>
-              <a:tabLst/>
-              <a:defRPr/>
-            </a:pPr>
-            <a:r>
-              <a:rPr lang="es-PE" sz="2600" dirty="0" smtClean="0"/>
-              <a:t>Se puede combinar con otros patrones: </a:t>
-            </a:r>
-            <a:br>
-              <a:rPr lang="es-PE" sz="2600" dirty="0" smtClean="0"/>
-            </a:br>
-            <a:r>
-              <a:rPr lang="es-PE" sz="2600" dirty="0" smtClean="0"/>
-              <a:t>Test Data </a:t>
-            </a:r>
-            <a:r>
-              <a:rPr lang="es-PE" sz="2600" dirty="0" err="1" smtClean="0"/>
-              <a:t>Builder</a:t>
-            </a:r>
-            <a:r>
-              <a:rPr lang="es-PE" sz="2600" dirty="0" smtClean="0"/>
-              <a:t>, </a:t>
-            </a:r>
-            <a:r>
-              <a:rPr lang="es-PE" sz="2600" dirty="0" err="1" smtClean="0"/>
-              <a:t>Object</a:t>
-            </a:r>
-            <a:r>
-              <a:rPr lang="es-PE" sz="2600" dirty="0" smtClean="0"/>
-              <a:t> </a:t>
-            </a:r>
-            <a:r>
-              <a:rPr lang="es-PE" sz="2600" dirty="0" err="1" smtClean="0"/>
-              <a:t>Mother</a:t>
-            </a:r>
-            <a:r>
-              <a:rPr lang="es-PE" sz="2600" dirty="0" smtClean="0"/>
-              <a:t>.</a:t>
-            </a:r>
-          </a:p>
-          <a:p>
-            <a:endParaRPr lang="es-PE" dirty="0"/>
+            <a:r>
+              <a:rPr lang="es-PE" dirty="0" smtClean="0"/>
+              <a:t>Este método es</a:t>
+            </a:r>
+            <a:r>
+              <a:rPr lang="es-PE" baseline="0" dirty="0" smtClean="0"/>
+              <a:t> el que impacta más en todas las pruebas.</a:t>
+            </a:r>
+          </a:p>
+          <a:p>
+            <a:endParaRPr lang="es-PE" baseline="0" dirty="0" smtClean="0"/>
+          </a:p>
+          <a:p>
+            <a:r>
+              <a:rPr lang="es-PE" baseline="0" dirty="0" smtClean="0"/>
+              <a:t>Se puede aplicar utilizando un ORM o sin el.</a:t>
+            </a:r>
           </a:p>
         </p:txBody>
       </p:sp>
@@ -2100,7 +2067,7 @@
           <a:bodyPr/>
           <a:lstStyle/>
           <a:p>
-            <a:pPr marL="0" marR="0" indent="0" algn="l" defTabSz="914400" rtl="0" eaLnBrk="1" fontAlgn="auto" latinLnBrk="0" hangingPunct="1">
+            <a:pPr marL="0" marR="0" lvl="1" indent="0" algn="l" defTabSz="914400" rtl="0" eaLnBrk="1" fontAlgn="auto" latinLnBrk="0" hangingPunct="1">
               <a:lnSpc>
                 <a:spcPct val="100000"/>
               </a:lnSpc>
@@ -2117,7 +2084,25 @@
               <a:tabLst/>
               <a:defRPr/>
             </a:pPr>
-            <a:endParaRPr lang="es-PE" dirty="0"/>
+            <a:r>
+              <a:rPr lang="es-PE" sz="2600" dirty="0" smtClean="0"/>
+              <a:t>EF </a:t>
+            </a:r>
+            <a:r>
+              <a:rPr lang="es-PE" sz="2600" dirty="0" err="1" smtClean="0"/>
+              <a:t>Initializers</a:t>
+            </a:r>
+            <a:r>
+              <a:rPr lang="es-PE" sz="2600" dirty="0" smtClean="0"/>
+              <a:t>: Permite recrear toda la BD </a:t>
+            </a:r>
+            <a:br>
+              <a:rPr lang="es-PE" sz="2600" dirty="0" smtClean="0"/>
+            </a:br>
+            <a:r>
+              <a:rPr lang="es-PE" sz="2600" dirty="0" smtClean="0"/>
+              <a:t>(tablas y datos) antes de realizar las inserciones.</a:t>
+            </a:r>
           </a:p>
         </p:txBody>
       </p:sp>
@@ -2201,6 +2186,9 @@
           <a:bodyPr/>
           <a:lstStyle/>
           <a:p>
+            <a:endParaRPr lang="es-PE" sz="1200" dirty="0" smtClean="0"/>
+          </a:p>
+          <a:p>
             <a:pPr marL="171450" indent="-171450">
               <a:buFontTx/>
               <a:buChar char="-"/>
@@ -2883,23 +2871,6 @@
           <a:bodyPr/>
           <a:lstStyle/>
           <a:p>
-            <a:pPr marL="0" marR="0" indent="0" algn="l" defTabSz="914400" rtl="0" eaLnBrk="1" fontAlgn="auto" latinLnBrk="0" hangingPunct="1">
-              <a:lnSpc>
-                <a:spcPct val="100000"/>
-              </a:lnSpc>
-              <a:spcBef>
-                <a:spcPts val="0"/>
-              </a:spcBef>
-              <a:spcAft>
-                <a:spcPts val="0"/>
-              </a:spcAft>
-              <a:buClrTx/>
-              <a:buSzTx/>
-              <a:buFontTx/>
-              <a:buNone/>
-              <a:tabLst/>
-              <a:defRPr/>
-            </a:pPr>
             <a:endParaRPr lang="es-PE" dirty="0"/>
           </a:p>
         </p:txBody>
@@ -2984,24 +2955,48 @@
           <a:bodyPr/>
           <a:lstStyle/>
           <a:p>
-            <a:pPr marL="0" marR="0" indent="0" algn="l" defTabSz="914400" rtl="0" eaLnBrk="1" fontAlgn="auto" latinLnBrk="0" hangingPunct="1">
-              <a:lnSpc>
-                <a:spcPct val="100000"/>
-              </a:lnSpc>
-              <a:spcBef>
-                <a:spcPts val="0"/>
-              </a:spcBef>
-              <a:spcAft>
-                <a:spcPts val="0"/>
-              </a:spcAft>
-              <a:buClrTx/>
-              <a:buSzTx/>
-              <a:buFontTx/>
-              <a:buNone/>
-              <a:tabLst/>
-              <a:defRPr/>
-            </a:pPr>
-            <a:endParaRPr lang="es-PE" dirty="0"/>
+            <a:r>
+              <a:rPr lang="es-PE" sz="1200" dirty="0" smtClean="0"/>
+              <a:t>Los </a:t>
+            </a:r>
+            <a:r>
+              <a:rPr lang="es-PE" sz="1200" dirty="0" err="1" smtClean="0"/>
+              <a:t>tests</a:t>
+            </a:r>
+            <a:r>
+              <a:rPr lang="es-PE" sz="1200" dirty="0" smtClean="0"/>
+              <a:t> unitarios no son suficientes, en algún momento el código tendrá que hablar con el mundo exterior.</a:t>
+            </a:r>
+          </a:p>
+          <a:p>
+            <a:r>
+              <a:rPr lang="es-PE" baseline="0" dirty="0" smtClean="0"/>
+              <a:t>-------------------------------------------------------------------------</a:t>
+            </a:r>
+          </a:p>
+          <a:p>
+            <a:r>
+              <a:rPr lang="es-PE" baseline="0" dirty="0" smtClean="0"/>
+              <a:t>Ninguna capa de pruebas es perfecta y si solo dependes de una de ellas tendrás errores en producción.</a:t>
+            </a:r>
+          </a:p>
+          <a:p>
+            <a:endParaRPr lang="es-PE" baseline="0" dirty="0" smtClean="0"/>
+          </a:p>
+          <a:p>
+            <a:r>
+              <a:rPr lang="es-PE" baseline="0" dirty="0" smtClean="0"/>
+              <a:t>Si realizamos pruebas unitarias encontraremos la gran mayoría de errores en el código. Luego si realizamos test de integración (base de datos) encontraremos los restantes.  Luego si realizamos los test de sistema…… test de regresión…..</a:t>
+            </a:r>
+          </a:p>
+          <a:p>
+            <a:endParaRPr lang="es-PE" baseline="0" dirty="0" smtClean="0"/>
+          </a:p>
+          <a:p>
+            <a:r>
+              <a:rPr lang="es-PE" baseline="0" dirty="0" smtClean="0"/>
+              <a:t>Cualquier profesional de seguridad competente sabe que no puede proteger su red si solo se preocupa de los riesgos perimetrales . Tiene que trabajar sobre toda las capas de acceso. Esto mismo es aplicable a las pruebas de software.</a:t>
+            </a:r>
           </a:p>
         </p:txBody>
       </p:sp>
@@ -3365,11 +3360,11 @@
           <a:bodyPr/>
           <a:lstStyle/>
           <a:p>
-            <a:pPr marL="171450" indent="-171450">
+            <a:pPr marL="0" indent="0">
               <a:buFontTx/>
-              <a:buChar char="-"/>
+              <a:buNone/>
             </a:pPr>
-            <a:endParaRPr lang="es-PE" b="0" baseline="0" noProof="0" dirty="0" smtClean="0"/>
+            <a:endParaRPr lang="es-PE" noProof="0" dirty="0"/>
           </a:p>
         </p:txBody>
       </p:sp>
@@ -3537,48 +3532,11 @@
           <a:bodyPr/>
           <a:lstStyle/>
           <a:p>
-            <a:r>
-              <a:rPr lang="es-PE" sz="1200" dirty="0" smtClean="0"/>
-              <a:t>Los </a:t>
-            </a:r>
-            <a:r>
-              <a:rPr lang="es-PE" sz="1200" dirty="0" err="1" smtClean="0"/>
-              <a:t>tests</a:t>
-            </a:r>
-            <a:r>
-              <a:rPr lang="es-PE" sz="1200" dirty="0" smtClean="0"/>
-              <a:t> unitarios no son suficientes, en algún momento el código tendrá que hablar con el mundo exterior.</a:t>
-            </a:r>
-          </a:p>
-          <a:p>
-            <a:r>
-              <a:rPr lang="es-PE" baseline="0" dirty="0" smtClean="0"/>
-              <a:t>-------------------------------------------------------------------------</a:t>
-            </a:r>
-          </a:p>
-          <a:p>
-            <a:r>
-              <a:rPr lang="es-PE" baseline="0" dirty="0" smtClean="0"/>
-              <a:t>Ninguna capa de pruebas es perfecta y si solo dependes de una de ellas tendrás errores en producción.</a:t>
-            </a:r>
-          </a:p>
-          <a:p>
-            <a:endParaRPr lang="es-PE" baseline="0" dirty="0" smtClean="0"/>
-          </a:p>
-          <a:p>
-            <a:r>
-              <a:rPr lang="es-PE" baseline="0" dirty="0" smtClean="0"/>
-              <a:t>Si realizamos pruebas unitarias encontraremos la gran mayoría de errores en el código. Luego si realizamos test de integración (base de datos) encontraremos los restantes.  Luego si realizamos los test de sistema…… test de regresión…..</a:t>
-            </a:r>
-          </a:p>
-          <a:p>
-            <a:endParaRPr lang="es-PE" baseline="0" dirty="0" smtClean="0"/>
-          </a:p>
-          <a:p>
-            <a:r>
-              <a:rPr lang="es-PE" baseline="0" dirty="0" smtClean="0"/>
-              <a:t>Cualquier profesional de seguridad competente sabe que no puede proteger su red si solo se preocupa de los riesgos perimetrales . Tiene que trabajar sobre toda las capas de acceso. Esto mismo es aplicable a las pruebas de software.</a:t>
-            </a:r>
+            <a:pPr marL="0" indent="0">
+              <a:buFontTx/>
+              <a:buNone/>
+            </a:pPr>
+            <a:endParaRPr lang="es-PE" dirty="0"/>
           </a:p>
         </p:txBody>
       </p:sp>
@@ -3702,266 +3660,6 @@
 </p:notes>
 </file>
 
-<file path=ppt/notesSlides/notesSlide34.xml><?xml version="1.0" encoding="utf-8"?>
-<p:notes xmlns:a="http://schemas.openxmlformats.org/drawingml/2006/main" xmlns:r="http://schemas.openxmlformats.org/officeDocument/2006/relationships" xmlns:p="http://schemas.openxmlformats.org/presentationml/2006/main">
-  <p:cSld>
-    <p:spTree>
-      <p:nvGrpSpPr>
-        <p:cNvPr id="1" name=""/>
-        <p:cNvGrpSpPr/>
-        <p:nvPr/>
-      </p:nvGrpSpPr>
-      <p:grpSpPr>
-        <a:xfrm>
-          <a:off x="0" y="0"/>
-          <a:ext cx="0" cy="0"/>
-          <a:chOff x="0" y="0"/>
-          <a:chExt cx="0" cy="0"/>
-        </a:xfrm>
-      </p:grpSpPr>
-      <p:sp>
-        <p:nvSpPr>
-          <p:cNvPr id="2" name="1 Marcador de imagen de diapositiva"/>
-          <p:cNvSpPr>
-            <a:spLocks noGrp="1" noRot="1" noChangeAspect="1"/>
-          </p:cNvSpPr>
-          <p:nvPr>
-            <p:ph type="sldImg"/>
-          </p:nvPr>
-        </p:nvSpPr>
-        <p:spPr/>
-      </p:sp>
-      <p:sp>
-        <p:nvSpPr>
-          <p:cNvPr id="3" name="2 Marcador de notas"/>
-          <p:cNvSpPr>
-            <a:spLocks noGrp="1"/>
-          </p:cNvSpPr>
-          <p:nvPr>
-            <p:ph type="body" idx="1"/>
-          </p:nvPr>
-        </p:nvSpPr>
-        <p:spPr/>
-        <p:txBody>
-          <a:bodyPr/>
-          <a:lstStyle/>
-          <a:p>
-            <a:pPr marL="0" indent="0">
-              <a:buFontTx/>
-              <a:buNone/>
-            </a:pPr>
-            <a:endParaRPr lang="es-PE" noProof="0" dirty="0"/>
-          </a:p>
-        </p:txBody>
-      </p:sp>
-      <p:sp>
-        <p:nvSpPr>
-          <p:cNvPr id="4" name="3 Marcador de número de diapositiva"/>
-          <p:cNvSpPr>
-            <a:spLocks noGrp="1"/>
-          </p:cNvSpPr>
-          <p:nvPr>
-            <p:ph type="sldNum" sz="quarter" idx="10"/>
-          </p:nvPr>
-        </p:nvSpPr>
-        <p:spPr/>
-        <p:txBody>
-          <a:bodyPr/>
-          <a:lstStyle/>
-          <a:p>
-            <a:fld id="{80C14895-23C8-45AE-85D5-3B35E5980A68}" type="slidenum">
-              <a:rPr lang="es-PE" smtClean="0"/>
-              <a:t>34</a:t>
-            </a:fld>
-            <a:endParaRPr lang="es-PE"/>
-          </a:p>
-        </p:txBody>
-      </p:sp>
-    </p:spTree>
-    <p:extLst>
-      <p:ext uri="{BB962C8B-B14F-4D97-AF65-F5344CB8AC3E}">
-        <p14:creationId xmlns:p14="http://schemas.microsoft.com/office/powerpoint/2010/main" val="3432092158"/>
-      </p:ext>
-    </p:extLst>
-  </p:cSld>
-  <p:clrMapOvr>
-    <a:masterClrMapping/>
-  </p:clrMapOvr>
-</p:notes>
-</file>
-
-<file path=ppt/notesSlides/notesSlide35.xml><?xml version="1.0" encoding="utf-8"?>
-<p:notes xmlns:a="http://schemas.openxmlformats.org/drawingml/2006/main" xmlns:r="http://schemas.openxmlformats.org/officeDocument/2006/relationships" xmlns:p="http://schemas.openxmlformats.org/presentationml/2006/main">
-  <p:cSld>
-    <p:spTree>
-      <p:nvGrpSpPr>
-        <p:cNvPr id="1" name=""/>
-        <p:cNvGrpSpPr/>
-        <p:nvPr/>
-      </p:nvGrpSpPr>
-      <p:grpSpPr>
-        <a:xfrm>
-          <a:off x="0" y="0"/>
-          <a:ext cx="0" cy="0"/>
-          <a:chOff x="0" y="0"/>
-          <a:chExt cx="0" cy="0"/>
-        </a:xfrm>
-      </p:grpSpPr>
-      <p:sp>
-        <p:nvSpPr>
-          <p:cNvPr id="2" name="1 Marcador de imagen de diapositiva"/>
-          <p:cNvSpPr>
-            <a:spLocks noGrp="1" noRot="1" noChangeAspect="1"/>
-          </p:cNvSpPr>
-          <p:nvPr>
-            <p:ph type="sldImg"/>
-          </p:nvPr>
-        </p:nvSpPr>
-        <p:spPr/>
-      </p:sp>
-      <p:sp>
-        <p:nvSpPr>
-          <p:cNvPr id="3" name="2 Marcador de notas"/>
-          <p:cNvSpPr>
-            <a:spLocks noGrp="1"/>
-          </p:cNvSpPr>
-          <p:nvPr>
-            <p:ph type="body" idx="1"/>
-          </p:nvPr>
-        </p:nvSpPr>
-        <p:spPr/>
-        <p:txBody>
-          <a:bodyPr/>
-          <a:lstStyle/>
-          <a:p>
-            <a:pPr marL="0" indent="0">
-              <a:buFontTx/>
-              <a:buNone/>
-            </a:pPr>
-            <a:endParaRPr lang="es-PE" dirty="0"/>
-          </a:p>
-        </p:txBody>
-      </p:sp>
-      <p:sp>
-        <p:nvSpPr>
-          <p:cNvPr id="4" name="3 Marcador de número de diapositiva"/>
-          <p:cNvSpPr>
-            <a:spLocks noGrp="1"/>
-          </p:cNvSpPr>
-          <p:nvPr>
-            <p:ph type="sldNum" sz="quarter" idx="10"/>
-          </p:nvPr>
-        </p:nvSpPr>
-        <p:spPr/>
-        <p:txBody>
-          <a:bodyPr/>
-          <a:lstStyle/>
-          <a:p>
-            <a:fld id="{80C14895-23C8-45AE-85D5-3B35E5980A68}" type="slidenum">
-              <a:rPr lang="es-PE" smtClean="0"/>
-              <a:t>35</a:t>
-            </a:fld>
-            <a:endParaRPr lang="es-PE"/>
-          </a:p>
-        </p:txBody>
-      </p:sp>
-    </p:spTree>
-    <p:extLst>
-      <p:ext uri="{BB962C8B-B14F-4D97-AF65-F5344CB8AC3E}">
-        <p14:creationId xmlns:p14="http://schemas.microsoft.com/office/powerpoint/2010/main" val="3432092158"/>
-      </p:ext>
-    </p:extLst>
-  </p:cSld>
-  <p:clrMapOvr>
-    <a:masterClrMapping/>
-  </p:clrMapOvr>
-</p:notes>
-</file>
-
-<file path=ppt/notesSlides/notesSlide36.xml><?xml version="1.0" encoding="utf-8"?>
-<p:notes xmlns:a="http://schemas.openxmlformats.org/drawingml/2006/main" xmlns:r="http://schemas.openxmlformats.org/officeDocument/2006/relationships" xmlns:p="http://schemas.openxmlformats.org/presentationml/2006/main">
-  <p:cSld>
-    <p:spTree>
-      <p:nvGrpSpPr>
-        <p:cNvPr id="1" name=""/>
-        <p:cNvGrpSpPr/>
-        <p:nvPr/>
-      </p:nvGrpSpPr>
-      <p:grpSpPr>
-        <a:xfrm>
-          <a:off x="0" y="0"/>
-          <a:ext cx="0" cy="0"/>
-          <a:chOff x="0" y="0"/>
-          <a:chExt cx="0" cy="0"/>
-        </a:xfrm>
-      </p:grpSpPr>
-      <p:sp>
-        <p:nvSpPr>
-          <p:cNvPr id="2" name="1 Marcador de imagen de diapositiva"/>
-          <p:cNvSpPr>
-            <a:spLocks noGrp="1" noRot="1" noChangeAspect="1"/>
-          </p:cNvSpPr>
-          <p:nvPr>
-            <p:ph type="sldImg"/>
-          </p:nvPr>
-        </p:nvSpPr>
-        <p:spPr/>
-      </p:sp>
-      <p:sp>
-        <p:nvSpPr>
-          <p:cNvPr id="3" name="2 Marcador de notas"/>
-          <p:cNvSpPr>
-            <a:spLocks noGrp="1"/>
-          </p:cNvSpPr>
-          <p:nvPr>
-            <p:ph type="body" idx="1"/>
-          </p:nvPr>
-        </p:nvSpPr>
-        <p:spPr/>
-        <p:txBody>
-          <a:bodyPr/>
-          <a:lstStyle/>
-          <a:p>
-            <a:endParaRPr lang="es-PE" dirty="0"/>
-          </a:p>
-        </p:txBody>
-      </p:sp>
-      <p:sp>
-        <p:nvSpPr>
-          <p:cNvPr id="4" name="3 Marcador de número de diapositiva"/>
-          <p:cNvSpPr>
-            <a:spLocks noGrp="1"/>
-          </p:cNvSpPr>
-          <p:nvPr>
-            <p:ph type="sldNum" sz="quarter" idx="10"/>
-          </p:nvPr>
-        </p:nvSpPr>
-        <p:spPr/>
-        <p:txBody>
-          <a:bodyPr/>
-          <a:lstStyle/>
-          <a:p>
-            <a:fld id="{80C14895-23C8-45AE-85D5-3B35E5980A68}" type="slidenum">
-              <a:rPr lang="es-PE" smtClean="0"/>
-              <a:t>36</a:t>
-            </a:fld>
-            <a:endParaRPr lang="es-PE"/>
-          </a:p>
-        </p:txBody>
-      </p:sp>
-    </p:spTree>
-    <p:extLst>
-      <p:ext uri="{BB962C8B-B14F-4D97-AF65-F5344CB8AC3E}">
-        <p14:creationId xmlns:p14="http://schemas.microsoft.com/office/powerpoint/2010/main" val="3432092158"/>
-      </p:ext>
-    </p:extLst>
-  </p:cSld>
-  <p:clrMapOvr>
-    <a:masterClrMapping/>
-  </p:clrMapOvr>
-</p:notes>
-</file>
-
 <file path=ppt/notesSlides/notesSlide4.xml><?xml version="1.0" encoding="utf-8"?>
 <p:notes xmlns:a="http://schemas.openxmlformats.org/drawingml/2006/main" xmlns:r="http://schemas.openxmlformats.org/officeDocument/2006/relationships" xmlns:p="http://schemas.openxmlformats.org/presentationml/2006/main">
   <p:cSld>
@@ -4174,10 +3872,18 @@
           <a:bodyPr/>
           <a:lstStyle/>
           <a:p>
-            <a:pPr marL="0" indent="0">
-              <a:buFontTx/>
-              <a:buNone/>
-            </a:pPr>
+            <a:r>
+              <a:rPr lang="es-PE" baseline="0" dirty="0" smtClean="0"/>
+              <a:t>Está de más decir que las bases de datos son una parte fundamental y complementaria de las aplicaciones y que por eso también necesita ser debidamente probada debidamente. Pero también hay otra razón muy importante, es que algunas aplicaciones, especialmente las aplicaciones </a:t>
+            </a:r>
+            <a:r>
+              <a:rPr lang="es-PE" baseline="0" dirty="0" err="1" smtClean="0"/>
+              <a:t>legacy</a:t>
+            </a:r>
+            <a:r>
+              <a:rPr lang="es-PE" baseline="0" dirty="0" smtClean="0"/>
+              <a:t> antiguas, tienen gran parte de la lógica de la aplicación en la BD y no tanto en las clases, entonces necesitamos una forma de probar esa lógica.</a:t>
+            </a:r>
             <a:endParaRPr lang="es-PE" dirty="0"/>
           </a:p>
         </p:txBody>
@@ -4201,7 +3907,7 @@
               <a:rPr lang="es-PE" smtClean="0"/>
               <a:t>6</a:t>
             </a:fld>
-            <a:endParaRPr lang="es-PE"/>
+            <a:endParaRPr lang="es-PE" dirty="0"/>
           </a:p>
         </p:txBody>
       </p:sp>
@@ -4262,18 +3968,10 @@
           <a:bodyPr/>
           <a:lstStyle/>
           <a:p>
-            <a:r>
-              <a:rPr lang="es-PE" baseline="0" dirty="0" smtClean="0"/>
-              <a:t>Está de más decir que las bases de datos son una parte fundamental y complementaria de las aplicaciones y que por eso también necesita ser debidamente probada debidamente. Pero también hay otra razón muy importante, es que algunas aplicaciones, especialmente las aplicaciones </a:t>
-            </a:r>
-            <a:r>
-              <a:rPr lang="es-PE" baseline="0" dirty="0" err="1" smtClean="0"/>
-              <a:t>legacy</a:t>
-            </a:r>
-            <a:r>
-              <a:rPr lang="es-PE" baseline="0" dirty="0" smtClean="0"/>
-              <a:t> antiguas, tienen gran parte de la lógica de la aplicación en la BD y no tanto en las clases, entonces necesitamos una forma de probar esa lógica.</a:t>
-            </a:r>
+            <a:pPr marL="0" indent="0">
+              <a:buFontTx/>
+              <a:buNone/>
+            </a:pPr>
             <a:endParaRPr lang="es-PE" dirty="0"/>
           </a:p>
         </p:txBody>
@@ -4297,7 +3995,7 @@
               <a:rPr lang="es-PE" smtClean="0"/>
               <a:t>7</a:t>
             </a:fld>
-            <a:endParaRPr lang="es-PE" dirty="0"/>
+            <a:endParaRPr lang="es-PE"/>
           </a:p>
         </p:txBody>
       </p:sp>
@@ -5620,7 +5318,7 @@
             <a:fld id="{807CB568-C05F-482F-9F26-AA302B8892DF}" type="datetimeFigureOut">
               <a:rPr lang="es-ES" smtClean="0"/>
               <a:pPr/>
-              <a:t>21/04/2013</a:t>
+              <a:t>25/04/2013</a:t>
             </a:fld>
             <a:endParaRPr lang="es-ES"/>
           </a:p>
@@ -5799,7 +5497,7 @@
             <a:fld id="{807CB568-C05F-482F-9F26-AA302B8892DF}" type="datetimeFigureOut">
               <a:rPr lang="es-ES" smtClean="0"/>
               <a:pPr/>
-              <a:t>21/04/2013</a:t>
+              <a:t>25/04/2013</a:t>
             </a:fld>
             <a:endParaRPr lang="es-ES"/>
           </a:p>
@@ -5988,7 +5686,7 @@
             <a:fld id="{807CB568-C05F-482F-9F26-AA302B8892DF}" type="datetimeFigureOut">
               <a:rPr lang="es-ES" smtClean="0"/>
               <a:pPr/>
-              <a:t>21/04/2013</a:t>
+              <a:t>25/04/2013</a:t>
             </a:fld>
             <a:endParaRPr lang="es-ES"/>
           </a:p>
@@ -6167,7 +5865,7 @@
             <a:fld id="{807CB568-C05F-482F-9F26-AA302B8892DF}" type="datetimeFigureOut">
               <a:rPr lang="es-ES" smtClean="0"/>
               <a:pPr/>
-              <a:t>21/04/2013</a:t>
+              <a:t>25/04/2013</a:t>
             </a:fld>
             <a:endParaRPr lang="es-ES"/>
           </a:p>
@@ -6422,7 +6120,7 @@
             <a:fld id="{807CB568-C05F-482F-9F26-AA302B8892DF}" type="datetimeFigureOut">
               <a:rPr lang="es-ES" smtClean="0"/>
               <a:pPr/>
-              <a:t>21/04/2013</a:t>
+              <a:t>25/04/2013</a:t>
             </a:fld>
             <a:endParaRPr lang="es-ES"/>
           </a:p>
@@ -6719,7 +6417,7 @@
             <a:fld id="{807CB568-C05F-482F-9F26-AA302B8892DF}" type="datetimeFigureOut">
               <a:rPr lang="es-ES" smtClean="0"/>
               <a:pPr/>
-              <a:t>21/04/2013</a:t>
+              <a:t>25/04/2013</a:t>
             </a:fld>
             <a:endParaRPr lang="es-ES"/>
           </a:p>
@@ -7150,7 +6848,7 @@
             <a:fld id="{807CB568-C05F-482F-9F26-AA302B8892DF}" type="datetimeFigureOut">
               <a:rPr lang="es-ES" smtClean="0"/>
               <a:pPr/>
-              <a:t>21/04/2013</a:t>
+              <a:t>25/04/2013</a:t>
             </a:fld>
             <a:endParaRPr lang="es-ES"/>
           </a:p>
@@ -7277,7 +6975,7 @@
             <a:fld id="{807CB568-C05F-482F-9F26-AA302B8892DF}" type="datetimeFigureOut">
               <a:rPr lang="es-ES" smtClean="0"/>
               <a:pPr/>
-              <a:t>21/04/2013</a:t>
+              <a:t>25/04/2013</a:t>
             </a:fld>
             <a:endParaRPr lang="es-ES"/>
           </a:p>
@@ -7381,7 +7079,7 @@
             <a:fld id="{807CB568-C05F-482F-9F26-AA302B8892DF}" type="datetimeFigureOut">
               <a:rPr lang="es-ES" smtClean="0"/>
               <a:pPr/>
-              <a:t>21/04/2013</a:t>
+              <a:t>25/04/2013</a:t>
             </a:fld>
             <a:endParaRPr lang="es-ES"/>
           </a:p>
@@ -7667,7 +7365,7 @@
             <a:fld id="{807CB568-C05F-482F-9F26-AA302B8892DF}" type="datetimeFigureOut">
               <a:rPr lang="es-ES" smtClean="0"/>
               <a:pPr/>
-              <a:t>21/04/2013</a:t>
+              <a:t>25/04/2013</a:t>
             </a:fld>
             <a:endParaRPr lang="es-ES"/>
           </a:p>
@@ -7936,7 +7634,7 @@
             <a:fld id="{807CB568-C05F-482F-9F26-AA302B8892DF}" type="datetimeFigureOut">
               <a:rPr lang="es-ES" smtClean="0"/>
               <a:pPr/>
-              <a:t>21/04/2013</a:t>
+              <a:t>25/04/2013</a:t>
             </a:fld>
             <a:endParaRPr lang="es-ES"/>
           </a:p>
@@ -8187,7 +7885,7 @@
             <a:fld id="{807CB568-C05F-482F-9F26-AA302B8892DF}" type="datetimeFigureOut">
               <a:rPr lang="es-ES" smtClean="0"/>
               <a:pPr/>
-              <a:t>21/04/2013</a:t>
+              <a:t>25/04/2013</a:t>
             </a:fld>
             <a:endParaRPr lang="es-ES"/>
           </a:p>
@@ -10979,7 +10677,7 @@
                   <a:srgbClr val="FF0000"/>
                 </a:solidFill>
               </a:rPr>
-              <a:t>External</a:t>
+              <a:t>Self-Contained</a:t>
             </a:r>
             <a:r>
               <a:rPr lang="es-PE" sz="3200" b="1" dirty="0" smtClean="0">
@@ -10987,7 +10685,7 @@
                   <a:srgbClr val="FF0000"/>
                 </a:solidFill>
               </a:rPr>
-              <a:t> Data </a:t>
+              <a:t> </a:t>
             </a:r>
             <a:r>
               <a:rPr lang="es-PE" sz="3200" b="1" dirty="0" err="1" smtClean="0">
@@ -10995,7 +10693,7 @@
                   <a:srgbClr val="FF0000"/>
                 </a:solidFill>
               </a:rPr>
-              <a:t>Source</a:t>
+              <a:t>Tests</a:t>
             </a:r>
             <a:endParaRPr lang="es-PE" sz="3200" b="1" dirty="0" smtClean="0">
               <a:solidFill>
@@ -11029,24 +10727,24 @@
             <a:pPr algn="ctr"/>
             <a:r>
               <a:rPr lang="es-PE" sz="2600" dirty="0"/>
-              <a:t>Mantener archivos externos con datos que serán cargados cuando sea necesario (Archivos planos, </a:t>
+              <a:t>Cada </a:t>
             </a:r>
             <a:r>
               <a:rPr lang="es-PE" sz="2600" dirty="0" smtClean="0"/>
-              <a:t>XML, </a:t>
-            </a:r>
-            <a:r>
-              <a:rPr lang="es-PE" sz="2600" dirty="0" err="1" smtClean="0"/>
-              <a:t>etc</a:t>
+              <a:t>prueba, </a:t>
+            </a:r>
+            <a:r>
+              <a:rPr lang="es-PE" sz="2600" dirty="0"/>
+              <a:t>por si </a:t>
             </a:r>
             <a:r>
               <a:rPr lang="es-PE" sz="2600" dirty="0" smtClean="0"/>
-              <a:t>).</a:t>
+              <a:t>misma y de manera interna, inicializa la BD en un estado conocido.</a:t>
             </a:r>
             <a:endParaRPr lang="es-PE" sz="2600" dirty="0"/>
           </a:p>
           <a:p>
-            <a:endParaRPr lang="es-PE" sz="2600" dirty="0" smtClean="0"/>
+            <a:endParaRPr lang="es-PE" sz="2600" dirty="0"/>
           </a:p>
           <a:p>
             <a:pPr lvl="1"/>
@@ -11058,11 +10756,6 @@
               </a:rPr>
               <a:t>PROS</a:t>
             </a:r>
-            <a:endParaRPr lang="es-PE" sz="2600" dirty="0">
-              <a:solidFill>
-                <a:srgbClr val="FFC000"/>
-              </a:solidFill>
-            </a:endParaRPr>
           </a:p>
           <a:p>
             <a:pPr marL="800100" lvl="1" indent="-342900">
@@ -11071,42 +10764,52 @@
             </a:pPr>
             <a:r>
               <a:rPr lang="es-PE" sz="2600" dirty="0" smtClean="0"/>
-              <a:t>Reutilizar un misma fuente de datos en diferentes pruebas.</a:t>
-            </a:r>
-            <a:endParaRPr lang="es-PE" sz="2600" dirty="0"/>
-          </a:p>
-          <a:p>
-            <a:pPr lvl="1"/>
+              <a:t>Menor </a:t>
+            </a:r>
+            <a:r>
+              <a:rPr lang="es-PE" sz="2600" dirty="0"/>
+              <a:t>impacto en el tiempo de ejecución de las pruebas en comparación a las otras estrategias </a:t>
+            </a:r>
             <a:endParaRPr lang="es-PE" sz="2600" dirty="0" smtClean="0"/>
-          </a:p>
-          <a:p>
-            <a:pPr lvl="1"/>
-            <a:r>
-              <a:rPr lang="es-PE" sz="2600" dirty="0" smtClean="0">
-                <a:solidFill>
-                  <a:srgbClr val="FFC000"/>
-                </a:solidFill>
-              </a:rPr>
-              <a:t>CONS</a:t>
-            </a:r>
           </a:p>
           <a:p>
             <a:pPr marL="800100" lvl="1" indent="-342900">
               <a:buFont typeface="Courier New" pitchFamily="49" charset="0"/>
               <a:buChar char="o"/>
             </a:pPr>
+            <a:endParaRPr lang="es-PE" sz="2600" dirty="0"/>
+          </a:p>
+          <a:p>
+            <a:pPr lvl="1"/>
+            <a:r>
+              <a:rPr lang="es-PE" sz="2600" dirty="0" smtClean="0">
+                <a:solidFill>
+                  <a:srgbClr val="FFC000"/>
+                </a:solidFill>
+              </a:rPr>
+              <a:t>CONS</a:t>
+            </a:r>
+          </a:p>
+          <a:p>
+            <a:pPr marL="800100" lvl="1" indent="-342900">
+              <a:buFont typeface="Courier New" pitchFamily="49" charset="0"/>
+              <a:buChar char="o"/>
+            </a:pPr>
             <a:r>
               <a:rPr lang="es-PE" sz="2600" dirty="0" smtClean="0"/>
-              <a:t>El mantenimiento de la pruebas es más difícil ya que también se tienen que mantener los archivos externos.</a:t>
-            </a:r>
-            <a:endParaRPr lang="es-PE" sz="2600" dirty="0"/>
+              <a:t>Un poco difícil de utilizar sin un ORM.</a:t>
+            </a:r>
+          </a:p>
+          <a:p>
+            <a:pPr lvl="1"/>
+            <a:endParaRPr lang="es-PE" sz="2600" dirty="0" smtClean="0"/>
           </a:p>
         </p:txBody>
       </p:sp>
     </p:spTree>
     <p:extLst>
       <p:ext uri="{BB962C8B-B14F-4D97-AF65-F5344CB8AC3E}">
-        <p14:creationId xmlns:p14="http://schemas.microsoft.com/office/powerpoint/2010/main" val="3988626005"/>
+        <p14:creationId xmlns:p14="http://schemas.microsoft.com/office/powerpoint/2010/main" val="1652270185"/>
       </p:ext>
     </p:extLst>
   </p:cSld>
@@ -11166,7 +10869,7 @@
                   <a:srgbClr val="00823B"/>
                 </a:solidFill>
               </a:rPr>
-              <a:t>Inicializar el estado de la BD</a:t>
+              <a:t>Restablecer el estado de la BD</a:t>
             </a:r>
             <a:endParaRPr lang="es-PE" dirty="0">
               <a:solidFill>
@@ -11205,7 +10908,7 @@
                   <a:srgbClr val="FF0000"/>
                 </a:solidFill>
               </a:rPr>
-              <a:t>External</a:t>
+              <a:t>Transaction</a:t>
             </a:r>
             <a:r>
               <a:rPr lang="es-PE" sz="3200" b="1" dirty="0" smtClean="0">
@@ -11213,7 +10916,7 @@
                   <a:srgbClr val="FF0000"/>
                 </a:solidFill>
               </a:rPr>
-              <a:t> Data </a:t>
+              <a:t> - </a:t>
             </a:r>
             <a:r>
               <a:rPr lang="es-PE" sz="3200" b="1" dirty="0" err="1" smtClean="0">
@@ -11221,7 +10924,7 @@
                   <a:srgbClr val="FF0000"/>
                 </a:solidFill>
               </a:rPr>
-              <a:t>Source</a:t>
+              <a:t>Rollback</a:t>
             </a:r>
             <a:endParaRPr lang="es-PE" sz="3200" b="1" dirty="0" smtClean="0">
               <a:solidFill>
@@ -11239,8 +10942,8 @@
         </p:nvSpPr>
         <p:spPr>
           <a:xfrm>
-            <a:off x="323528" y="1711836"/>
-            <a:ext cx="8568952" cy="3293209"/>
+            <a:off x="492356" y="2784410"/>
+            <a:ext cx="8208000" cy="3693319"/>
           </a:xfrm>
           <a:prstGeom prst="rect">
             <a:avLst/>
@@ -11252,166 +10955,68 @@
           </a:bodyPr>
           <a:lstStyle/>
           <a:p>
-            <a:pPr lvl="1" indent="-457200">
-              <a:buFont typeface="Arial" pitchFamily="34" charset="0"/>
-              <a:buChar char="•"/>
-            </a:pPr>
-            <a:r>
-              <a:rPr lang="es-PE" sz="2600" dirty="0" smtClean="0"/>
-              <a:t>Se </a:t>
-            </a:r>
-            <a:r>
-              <a:rPr lang="es-PE" sz="2600" dirty="0"/>
-              <a:t>necesita una organización para los </a:t>
-            </a:r>
-            <a:r>
-              <a:rPr lang="es-PE" sz="2600" dirty="0" smtClean="0"/>
-              <a:t>data </a:t>
-            </a:r>
-            <a:r>
-              <a:rPr lang="es-PE" sz="2600" dirty="0" err="1" smtClean="0"/>
-              <a:t>sources</a:t>
-            </a:r>
-            <a:r>
-              <a:rPr lang="es-PE" sz="2600" dirty="0" smtClean="0"/>
-              <a:t>:</a:t>
-            </a:r>
-          </a:p>
-          <a:p>
-            <a:pPr lvl="2" indent="-457200">
+            <a:r>
+              <a:rPr lang="es-PE" sz="2600" dirty="0" smtClean="0">
+                <a:solidFill>
+                  <a:srgbClr val="FFC000"/>
+                </a:solidFill>
+              </a:rPr>
+              <a:t>PROS</a:t>
+            </a:r>
+          </a:p>
+          <a:p>
+            <a:pPr marL="342900" indent="-342900">
               <a:buFont typeface="Courier New" pitchFamily="49" charset="0"/>
               <a:buChar char="o"/>
             </a:pPr>
             <a:r>
               <a:rPr lang="es-PE" sz="2600" dirty="0" smtClean="0"/>
-              <a:t>Data </a:t>
-            </a:r>
-            <a:r>
-              <a:rPr lang="es-PE" sz="2600" dirty="0" err="1" smtClean="0"/>
-              <a:t>Source</a:t>
-            </a:r>
-            <a:r>
-              <a:rPr lang="es-PE" sz="2600" dirty="0" smtClean="0"/>
-              <a:t> x </a:t>
-            </a:r>
-            <a:r>
-              <a:rPr lang="es-PE" sz="2600" dirty="0" err="1" smtClean="0"/>
-              <a:t>Entire</a:t>
-            </a:r>
-            <a:r>
-              <a:rPr lang="es-PE" sz="2600" dirty="0" smtClean="0"/>
-              <a:t> </a:t>
-            </a:r>
-            <a:r>
-              <a:rPr lang="es-PE" sz="2600" dirty="0" err="1" smtClean="0"/>
-              <a:t>Application</a:t>
-            </a:r>
-            <a:endParaRPr lang="es-PE" sz="2600" dirty="0" smtClean="0"/>
-          </a:p>
-          <a:p>
-            <a:pPr lvl="2" indent="-457200">
+              <a:t>Usualmente fácil de implementar.</a:t>
+            </a:r>
+            <a:endParaRPr lang="es-PE" sz="2600" dirty="0"/>
+          </a:p>
+          <a:p>
+            <a:pPr marL="342900" indent="-342900">
               <a:buFont typeface="Courier New" pitchFamily="49" charset="0"/>
               <a:buChar char="o"/>
             </a:pPr>
             <a:r>
               <a:rPr lang="es-PE" sz="2600" dirty="0" smtClean="0"/>
-              <a:t>Data </a:t>
-            </a:r>
-            <a:r>
-              <a:rPr lang="es-PE" sz="2600" dirty="0" err="1" smtClean="0"/>
-              <a:t>Source</a:t>
-            </a:r>
-            <a:r>
-              <a:rPr lang="es-PE" sz="2600" dirty="0" smtClean="0"/>
-              <a:t> x Data Access </a:t>
-            </a:r>
-            <a:r>
-              <a:rPr lang="es-PE" sz="2600" dirty="0" err="1" smtClean="0"/>
-              <a:t>Object</a:t>
-            </a:r>
-            <a:r>
-              <a:rPr lang="es-PE" sz="2600" dirty="0" smtClean="0"/>
-              <a:t>.</a:t>
-            </a:r>
-          </a:p>
-          <a:p>
-            <a:pPr lvl="2" indent="-457200">
+              <a:t>Poco impacto en el tiempo de ejecución de las pruebas.</a:t>
+            </a:r>
+          </a:p>
+          <a:p>
+            <a:endParaRPr lang="es-PE" sz="2600" dirty="0"/>
+          </a:p>
+          <a:p>
+            <a:r>
+              <a:rPr lang="es-PE" sz="2600" dirty="0" smtClean="0">
+                <a:solidFill>
+                  <a:srgbClr val="FFC000"/>
+                </a:solidFill>
+              </a:rPr>
+              <a:t>CONS</a:t>
+            </a:r>
+          </a:p>
+          <a:p>
+            <a:pPr marL="342900" indent="-342900">
               <a:buFont typeface="Courier New" pitchFamily="49" charset="0"/>
               <a:buChar char="o"/>
             </a:pPr>
             <a:r>
               <a:rPr lang="es-PE" sz="2600" dirty="0" smtClean="0"/>
-              <a:t>Data </a:t>
-            </a:r>
+              <a:t>No siempre se puede utilizar. </a:t>
+            </a:r>
+            <a:br>
+              <a:rPr lang="es-PE" sz="2600" dirty="0" smtClean="0"/>
+            </a:br>
             <a:r>
               <a:rPr lang="es-PE" sz="2600" dirty="0" err="1" smtClean="0"/>
-              <a:t>Source</a:t>
+              <a:t>Ejm</a:t>
             </a:r>
             <a:r>
               <a:rPr lang="es-PE" sz="2600" dirty="0" smtClean="0"/>
-              <a:t> x </a:t>
-            </a:r>
-            <a:r>
-              <a:rPr lang="es-PE" sz="2600" dirty="0" err="1" smtClean="0"/>
-              <a:t>Feature</a:t>
-            </a:r>
-            <a:r>
-              <a:rPr lang="es-PE" sz="2600" dirty="0"/>
-              <a:t> (</a:t>
-            </a:r>
-            <a:r>
-              <a:rPr lang="es-PE" sz="2600" dirty="0" err="1"/>
-              <a:t>System</a:t>
-            </a:r>
-            <a:r>
-              <a:rPr lang="es-PE" sz="2600" dirty="0"/>
-              <a:t> </a:t>
-            </a:r>
-            <a:r>
-              <a:rPr lang="es-PE" sz="2600" dirty="0" err="1"/>
-              <a:t>Testing</a:t>
-            </a:r>
-            <a:r>
-              <a:rPr lang="es-PE" sz="2600" dirty="0" smtClean="0"/>
-              <a:t>).</a:t>
-            </a:r>
-          </a:p>
-          <a:p>
-            <a:pPr lvl="2" indent="-457200">
-              <a:buFont typeface="Courier New" pitchFamily="49" charset="0"/>
-              <a:buChar char="o"/>
-            </a:pPr>
-            <a:r>
-              <a:rPr lang="es-PE" sz="2600" dirty="0" smtClean="0"/>
-              <a:t>Data </a:t>
-            </a:r>
-            <a:r>
-              <a:rPr lang="es-PE" sz="2600" dirty="0" err="1" smtClean="0"/>
-              <a:t>Source</a:t>
-            </a:r>
-            <a:r>
-              <a:rPr lang="es-PE" sz="2600" dirty="0" smtClean="0"/>
-              <a:t> x </a:t>
-            </a:r>
-            <a:r>
-              <a:rPr lang="es-PE" sz="2600" dirty="0" err="1" smtClean="0"/>
-              <a:t>Jouney</a:t>
-            </a:r>
-            <a:r>
-              <a:rPr lang="es-PE" sz="2600" dirty="0"/>
-              <a:t> </a:t>
-            </a:r>
-            <a:r>
-              <a:rPr lang="es-PE" sz="2600" dirty="0" smtClean="0"/>
-              <a:t>(</a:t>
-            </a:r>
-            <a:r>
-              <a:rPr lang="es-PE" sz="2600" dirty="0" err="1" smtClean="0"/>
-              <a:t>System</a:t>
-            </a:r>
-            <a:r>
-              <a:rPr lang="es-PE" sz="2600" dirty="0" smtClean="0"/>
-              <a:t> </a:t>
+              <a:t>: Web </a:t>
             </a:r>
             <a:r>
               <a:rPr lang="es-PE" sz="2600" dirty="0" err="1" smtClean="0"/>
@@ -11419,38 +11024,52 @@
             </a:r>
             <a:r>
               <a:rPr lang="es-PE" sz="2600" dirty="0" smtClean="0"/>
-              <a:t>).</a:t>
-            </a:r>
-          </a:p>
-          <a:p>
-            <a:pPr lvl="1" indent="-457200">
-              <a:buFont typeface="Arial" pitchFamily="34" charset="0"/>
-              <a:buChar char="•"/>
-            </a:pPr>
-            <a:endParaRPr lang="es-PE" sz="2600" dirty="0"/>
-          </a:p>
-          <a:p>
-            <a:pPr marL="457200" indent="-457200">
-              <a:buFont typeface="Arial" pitchFamily="34" charset="0"/>
-              <a:buChar char="•"/>
-            </a:pPr>
+              <a:t> ( El test inicializa un proceso diferente que se ejecuta en el navegador, por lo tanto el </a:t>
+            </a:r>
+            <a:r>
+              <a:rPr lang="es-PE" sz="2600" dirty="0" err="1" smtClean="0"/>
+              <a:t>rollback</a:t>
+            </a:r>
             <a:r>
               <a:rPr lang="es-PE" sz="2600" dirty="0" smtClean="0"/>
-              <a:t>Herramientas:</a:t>
-            </a:r>
-          </a:p>
-          <a:p>
-            <a:pPr marL="914400" lvl="1" indent="-457200">
-              <a:buFont typeface="Courier New" pitchFamily="49" charset="0"/>
-              <a:buChar char="o"/>
-            </a:pPr>
+              <a:t> de la prueba no afecta a lo alterado por el navegador)</a:t>
+            </a:r>
+          </a:p>
+        </p:txBody>
+      </p:sp>
+      <p:sp>
+        <p:nvSpPr>
+          <p:cNvPr id="6" name="5 Rectángulo"/>
+          <p:cNvSpPr/>
+          <p:nvPr/>
+        </p:nvSpPr>
+        <p:spPr>
+          <a:xfrm>
+            <a:off x="323528" y="1682101"/>
+            <a:ext cx="8568000" cy="892552"/>
+          </a:xfrm>
+          <a:prstGeom prst="rect">
+            <a:avLst/>
+          </a:prstGeom>
+        </p:spPr>
+        <p:txBody>
+          <a:bodyPr wrap="square">
+            <a:spAutoFit/>
+          </a:bodyPr>
+          <a:lstStyle/>
+          <a:p>
+            <a:pPr algn="ctr"/>
+            <a:r>
+              <a:rPr lang="es-PE" sz="2600" dirty="0" smtClean="0"/>
+              <a:t>Realizar cada prueba dentro de una transacción y al finalizar su ejecución realizar un </a:t>
+            </a:r>
             <a:r>
               <a:rPr lang="es-PE" sz="2600" dirty="0" err="1" smtClean="0"/>
-              <a:t>NDbUnit</a:t>
+              <a:t>rollback</a:t>
             </a:r>
             <a:r>
               <a:rPr lang="es-PE" sz="2600" dirty="0" smtClean="0"/>
-              <a:t>: archivos XML.</a:t>
+              <a:t> para desechar los cambios.</a:t>
             </a:r>
             <a:endParaRPr lang="es-PE" sz="2600" dirty="0"/>
           </a:p>
@@ -11459,7 +11078,7 @@
     </p:spTree>
     <p:extLst>
       <p:ext uri="{BB962C8B-B14F-4D97-AF65-F5344CB8AC3E}">
-        <p14:creationId xmlns:p14="http://schemas.microsoft.com/office/powerpoint/2010/main" val="2448323735"/>
+        <p14:creationId xmlns:p14="http://schemas.microsoft.com/office/powerpoint/2010/main" val="3476966581"/>
       </p:ext>
     </p:extLst>
   </p:cSld>
@@ -11495,31 +11114,304 @@
       </p:grpSpPr>
       <p:sp>
         <p:nvSpPr>
-          <p:cNvPr id="3" name="2 Título"/>
-          <p:cNvSpPr>
-            <a:spLocks noGrp="1"/>
+          <p:cNvPr id="4" name="2 Título"/>
+          <p:cNvSpPr txBox="1">
+            <a:spLocks/>
           </p:cNvSpPr>
-          <p:nvPr>
-            <p:ph type="title"/>
-          </p:nvPr>
-        </p:nvSpPr>
-        <p:spPr>
+          <p:nvPr/>
+        </p:nvSpPr>
+        <p:spPr bwMode="auto">
           <a:xfrm>
-            <a:off x="556805" y="183778"/>
-            <a:ext cx="8229600" cy="724942"/>
+            <a:off x="457200" y="1124744"/>
+            <a:ext cx="8229600" cy="3672408"/>
           </a:xfrm>
+          <a:prstGeom prst="rect">
+            <a:avLst/>
+          </a:prstGeom>
+          <a:noFill/>
+          <a:ln w="9525">
+            <a:noFill/>
+            <a:miter lim="800000"/>
+            <a:headEnd/>
+            <a:tailEnd/>
+          </a:ln>
         </p:spPr>
         <p:txBody>
-          <a:bodyPr/>
-          <a:lstStyle/>
+          <a:bodyPr vert="horz" wrap="square" lIns="91440" tIns="45720" rIns="91440" bIns="45720" numCol="1" anchor="ctr" anchorCtr="0" compatLnSpc="1">
+            <a:prstTxWarp prst="textNoShape">
+              <a:avLst/>
+            </a:prstTxWarp>
+          </a:bodyPr>
+          <a:lstStyle>
+            <a:lvl1pPr algn="ctr" rtl="0" eaLnBrk="1" fontAlgn="base" hangingPunct="1">
+              <a:spcBef>
+                <a:spcPct val="0"/>
+              </a:spcBef>
+              <a:spcAft>
+                <a:spcPct val="0"/>
+              </a:spcAft>
+              <a:defRPr sz="4400" kern="1200">
+                <a:solidFill>
+                  <a:schemeClr val="tx1"/>
+                </a:solidFill>
+                <a:latin typeface="+mj-lt"/>
+                <a:ea typeface="+mj-ea"/>
+                <a:cs typeface="+mj-cs"/>
+              </a:defRPr>
+            </a:lvl1pPr>
+            <a:lvl2pPr algn="ctr" rtl="0" eaLnBrk="1" fontAlgn="base" hangingPunct="1">
+              <a:spcBef>
+                <a:spcPct val="0"/>
+              </a:spcBef>
+              <a:spcAft>
+                <a:spcPct val="0"/>
+              </a:spcAft>
+              <a:defRPr sz="4400">
+                <a:solidFill>
+                  <a:schemeClr val="tx1"/>
+                </a:solidFill>
+                <a:latin typeface="Calibri" pitchFamily="34" charset="0"/>
+              </a:defRPr>
+            </a:lvl2pPr>
+            <a:lvl3pPr algn="ctr" rtl="0" eaLnBrk="1" fontAlgn="base" hangingPunct="1">
+              <a:spcBef>
+                <a:spcPct val="0"/>
+              </a:spcBef>
+              <a:spcAft>
+                <a:spcPct val="0"/>
+              </a:spcAft>
+              <a:defRPr sz="4400">
+                <a:solidFill>
+                  <a:schemeClr val="tx1"/>
+                </a:solidFill>
+                <a:latin typeface="Calibri" pitchFamily="34" charset="0"/>
+              </a:defRPr>
+            </a:lvl3pPr>
+            <a:lvl4pPr algn="ctr" rtl="0" eaLnBrk="1" fontAlgn="base" hangingPunct="1">
+              <a:spcBef>
+                <a:spcPct val="0"/>
+              </a:spcBef>
+              <a:spcAft>
+                <a:spcPct val="0"/>
+              </a:spcAft>
+              <a:defRPr sz="4400">
+                <a:solidFill>
+                  <a:schemeClr val="tx1"/>
+                </a:solidFill>
+                <a:latin typeface="Calibri" pitchFamily="34" charset="0"/>
+              </a:defRPr>
+            </a:lvl4pPr>
+            <a:lvl5pPr algn="ctr" rtl="0" eaLnBrk="1" fontAlgn="base" hangingPunct="1">
+              <a:spcBef>
+                <a:spcPct val="0"/>
+              </a:spcBef>
+              <a:spcAft>
+                <a:spcPct val="0"/>
+              </a:spcAft>
+              <a:defRPr sz="4400">
+                <a:solidFill>
+                  <a:schemeClr val="tx1"/>
+                </a:solidFill>
+                <a:latin typeface="Calibri" pitchFamily="34" charset="0"/>
+              </a:defRPr>
+            </a:lvl5pPr>
+            <a:lvl6pPr marL="457200" algn="ctr" rtl="0" eaLnBrk="1" fontAlgn="base" hangingPunct="1">
+              <a:spcBef>
+                <a:spcPct val="0"/>
+              </a:spcBef>
+              <a:spcAft>
+                <a:spcPct val="0"/>
+              </a:spcAft>
+              <a:defRPr sz="4400">
+                <a:solidFill>
+                  <a:schemeClr val="tx1"/>
+                </a:solidFill>
+                <a:latin typeface="Calibri" pitchFamily="34" charset="0"/>
+              </a:defRPr>
+            </a:lvl6pPr>
+            <a:lvl7pPr marL="914400" algn="ctr" rtl="0" eaLnBrk="1" fontAlgn="base" hangingPunct="1">
+              <a:spcBef>
+                <a:spcPct val="0"/>
+              </a:spcBef>
+              <a:spcAft>
+                <a:spcPct val="0"/>
+              </a:spcAft>
+              <a:defRPr sz="4400">
+                <a:solidFill>
+                  <a:schemeClr val="tx1"/>
+                </a:solidFill>
+                <a:latin typeface="Calibri" pitchFamily="34" charset="0"/>
+              </a:defRPr>
+            </a:lvl7pPr>
+            <a:lvl8pPr marL="1371600" algn="ctr" rtl="0" eaLnBrk="1" fontAlgn="base" hangingPunct="1">
+              <a:spcBef>
+                <a:spcPct val="0"/>
+              </a:spcBef>
+              <a:spcAft>
+                <a:spcPct val="0"/>
+              </a:spcAft>
+              <a:defRPr sz="4400">
+                <a:solidFill>
+                  <a:schemeClr val="tx1"/>
+                </a:solidFill>
+                <a:latin typeface="Calibri" pitchFamily="34" charset="0"/>
+              </a:defRPr>
+            </a:lvl8pPr>
+            <a:lvl9pPr marL="1828800" algn="ctr" rtl="0" eaLnBrk="1" fontAlgn="base" hangingPunct="1">
+              <a:spcBef>
+                <a:spcPct val="0"/>
+              </a:spcBef>
+              <a:spcAft>
+                <a:spcPct val="0"/>
+              </a:spcAft>
+              <a:defRPr sz="4400">
+                <a:solidFill>
+                  <a:schemeClr val="tx1"/>
+                </a:solidFill>
+                <a:latin typeface="Calibri" pitchFamily="34" charset="0"/>
+              </a:defRPr>
+            </a:lvl9pPr>
+          </a:lstStyle>
           <a:p>
             <a:r>
               <a:rPr lang="es-PE" dirty="0" smtClean="0">
                 <a:solidFill>
+                  <a:srgbClr val="FFC000"/>
+                </a:solidFill>
+              </a:rPr>
+              <a:t>Ejercicio</a:t>
+            </a:r>
+            <a:br>
+              <a:rPr lang="es-PE" dirty="0" smtClean="0">
+                <a:solidFill>
+                  <a:srgbClr val="FFC000"/>
+                </a:solidFill>
+              </a:rPr>
+            </a:br>
+            <a:r>
+              <a:rPr lang="es-PE" dirty="0">
+                <a:solidFill>
                   <a:srgbClr val="00823B"/>
                 </a:solidFill>
               </a:rPr>
-              <a:t>Restablecer el estado de la BD</a:t>
+              <a:t>"</a:t>
+            </a:r>
+            <a:r>
+              <a:rPr lang="es-PE" dirty="0" err="1">
+                <a:solidFill>
+                  <a:srgbClr val="00823B"/>
+                </a:solidFill>
+              </a:rPr>
+              <a:t>Raw</a:t>
+            </a:r>
+            <a:r>
+              <a:rPr lang="es-PE" dirty="0">
+                <a:solidFill>
+                  <a:srgbClr val="00823B"/>
+                </a:solidFill>
+              </a:rPr>
+              <a:t>" </a:t>
+            </a:r>
+            <a:r>
+              <a:rPr lang="es-PE" dirty="0" smtClean="0">
+                <a:solidFill>
+                  <a:srgbClr val="00823B"/>
+                </a:solidFill>
+              </a:rPr>
+              <a:t>JDBC </a:t>
+            </a:r>
+            <a:r>
+              <a:rPr lang="es-PE" dirty="0" err="1">
+                <a:solidFill>
+                  <a:srgbClr val="00823B"/>
+                </a:solidFill>
+              </a:rPr>
+              <a:t>Testing</a:t>
+            </a:r>
+            <a:r>
+              <a:rPr lang="es-PE" dirty="0" smtClean="0"/>
+              <a:t/>
+            </a:r>
+            <a:br>
+              <a:rPr lang="es-PE" dirty="0" smtClean="0"/>
+            </a:br>
+            <a:r>
+              <a:rPr lang="es-PE" dirty="0" smtClean="0"/>
+              <a:t>utilizando</a:t>
+            </a:r>
+            <a:br>
+              <a:rPr lang="es-PE" dirty="0" smtClean="0"/>
+            </a:br>
+            <a:r>
+              <a:rPr lang="es-PE" dirty="0" smtClean="0">
+                <a:solidFill>
+                  <a:srgbClr val="00823B"/>
+                </a:solidFill>
+              </a:rPr>
+              <a:t>"</a:t>
+            </a:r>
+            <a:r>
+              <a:rPr lang="es-PE" dirty="0" err="1" smtClean="0">
+                <a:solidFill>
+                  <a:srgbClr val="00823B"/>
+                </a:solidFill>
+              </a:rPr>
+              <a:t>Self-Contained</a:t>
+            </a:r>
+            <a:r>
+              <a:rPr lang="es-PE" dirty="0" smtClean="0">
+                <a:solidFill>
+                  <a:srgbClr val="00823B"/>
+                </a:solidFill>
+              </a:rPr>
+              <a:t>"</a:t>
+            </a:r>
+            <a:br>
+              <a:rPr lang="es-PE" dirty="0" smtClean="0">
+                <a:solidFill>
+                  <a:srgbClr val="00823B"/>
+                </a:solidFill>
+              </a:rPr>
+            </a:br>
+            <a:r>
+              <a:rPr lang="es-PE" dirty="0" smtClean="0">
+                <a:solidFill>
+                  <a:srgbClr val="00823B"/>
+                </a:solidFill>
+              </a:rPr>
+              <a:t>"</a:t>
+            </a:r>
+            <a:r>
+              <a:rPr lang="es-PE" dirty="0" err="1" smtClean="0">
+                <a:solidFill>
+                  <a:srgbClr val="00823B"/>
+                </a:solidFill>
+              </a:rPr>
+              <a:t>Transaction</a:t>
+            </a:r>
+            <a:r>
+              <a:rPr lang="es-PE" dirty="0" smtClean="0">
+                <a:solidFill>
+                  <a:srgbClr val="00823B"/>
+                </a:solidFill>
+              </a:rPr>
+              <a:t> - </a:t>
+            </a:r>
+            <a:r>
+              <a:rPr lang="es-PE" dirty="0" err="1" smtClean="0">
+                <a:solidFill>
+                  <a:srgbClr val="00823B"/>
+                </a:solidFill>
+              </a:rPr>
+              <a:t>Rollback</a:t>
+            </a:r>
+            <a:r>
+              <a:rPr lang="es-PE" dirty="0" smtClean="0">
+                <a:solidFill>
+                  <a:srgbClr val="00823B"/>
+                </a:solidFill>
+              </a:rPr>
+              <a:t>"</a:t>
             </a:r>
             <a:endParaRPr lang="es-PE" dirty="0">
               <a:solidFill>
@@ -11529,216 +11421,10 @@
           </a:p>
         </p:txBody>
       </p:sp>
-      <p:sp>
-        <p:nvSpPr>
-          <p:cNvPr id="2" name="1 CuadroTexto"/>
-          <p:cNvSpPr txBox="1"/>
-          <p:nvPr/>
-        </p:nvSpPr>
-        <p:spPr>
-          <a:xfrm>
-            <a:off x="323528" y="1006517"/>
-            <a:ext cx="8568952" cy="584775"/>
-          </a:xfrm>
-          <a:prstGeom prst="rect">
-            <a:avLst/>
-          </a:prstGeom>
-          <a:noFill/>
-        </p:spPr>
-        <p:txBody>
-          <a:bodyPr wrap="square" rtlCol="0">
-            <a:spAutoFit/>
-          </a:bodyPr>
-          <a:lstStyle/>
-          <a:p>
-            <a:pPr algn="ctr"/>
-            <a:r>
-              <a:rPr lang="es-PE" sz="3200" b="1" dirty="0" err="1" smtClean="0">
-                <a:solidFill>
-                  <a:srgbClr val="FF0000"/>
-                </a:solidFill>
-              </a:rPr>
-              <a:t>Nuke</a:t>
-            </a:r>
-            <a:r>
-              <a:rPr lang="es-PE" sz="3200" b="1" dirty="0" smtClean="0">
-                <a:solidFill>
-                  <a:srgbClr val="FF0000"/>
-                </a:solidFill>
-              </a:rPr>
-              <a:t> and </a:t>
-            </a:r>
-            <a:r>
-              <a:rPr lang="es-PE" sz="3200" b="1" dirty="0" err="1" smtClean="0">
-                <a:solidFill>
-                  <a:srgbClr val="FF0000"/>
-                </a:solidFill>
-              </a:rPr>
-              <a:t>Pave</a:t>
-            </a:r>
-            <a:endParaRPr lang="es-PE" sz="3200" b="1" dirty="0" smtClean="0">
-              <a:solidFill>
-                <a:srgbClr val="FF0000"/>
-              </a:solidFill>
-            </a:endParaRPr>
-          </a:p>
-        </p:txBody>
-      </p:sp>
-      <p:sp>
-        <p:nvSpPr>
-          <p:cNvPr id="4" name="3 Rectángulo"/>
-          <p:cNvSpPr/>
-          <p:nvPr/>
-        </p:nvSpPr>
-        <p:spPr>
-          <a:xfrm>
-            <a:off x="431540" y="2636912"/>
-            <a:ext cx="8352928" cy="3293209"/>
-          </a:xfrm>
-          <a:prstGeom prst="rect">
-            <a:avLst/>
-          </a:prstGeom>
-        </p:spPr>
-        <p:txBody>
-          <a:bodyPr wrap="square">
-            <a:spAutoFit/>
-          </a:bodyPr>
-          <a:lstStyle/>
-          <a:p>
-            <a:pPr lvl="1"/>
-            <a:r>
-              <a:rPr lang="es-PE" sz="2600" dirty="0" smtClean="0">
-                <a:solidFill>
-                  <a:srgbClr val="FFC000"/>
-                </a:solidFill>
-              </a:rPr>
-              <a:t>PROS</a:t>
-            </a:r>
-          </a:p>
-          <a:p>
-            <a:pPr marL="800100" lvl="1" indent="-342900">
-              <a:buFont typeface="Courier New" pitchFamily="49" charset="0"/>
-              <a:buChar char="o"/>
-            </a:pPr>
-            <a:r>
-              <a:rPr lang="es-PE" sz="2600" dirty="0" smtClean="0"/>
-              <a:t>Fácil de implementar.</a:t>
-            </a:r>
-          </a:p>
-          <a:p>
-            <a:pPr marL="800100" lvl="1" indent="-342900">
-              <a:buFont typeface="Courier New" pitchFamily="49" charset="0"/>
-              <a:buChar char="o"/>
-            </a:pPr>
-            <a:endParaRPr lang="es-PE" sz="2600" dirty="0" smtClean="0"/>
-          </a:p>
-          <a:p>
-            <a:pPr lvl="1"/>
-            <a:r>
-              <a:rPr lang="es-PE" sz="2600" dirty="0" smtClean="0">
-                <a:solidFill>
-                  <a:srgbClr val="FFC000"/>
-                </a:solidFill>
-              </a:rPr>
-              <a:t>CONS</a:t>
-            </a:r>
-            <a:endParaRPr lang="es-PE" sz="2600" dirty="0">
-              <a:solidFill>
-                <a:srgbClr val="FFC000"/>
-              </a:solidFill>
-            </a:endParaRPr>
-          </a:p>
-          <a:p>
-            <a:pPr marL="800100" lvl="1" indent="-342900">
-              <a:buFont typeface="Courier New" pitchFamily="49" charset="0"/>
-              <a:buChar char="o"/>
-            </a:pPr>
-            <a:r>
-              <a:rPr lang="es-PE" sz="2600" dirty="0" smtClean="0"/>
-              <a:t>Gran impacto </a:t>
-            </a:r>
-            <a:r>
-              <a:rPr lang="es-PE" sz="2600" dirty="0"/>
-              <a:t>en el tiempo de ejecución de </a:t>
-            </a:r>
-            <a:r>
-              <a:rPr lang="es-PE" sz="2600" dirty="0" smtClean="0"/>
-              <a:t>la prueba. (poco escalable si existen muchas pruebas y datos)</a:t>
-            </a:r>
-          </a:p>
-          <a:p>
-            <a:pPr marL="800100" lvl="1" indent="-342900">
-              <a:buFont typeface="Courier New" pitchFamily="49" charset="0"/>
-              <a:buChar char="o"/>
-            </a:pPr>
-            <a:endParaRPr lang="es-PE" sz="2600" dirty="0"/>
-          </a:p>
-          <a:p>
-            <a:pPr marL="457200" indent="-457200">
-              <a:buFont typeface="Arial" pitchFamily="34" charset="0"/>
-              <a:buChar char="•"/>
-            </a:pPr>
-            <a:endParaRPr lang="es-PE" sz="2600" dirty="0" smtClean="0"/>
-          </a:p>
-        </p:txBody>
-      </p:sp>
-      <p:sp>
-        <p:nvSpPr>
-          <p:cNvPr id="6" name="5 Rectángulo"/>
-          <p:cNvSpPr/>
-          <p:nvPr/>
-        </p:nvSpPr>
-        <p:spPr>
-          <a:xfrm>
-            <a:off x="323528" y="1600344"/>
-            <a:ext cx="8568000" cy="892552"/>
-          </a:xfrm>
-          <a:prstGeom prst="rect">
-            <a:avLst/>
-          </a:prstGeom>
-        </p:spPr>
-        <p:txBody>
-          <a:bodyPr wrap="square">
-            <a:spAutoFit/>
-          </a:bodyPr>
-          <a:lstStyle/>
-          <a:p>
-            <a:pPr algn="ctr"/>
-            <a:r>
-              <a:rPr lang="es-PE" sz="2600" dirty="0"/>
-              <a:t>Antes de cada prueba </a:t>
-            </a:r>
-            <a:r>
-              <a:rPr lang="es-PE" sz="2600" dirty="0" smtClean="0"/>
-              <a:t>eliminar todo y volverlo a crear. </a:t>
-            </a:r>
-            <a:br>
-              <a:rPr lang="es-PE" sz="2600" dirty="0" smtClean="0"/>
-            </a:br>
-            <a:r>
-              <a:rPr lang="es-PE" sz="2600" dirty="0"/>
-              <a:t>(tablas + </a:t>
-            </a:r>
-            <a:r>
-              <a:rPr lang="es-PE" sz="2600" dirty="0" smtClean="0"/>
-              <a:t>datos, </a:t>
-            </a:r>
-            <a:r>
-              <a:rPr lang="es-PE" sz="2600" dirty="0"/>
-              <a:t>solo </a:t>
-            </a:r>
-            <a:r>
-              <a:rPr lang="es-PE" sz="2600" dirty="0" smtClean="0"/>
-              <a:t>datos)</a:t>
-            </a:r>
-            <a:endParaRPr lang="es-PE" sz="2600" dirty="0"/>
-          </a:p>
-        </p:txBody>
-      </p:sp>
     </p:spTree>
     <p:extLst>
       <p:ext uri="{BB962C8B-B14F-4D97-AF65-F5344CB8AC3E}">
-        <p14:creationId xmlns:p14="http://schemas.microsoft.com/office/powerpoint/2010/main" val="1758697698"/>
+        <p14:creationId xmlns:p14="http://schemas.microsoft.com/office/powerpoint/2010/main" val="1871033835"/>
       </p:ext>
     </p:extLst>
   </p:cSld>
@@ -11798,7 +11484,7 @@
                   <a:srgbClr val="00823B"/>
                 </a:solidFill>
               </a:rPr>
-              <a:t>Inicializar y Restablecer la BD</a:t>
+              <a:t>Inicializar el estado de la BD</a:t>
             </a:r>
             <a:endParaRPr lang="es-PE" dirty="0">
               <a:solidFill>
@@ -11837,7 +11523,7 @@
                   <a:srgbClr val="FF0000"/>
                 </a:solidFill>
               </a:rPr>
-              <a:t>Nuke</a:t>
+              <a:t>External</a:t>
             </a:r>
             <a:r>
               <a:rPr lang="es-PE" sz="3200" b="1" dirty="0" smtClean="0">
@@ -11845,7 +11531,7 @@
                   <a:srgbClr val="FF0000"/>
                 </a:solidFill>
               </a:rPr>
-              <a:t> and </a:t>
+              <a:t> Data </a:t>
             </a:r>
             <a:r>
               <a:rPr lang="es-PE" sz="3200" b="1" dirty="0" err="1" smtClean="0">
@@ -11853,7 +11539,7 @@
                   <a:srgbClr val="FF0000"/>
                 </a:solidFill>
               </a:rPr>
-              <a:t>Pave</a:t>
+              <a:t>Source</a:t>
             </a:r>
             <a:endParaRPr lang="es-PE" sz="3200" b="1" dirty="0" smtClean="0">
               <a:solidFill>
@@ -11865,14 +11551,14 @@
       </p:sp>
       <p:sp>
         <p:nvSpPr>
-          <p:cNvPr id="7" name="6 Rectángulo"/>
+          <p:cNvPr id="4" name="3 Rectángulo"/>
           <p:cNvSpPr/>
           <p:nvPr/>
         </p:nvSpPr>
         <p:spPr>
           <a:xfrm>
-            <a:off x="323528" y="1711836"/>
-            <a:ext cx="8568952" cy="3293209"/>
+            <a:off x="323528" y="1662644"/>
+            <a:ext cx="8568952" cy="4093428"/>
           </a:xfrm>
           <a:prstGeom prst="rect">
             <a:avLst/>
@@ -11884,82 +11570,78 @@
           </a:bodyPr>
           <a:lstStyle/>
           <a:p>
-            <a:pPr marL="457200" indent="-457200">
-              <a:buFont typeface="Arial" pitchFamily="34" charset="0"/>
-              <a:buChar char="•"/>
-            </a:pPr>
+            <a:pPr algn="ctr"/>
+            <a:r>
+              <a:rPr lang="es-PE" sz="2600" dirty="0"/>
+              <a:t>Mantener archivos externos con datos que serán cargados cuando sea necesario (Archivos planos, </a:t>
+            </a:r>
             <a:r>
               <a:rPr lang="es-PE" sz="2600" dirty="0" smtClean="0"/>
-              <a:t>Herramientas:</a:t>
-            </a:r>
-          </a:p>
-          <a:p>
-            <a:pPr marL="914400" lvl="1" indent="-457200">
+              <a:t>XML, </a:t>
+            </a:r>
+            <a:r>
+              <a:rPr lang="es-PE" sz="2600" dirty="0" err="1" smtClean="0"/>
+              <a:t>etc</a:t>
+            </a:r>
+            <a:r>
+              <a:rPr lang="es-PE" sz="2600" dirty="0" smtClean="0"/>
+              <a:t>).</a:t>
+            </a:r>
+            <a:endParaRPr lang="es-PE" sz="2600" dirty="0"/>
+          </a:p>
+          <a:p>
+            <a:endParaRPr lang="es-PE" sz="2600" dirty="0" smtClean="0"/>
+          </a:p>
+          <a:p>
+            <a:pPr lvl="1"/>
+            <a:r>
+              <a:rPr lang="es-PE" sz="2600" dirty="0" smtClean="0">
+                <a:solidFill>
+                  <a:srgbClr val="FFC000"/>
+                </a:solidFill>
+              </a:rPr>
+              <a:t>PROS</a:t>
+            </a:r>
+            <a:endParaRPr lang="es-PE" sz="2600" dirty="0">
+              <a:solidFill>
+                <a:srgbClr val="FFC000"/>
+              </a:solidFill>
+            </a:endParaRPr>
+          </a:p>
+          <a:p>
+            <a:pPr marL="800100" lvl="1" indent="-342900">
               <a:buFont typeface="Courier New" pitchFamily="49" charset="0"/>
               <a:buChar char="o"/>
             </a:pPr>
             <a:r>
-              <a:rPr lang="es-PE" sz="2600" dirty="0" err="1" smtClean="0"/>
-              <a:t>DBUnit</a:t>
-            </a:r>
-            <a:r>
               <a:rPr lang="es-PE" sz="2600" dirty="0" smtClean="0"/>
-              <a:t>: Permite eliminar todos los datos de las tablas antes de realizar las inserciones.</a:t>
-            </a:r>
+              <a:t>Reutilizar un misma fuente de datos en diferentes pruebas.</a:t>
+            </a:r>
+            <a:endParaRPr lang="es-PE" sz="2600" dirty="0"/>
           </a:p>
           <a:p>
             <a:pPr lvl="1"/>
-            <a:endParaRPr lang="es-PE" sz="2600" dirty="0"/>
-          </a:p>
-          <a:p>
-            <a:pPr marL="914400" lvl="1" indent="-457200">
+            <a:endParaRPr lang="es-PE" sz="2600" dirty="0" smtClean="0"/>
+          </a:p>
+          <a:p>
+            <a:pPr lvl="1"/>
+            <a:r>
+              <a:rPr lang="es-PE" sz="2600" dirty="0" smtClean="0">
+                <a:solidFill>
+                  <a:srgbClr val="FFC000"/>
+                </a:solidFill>
+              </a:rPr>
+              <a:t>CONS</a:t>
+            </a:r>
+          </a:p>
+          <a:p>
+            <a:pPr marL="800100" lvl="1" indent="-342900">
               <a:buFont typeface="Courier New" pitchFamily="49" charset="0"/>
               <a:buChar char="o"/>
             </a:pPr>
             <a:r>
-              <a:rPr lang="es-PE" sz="2600" dirty="0"/>
-              <a:t>Los </a:t>
-            </a:r>
-            <a:r>
-              <a:rPr lang="es-PE" sz="2600" dirty="0" err="1"/>
-              <a:t>ORMs</a:t>
-            </a:r>
-            <a:r>
-              <a:rPr lang="es-PE" sz="2600" dirty="0"/>
-              <a:t> ofrecen la funcionalidad de generar toda la BD (</a:t>
-            </a:r>
-            <a:r>
               <a:rPr lang="es-PE" sz="2600" dirty="0" smtClean="0"/>
-              <a:t>tablas </a:t>
-            </a:r>
-            <a:r>
-              <a:rPr lang="es-PE" sz="2600" dirty="0"/>
-              <a:t>y datos) a partir del modelo de las clases.</a:t>
-            </a:r>
-          </a:p>
-          <a:p>
-            <a:pPr marL="914400" lvl="1" indent="-457200">
-              <a:buFont typeface="Courier New" pitchFamily="49" charset="0"/>
-              <a:buChar char="o"/>
-            </a:pPr>
-            <a:endParaRPr lang="es-PE" sz="2600" dirty="0" smtClean="0"/>
-          </a:p>
-          <a:p>
-            <a:pPr marL="914400" lvl="1" indent="-457200">
-              <a:buFont typeface="Courier New" pitchFamily="49" charset="0"/>
-              <a:buChar char="o"/>
-            </a:pPr>
-            <a:r>
-              <a:rPr lang="es-PE" sz="2600" dirty="0" smtClean="0"/>
-              <a:t>SQL Server </a:t>
-            </a:r>
-            <a:r>
-              <a:rPr lang="es-PE" sz="2600" dirty="0" err="1" smtClean="0"/>
-              <a:t>Snapshots</a:t>
-            </a:r>
-            <a:r>
-              <a:rPr lang="es-PE" sz="2600" dirty="0" smtClean="0"/>
-              <a:t> / Oracle Flashback</a:t>
+              <a:t>El mantenimiento de la pruebas es más difícil ya que también se tienen que mantener los archivos externos.</a:t>
             </a:r>
             <a:endParaRPr lang="es-PE" sz="2600" dirty="0"/>
           </a:p>
@@ -11968,7 +11650,7 @@
     </p:spTree>
     <p:extLst>
       <p:ext uri="{BB962C8B-B14F-4D97-AF65-F5344CB8AC3E}">
-        <p14:creationId xmlns:p14="http://schemas.microsoft.com/office/powerpoint/2010/main" val="1071427256"/>
+        <p14:creationId xmlns:p14="http://schemas.microsoft.com/office/powerpoint/2010/main" val="3988626005"/>
       </p:ext>
     </p:extLst>
   </p:cSld>
@@ -12004,333 +11686,324 @@
       </p:grpSpPr>
       <p:sp>
         <p:nvSpPr>
-          <p:cNvPr id="4" name="2 Título"/>
-          <p:cNvSpPr txBox="1">
-            <a:spLocks/>
+          <p:cNvPr id="3" name="2 Título"/>
+          <p:cNvSpPr>
+            <a:spLocks noGrp="1"/>
           </p:cNvSpPr>
+          <p:nvPr>
+            <p:ph type="title"/>
+          </p:nvPr>
+        </p:nvSpPr>
+        <p:spPr>
+          <a:xfrm>
+            <a:off x="556805" y="183778"/>
+            <a:ext cx="8229600" cy="724942"/>
+          </a:xfrm>
+        </p:spPr>
+        <p:txBody>
+          <a:bodyPr/>
+          <a:lstStyle/>
+          <a:p>
+            <a:r>
+              <a:rPr lang="es-PE" dirty="0" smtClean="0">
+                <a:solidFill>
+                  <a:srgbClr val="00823B"/>
+                </a:solidFill>
+              </a:rPr>
+              <a:t>Inicializar el estado de la BD</a:t>
+            </a:r>
+            <a:endParaRPr lang="es-PE" dirty="0">
+              <a:solidFill>
+                <a:srgbClr val="00823B"/>
+              </a:solidFill>
+            </a:endParaRPr>
+          </a:p>
+        </p:txBody>
+      </p:sp>
+      <p:sp>
+        <p:nvSpPr>
+          <p:cNvPr id="2" name="1 CuadroTexto"/>
+          <p:cNvSpPr txBox="1"/>
           <p:nvPr/>
         </p:nvSpPr>
-        <p:spPr bwMode="auto">
+        <p:spPr>
           <a:xfrm>
-            <a:off x="457200" y="1124744"/>
-            <a:ext cx="8229600" cy="3672408"/>
+            <a:off x="323528" y="1006517"/>
+            <a:ext cx="8568952" cy="584775"/>
           </a:xfrm>
           <a:prstGeom prst="rect">
             <a:avLst/>
           </a:prstGeom>
           <a:noFill/>
-          <a:ln w="9525">
-            <a:noFill/>
-            <a:miter lim="800000"/>
-            <a:headEnd/>
-            <a:tailEnd/>
-          </a:ln>
         </p:spPr>
         <p:txBody>
-          <a:bodyPr vert="horz" wrap="square" lIns="91440" tIns="45720" rIns="91440" bIns="45720" numCol="1" anchor="ctr" anchorCtr="0" compatLnSpc="1">
-            <a:prstTxWarp prst="textNoShape">
-              <a:avLst/>
-            </a:prstTxWarp>
+          <a:bodyPr wrap="square" rtlCol="0">
+            <a:spAutoFit/>
           </a:bodyPr>
-          <a:lstStyle>
-            <a:lvl1pPr algn="ctr" rtl="0" eaLnBrk="1" fontAlgn="base" hangingPunct="1">
-              <a:spcBef>
-                <a:spcPct val="0"/>
-              </a:spcBef>
-              <a:spcAft>
-                <a:spcPct val="0"/>
-              </a:spcAft>
-              <a:defRPr sz="4400" kern="1200">
-                <a:solidFill>
-                  <a:schemeClr val="tx1"/>
-                </a:solidFill>
-                <a:latin typeface="+mj-lt"/>
-                <a:ea typeface="+mj-ea"/>
-                <a:cs typeface="+mj-cs"/>
-              </a:defRPr>
-            </a:lvl1pPr>
-            <a:lvl2pPr algn="ctr" rtl="0" eaLnBrk="1" fontAlgn="base" hangingPunct="1">
-              <a:spcBef>
-                <a:spcPct val="0"/>
-              </a:spcBef>
-              <a:spcAft>
-                <a:spcPct val="0"/>
-              </a:spcAft>
-              <a:defRPr sz="4400">
-                <a:solidFill>
-                  <a:schemeClr val="tx1"/>
-                </a:solidFill>
-                <a:latin typeface="Calibri" pitchFamily="34" charset="0"/>
-              </a:defRPr>
-            </a:lvl2pPr>
-            <a:lvl3pPr algn="ctr" rtl="0" eaLnBrk="1" fontAlgn="base" hangingPunct="1">
-              <a:spcBef>
-                <a:spcPct val="0"/>
-              </a:spcBef>
-              <a:spcAft>
-                <a:spcPct val="0"/>
-              </a:spcAft>
-              <a:defRPr sz="4400">
-                <a:solidFill>
-                  <a:schemeClr val="tx1"/>
-                </a:solidFill>
-                <a:latin typeface="Calibri" pitchFamily="34" charset="0"/>
-              </a:defRPr>
-            </a:lvl3pPr>
-            <a:lvl4pPr algn="ctr" rtl="0" eaLnBrk="1" fontAlgn="base" hangingPunct="1">
-              <a:spcBef>
-                <a:spcPct val="0"/>
-              </a:spcBef>
-              <a:spcAft>
-                <a:spcPct val="0"/>
-              </a:spcAft>
-              <a:defRPr sz="4400">
-                <a:solidFill>
-                  <a:schemeClr val="tx1"/>
-                </a:solidFill>
-                <a:latin typeface="Calibri" pitchFamily="34" charset="0"/>
-              </a:defRPr>
-            </a:lvl4pPr>
-            <a:lvl5pPr algn="ctr" rtl="0" eaLnBrk="1" fontAlgn="base" hangingPunct="1">
-              <a:spcBef>
-                <a:spcPct val="0"/>
-              </a:spcBef>
-              <a:spcAft>
-                <a:spcPct val="0"/>
-              </a:spcAft>
-              <a:defRPr sz="4400">
-                <a:solidFill>
-                  <a:schemeClr val="tx1"/>
-                </a:solidFill>
-                <a:latin typeface="Calibri" pitchFamily="34" charset="0"/>
-              </a:defRPr>
-            </a:lvl5pPr>
-            <a:lvl6pPr marL="457200" algn="ctr" rtl="0" eaLnBrk="1" fontAlgn="base" hangingPunct="1">
-              <a:spcBef>
-                <a:spcPct val="0"/>
-              </a:spcBef>
-              <a:spcAft>
-                <a:spcPct val="0"/>
-              </a:spcAft>
-              <a:defRPr sz="4400">
-                <a:solidFill>
-                  <a:schemeClr val="tx1"/>
-                </a:solidFill>
-                <a:latin typeface="Calibri" pitchFamily="34" charset="0"/>
-              </a:defRPr>
-            </a:lvl6pPr>
-            <a:lvl7pPr marL="914400" algn="ctr" rtl="0" eaLnBrk="1" fontAlgn="base" hangingPunct="1">
-              <a:spcBef>
-                <a:spcPct val="0"/>
-              </a:spcBef>
-              <a:spcAft>
-                <a:spcPct val="0"/>
-              </a:spcAft>
-              <a:defRPr sz="4400">
-                <a:solidFill>
-                  <a:schemeClr val="tx1"/>
-                </a:solidFill>
-                <a:latin typeface="Calibri" pitchFamily="34" charset="0"/>
-              </a:defRPr>
-            </a:lvl7pPr>
-            <a:lvl8pPr marL="1371600" algn="ctr" rtl="0" eaLnBrk="1" fontAlgn="base" hangingPunct="1">
-              <a:spcBef>
-                <a:spcPct val="0"/>
-              </a:spcBef>
-              <a:spcAft>
-                <a:spcPct val="0"/>
-              </a:spcAft>
-              <a:defRPr sz="4400">
-                <a:solidFill>
-                  <a:schemeClr val="tx1"/>
-                </a:solidFill>
-                <a:latin typeface="Calibri" pitchFamily="34" charset="0"/>
-              </a:defRPr>
-            </a:lvl8pPr>
-            <a:lvl9pPr marL="1828800" algn="ctr" rtl="0" eaLnBrk="1" fontAlgn="base" hangingPunct="1">
-              <a:spcBef>
-                <a:spcPct val="0"/>
-              </a:spcBef>
-              <a:spcAft>
-                <a:spcPct val="0"/>
-              </a:spcAft>
-              <a:defRPr sz="4400">
-                <a:solidFill>
-                  <a:schemeClr val="tx1"/>
-                </a:solidFill>
-                <a:latin typeface="Calibri" pitchFamily="34" charset="0"/>
-              </a:defRPr>
-            </a:lvl9pPr>
-          </a:lstStyle>
-          <a:p>
-            <a:r>
-              <a:rPr lang="es-PE" dirty="0" smtClean="0">
-                <a:solidFill>
-                  <a:srgbClr val="FFC000"/>
-                </a:solidFill>
-              </a:rPr>
-              <a:t>Ejercicio</a:t>
-            </a:r>
-            <a:br>
-              <a:rPr lang="es-PE" dirty="0" smtClean="0">
-                <a:solidFill>
-                  <a:srgbClr val="FFC000"/>
-                </a:solidFill>
-              </a:rPr>
-            </a:br>
-            <a:r>
-              <a:rPr lang="es-PE" dirty="0" smtClean="0">
-                <a:solidFill>
-                  <a:srgbClr val="00823B"/>
-                </a:solidFill>
-              </a:rPr>
-              <a:t>"</a:t>
-            </a:r>
-            <a:r>
-              <a:rPr lang="es-PE" dirty="0" err="1" smtClean="0">
-                <a:solidFill>
-                  <a:srgbClr val="00823B"/>
-                </a:solidFill>
-              </a:rPr>
-              <a:t>Raw</a:t>
-            </a:r>
-            <a:r>
-              <a:rPr lang="es-PE" dirty="0" smtClean="0">
-                <a:solidFill>
-                  <a:srgbClr val="00823B"/>
-                </a:solidFill>
-              </a:rPr>
-              <a:t>" ADO.NET </a:t>
-            </a:r>
-            <a:r>
-              <a:rPr lang="es-PE" dirty="0" err="1" smtClean="0">
-                <a:solidFill>
-                  <a:srgbClr val="00823B"/>
-                </a:solidFill>
-              </a:rPr>
-              <a:t>Testing</a:t>
-            </a:r>
-            <a:r>
-              <a:rPr lang="es-PE" dirty="0" smtClean="0">
-                <a:solidFill>
-                  <a:srgbClr val="00823B"/>
-                </a:solidFill>
-              </a:rPr>
-              <a:t> </a:t>
-            </a:r>
-            <a:r>
-              <a:rPr lang="es-PE" dirty="0" smtClean="0"/>
-              <a:t/>
-            </a:r>
-            <a:br>
-              <a:rPr lang="es-PE" dirty="0" smtClean="0"/>
-            </a:br>
-            <a:r>
-              <a:rPr lang="es-PE" dirty="0" smtClean="0"/>
-              <a:t>utilizando</a:t>
-            </a:r>
-            <a:br>
-              <a:rPr lang="es-PE" dirty="0" smtClean="0"/>
-            </a:br>
-            <a:r>
-              <a:rPr lang="es-PE" dirty="0" smtClean="0">
-                <a:solidFill>
-                  <a:srgbClr val="00823B"/>
-                </a:solidFill>
-              </a:rPr>
-              <a:t>"</a:t>
-            </a:r>
-            <a:r>
-              <a:rPr lang="es-PE" dirty="0" err="1" smtClean="0">
-                <a:solidFill>
-                  <a:srgbClr val="00823B"/>
+          <a:lstStyle/>
+          <a:p>
+            <a:pPr algn="ctr"/>
+            <a:r>
+              <a:rPr lang="es-PE" sz="3200" b="1" dirty="0" err="1" smtClean="0">
+                <a:solidFill>
+                  <a:srgbClr val="FF0000"/>
                 </a:solidFill>
               </a:rPr>
               <a:t>External</a:t>
             </a:r>
             <a:r>
-              <a:rPr lang="es-PE" dirty="0" smtClean="0">
-                <a:solidFill>
-                  <a:srgbClr val="00823B"/>
+              <a:rPr lang="es-PE" sz="3200" b="1" dirty="0" smtClean="0">
+                <a:solidFill>
+                  <a:srgbClr val="FF0000"/>
                 </a:solidFill>
               </a:rPr>
               <a:t> Data </a:t>
             </a:r>
             <a:r>
-              <a:rPr lang="es-PE" dirty="0" err="1" smtClean="0">
-                <a:solidFill>
-                  <a:srgbClr val="00823B"/>
+              <a:rPr lang="es-PE" sz="3200" b="1" dirty="0" err="1" smtClean="0">
+                <a:solidFill>
+                  <a:srgbClr val="FF0000"/>
                 </a:solidFill>
               </a:rPr>
               <a:t>Source</a:t>
             </a:r>
-            <a:r>
-              <a:rPr lang="es-PE" dirty="0" smtClean="0">
-                <a:solidFill>
-                  <a:srgbClr val="00823B"/>
-                </a:solidFill>
-              </a:rPr>
-              <a:t>"</a:t>
-            </a:r>
-            <a:br>
-              <a:rPr lang="es-PE" dirty="0" smtClean="0">
-                <a:solidFill>
-                  <a:srgbClr val="00823B"/>
-                </a:solidFill>
-              </a:rPr>
-            </a:br>
-            <a:r>
-              <a:rPr lang="es-PE" dirty="0" smtClean="0">
-                <a:solidFill>
-                  <a:srgbClr val="00823B"/>
-                </a:solidFill>
-              </a:rPr>
-              <a:t>"</a:t>
-            </a:r>
-            <a:r>
-              <a:rPr lang="es-PE" dirty="0" err="1" smtClean="0">
-                <a:solidFill>
-                  <a:srgbClr val="00823B"/>
-                </a:solidFill>
-              </a:rPr>
-              <a:t>Nuke</a:t>
-            </a:r>
-            <a:r>
-              <a:rPr lang="es-PE" dirty="0" smtClean="0">
-                <a:solidFill>
-                  <a:srgbClr val="00823B"/>
-                </a:solidFill>
-              </a:rPr>
-              <a:t> and </a:t>
-            </a:r>
-            <a:r>
-              <a:rPr lang="es-PE" dirty="0" err="1" smtClean="0">
-                <a:solidFill>
-                  <a:srgbClr val="00823B"/>
-                </a:solidFill>
-              </a:rPr>
-              <a:t>Pave</a:t>
-            </a:r>
-            <a:r>
-              <a:rPr lang="es-PE" dirty="0" smtClean="0">
-                <a:solidFill>
-                  <a:srgbClr val="00823B"/>
-                </a:solidFill>
-              </a:rPr>
-              <a:t>"</a:t>
-            </a:r>
-            <a:endParaRPr lang="es-PE" dirty="0">
+            <a:endParaRPr lang="es-PE" sz="3200" b="1" dirty="0" smtClean="0">
               <a:solidFill>
-                <a:srgbClr val="00823B"/>
+                <a:srgbClr val="FF0000"/>
               </a:solidFill>
             </a:endParaRPr>
+          </a:p>
+        </p:txBody>
+      </p:sp>
+      <p:sp>
+        <p:nvSpPr>
+          <p:cNvPr id="4" name="3 Rectángulo"/>
+          <p:cNvSpPr/>
+          <p:nvPr/>
+        </p:nvSpPr>
+        <p:spPr>
+          <a:xfrm>
+            <a:off x="323528" y="1711836"/>
+            <a:ext cx="8568952" cy="3293209"/>
+          </a:xfrm>
+          <a:prstGeom prst="rect">
+            <a:avLst/>
+          </a:prstGeom>
+        </p:spPr>
+        <p:txBody>
+          <a:bodyPr wrap="square">
+            <a:spAutoFit/>
+          </a:bodyPr>
+          <a:lstStyle/>
+          <a:p>
+            <a:pPr lvl="1" indent="-457200">
+              <a:buFont typeface="Arial" pitchFamily="34" charset="0"/>
+              <a:buChar char="•"/>
+            </a:pPr>
+            <a:r>
+              <a:rPr lang="es-PE" sz="2600" dirty="0" smtClean="0"/>
+              <a:t>Se </a:t>
+            </a:r>
+            <a:r>
+              <a:rPr lang="es-PE" sz="2600" dirty="0"/>
+              <a:t>necesita una organización para los </a:t>
+            </a:r>
+            <a:r>
+              <a:rPr lang="es-PE" sz="2600" dirty="0" smtClean="0"/>
+              <a:t>data </a:t>
+            </a:r>
+            <a:r>
+              <a:rPr lang="es-PE" sz="2600" dirty="0" err="1" smtClean="0"/>
+              <a:t>sources</a:t>
+            </a:r>
+            <a:r>
+              <a:rPr lang="es-PE" sz="2600" dirty="0" smtClean="0"/>
+              <a:t>:</a:t>
+            </a:r>
+          </a:p>
+          <a:p>
+            <a:pPr lvl="2" indent="-457200">
+              <a:buFont typeface="Courier New" pitchFamily="49" charset="0"/>
+              <a:buChar char="o"/>
+            </a:pPr>
+            <a:r>
+              <a:rPr lang="es-PE" sz="2600" dirty="0" smtClean="0"/>
+              <a:t>Data </a:t>
+            </a:r>
+            <a:r>
+              <a:rPr lang="es-PE" sz="2600" dirty="0" err="1" smtClean="0"/>
+              <a:t>Source</a:t>
+            </a:r>
+            <a:r>
+              <a:rPr lang="es-PE" sz="2600" dirty="0" smtClean="0"/>
+              <a:t> x </a:t>
+            </a:r>
+            <a:r>
+              <a:rPr lang="es-PE" sz="2600" dirty="0" err="1" smtClean="0"/>
+              <a:t>Entire</a:t>
+            </a:r>
+            <a:r>
+              <a:rPr lang="es-PE" sz="2600" dirty="0" smtClean="0"/>
+              <a:t> </a:t>
+            </a:r>
+            <a:r>
+              <a:rPr lang="es-PE" sz="2600" dirty="0" err="1" smtClean="0"/>
+              <a:t>Application</a:t>
+            </a:r>
+            <a:endParaRPr lang="es-PE" sz="2600" dirty="0" smtClean="0"/>
+          </a:p>
+          <a:p>
+            <a:pPr lvl="2" indent="-457200">
+              <a:buFont typeface="Courier New" pitchFamily="49" charset="0"/>
+              <a:buChar char="o"/>
+            </a:pPr>
+            <a:r>
+              <a:rPr lang="es-PE" sz="2600" dirty="0" smtClean="0"/>
+              <a:t>Data </a:t>
+            </a:r>
+            <a:r>
+              <a:rPr lang="es-PE" sz="2600" dirty="0" err="1" smtClean="0"/>
+              <a:t>Source</a:t>
+            </a:r>
+            <a:r>
+              <a:rPr lang="es-PE" sz="2600" dirty="0" smtClean="0"/>
+              <a:t> x Data Access </a:t>
+            </a:r>
+            <a:r>
+              <a:rPr lang="es-PE" sz="2600" dirty="0" err="1" smtClean="0"/>
+              <a:t>Object</a:t>
+            </a:r>
+            <a:r>
+              <a:rPr lang="es-PE" sz="2600" dirty="0" smtClean="0"/>
+              <a:t>.</a:t>
+            </a:r>
+          </a:p>
+          <a:p>
+            <a:pPr lvl="2" indent="-457200">
+              <a:buFont typeface="Courier New" pitchFamily="49" charset="0"/>
+              <a:buChar char="o"/>
+            </a:pPr>
+            <a:r>
+              <a:rPr lang="es-PE" sz="2600" dirty="0" smtClean="0"/>
+              <a:t>Data </a:t>
+            </a:r>
+            <a:r>
+              <a:rPr lang="es-PE" sz="2600" dirty="0" err="1" smtClean="0"/>
+              <a:t>Source</a:t>
+            </a:r>
+            <a:r>
+              <a:rPr lang="es-PE" sz="2600" dirty="0" smtClean="0"/>
+              <a:t> x </a:t>
+            </a:r>
+            <a:r>
+              <a:rPr lang="es-PE" sz="2600" dirty="0" err="1" smtClean="0"/>
+              <a:t>Feature</a:t>
+            </a:r>
+            <a:r>
+              <a:rPr lang="es-PE" sz="2600" dirty="0"/>
+              <a:t> (</a:t>
+            </a:r>
+            <a:r>
+              <a:rPr lang="es-PE" sz="2600" dirty="0" err="1"/>
+              <a:t>System</a:t>
+            </a:r>
+            <a:r>
+              <a:rPr lang="es-PE" sz="2600" dirty="0"/>
+              <a:t> </a:t>
+            </a:r>
+            <a:r>
+              <a:rPr lang="es-PE" sz="2600" dirty="0" err="1"/>
+              <a:t>Testing</a:t>
+            </a:r>
+            <a:r>
+              <a:rPr lang="es-PE" sz="2600" dirty="0" smtClean="0"/>
+              <a:t>).</a:t>
+            </a:r>
+          </a:p>
+          <a:p>
+            <a:pPr lvl="2" indent="-457200">
+              <a:buFont typeface="Courier New" pitchFamily="49" charset="0"/>
+              <a:buChar char="o"/>
+            </a:pPr>
+            <a:r>
+              <a:rPr lang="es-PE" sz="2600" dirty="0" smtClean="0"/>
+              <a:t>Data </a:t>
+            </a:r>
+            <a:r>
+              <a:rPr lang="es-PE" sz="2600" dirty="0" err="1" smtClean="0"/>
+              <a:t>Source</a:t>
+            </a:r>
+            <a:r>
+              <a:rPr lang="es-PE" sz="2600" dirty="0" smtClean="0"/>
+              <a:t> x </a:t>
+            </a:r>
+            <a:r>
+              <a:rPr lang="es-PE" sz="2600" dirty="0" err="1" smtClean="0"/>
+              <a:t>Jouney</a:t>
+            </a:r>
+            <a:r>
+              <a:rPr lang="es-PE" sz="2600" dirty="0"/>
+              <a:t> </a:t>
+            </a:r>
+            <a:r>
+              <a:rPr lang="es-PE" sz="2600" dirty="0" smtClean="0"/>
+              <a:t>(</a:t>
+            </a:r>
+            <a:r>
+              <a:rPr lang="es-PE" sz="2600" dirty="0" err="1" smtClean="0"/>
+              <a:t>System</a:t>
+            </a:r>
+            <a:r>
+              <a:rPr lang="es-PE" sz="2600" dirty="0" smtClean="0"/>
+              <a:t> </a:t>
+            </a:r>
+            <a:r>
+              <a:rPr lang="es-PE" sz="2600" dirty="0" err="1" smtClean="0"/>
+              <a:t>Testing</a:t>
+            </a:r>
+            <a:r>
+              <a:rPr lang="es-PE" sz="2600" dirty="0" smtClean="0"/>
+              <a:t>).</a:t>
+            </a:r>
+          </a:p>
+          <a:p>
+            <a:pPr lvl="1" indent="-457200">
+              <a:buFont typeface="Arial" pitchFamily="34" charset="0"/>
+              <a:buChar char="•"/>
+            </a:pPr>
+            <a:endParaRPr lang="es-PE" sz="2600" dirty="0"/>
+          </a:p>
+          <a:p>
+            <a:pPr marL="457200" indent="-457200">
+              <a:buFont typeface="Arial" pitchFamily="34" charset="0"/>
+              <a:buChar char="•"/>
+            </a:pPr>
+            <a:r>
+              <a:rPr lang="es-PE" sz="2600" dirty="0" smtClean="0"/>
+              <a:t>Herramientas:</a:t>
+            </a:r>
+          </a:p>
+          <a:p>
+            <a:pPr marL="914400" lvl="1" indent="-457200">
+              <a:buFont typeface="Courier New" pitchFamily="49" charset="0"/>
+              <a:buChar char="o"/>
+            </a:pPr>
+            <a:r>
+              <a:rPr lang="es-PE" sz="2600" dirty="0" err="1" smtClean="0"/>
+              <a:t>DbUnit</a:t>
+            </a:r>
+            <a:r>
+              <a:rPr lang="es-PE" sz="2600" dirty="0" smtClean="0"/>
+              <a:t>: archivos XML.</a:t>
+            </a:r>
+            <a:endParaRPr lang="es-PE" sz="2600" dirty="0"/>
           </a:p>
         </p:txBody>
       </p:sp>
     </p:spTree>
     <p:extLst>
       <p:ext uri="{BB962C8B-B14F-4D97-AF65-F5344CB8AC3E}">
-        <p14:creationId xmlns:p14="http://schemas.microsoft.com/office/powerpoint/2010/main" val="3952853575"/>
+        <p14:creationId xmlns:p14="http://schemas.microsoft.com/office/powerpoint/2010/main" val="2448323735"/>
       </p:ext>
     </p:extLst>
   </p:cSld>
@@ -12390,7 +12063,7 @@
                   <a:srgbClr val="00823B"/>
                 </a:solidFill>
               </a:rPr>
-              <a:t>Inicializar el estado de la BD</a:t>
+              <a:t>Restablecer el estado de la BD</a:t>
             </a:r>
             <a:endParaRPr lang="es-PE" dirty="0">
               <a:solidFill>
@@ -12429,7 +12102,7 @@
                   <a:srgbClr val="FF0000"/>
                 </a:solidFill>
               </a:rPr>
-              <a:t>Self-Contained</a:t>
+              <a:t>Nuke</a:t>
             </a:r>
             <a:r>
               <a:rPr lang="es-PE" sz="3200" b="1" dirty="0" smtClean="0">
@@ -12437,7 +12110,7 @@
                   <a:srgbClr val="FF0000"/>
                 </a:solidFill>
               </a:rPr>
-              <a:t> </a:t>
+              <a:t> and </a:t>
             </a:r>
             <a:r>
               <a:rPr lang="es-PE" sz="3200" b="1" dirty="0" err="1" smtClean="0">
@@ -12445,7 +12118,7 @@
                   <a:srgbClr val="FF0000"/>
                 </a:solidFill>
               </a:rPr>
-              <a:t>Tests</a:t>
+              <a:t>Pave</a:t>
             </a:r>
             <a:endParaRPr lang="es-PE" sz="3200" b="1" dirty="0" smtClean="0">
               <a:solidFill>
@@ -12463,8 +12136,8 @@
         </p:nvSpPr>
         <p:spPr>
           <a:xfrm>
-            <a:off x="323528" y="1662644"/>
-            <a:ext cx="8568952" cy="4093428"/>
+            <a:off x="431540" y="2636912"/>
+            <a:ext cx="8352928" cy="3293209"/>
           </a:xfrm>
           <a:prstGeom prst="rect">
             <a:avLst/>
@@ -12476,29 +12149,6 @@
           </a:bodyPr>
           <a:lstStyle/>
           <a:p>
-            <a:pPr algn="ctr"/>
-            <a:r>
-              <a:rPr lang="es-PE" sz="2600" dirty="0"/>
-              <a:t>Cada </a:t>
-            </a:r>
-            <a:r>
-              <a:rPr lang="es-PE" sz="2600" dirty="0" smtClean="0"/>
-              <a:t>prueba, </a:t>
-            </a:r>
-            <a:r>
-              <a:rPr lang="es-PE" sz="2600" dirty="0"/>
-              <a:t>por si </a:t>
-            </a:r>
-            <a:r>
-              <a:rPr lang="es-PE" sz="2600" dirty="0" smtClean="0"/>
-              <a:t>misma y de manera interna, inicializa la BD en un estado conocido.</a:t>
-            </a:r>
-            <a:endParaRPr lang="es-PE" sz="2600" dirty="0"/>
-          </a:p>
-          <a:p>
-            <a:endParaRPr lang="es-PE" sz="2600" dirty="0"/>
-          </a:p>
-          <a:p>
             <a:pPr lvl="1"/>
             <a:r>
               <a:rPr lang="es-PE" sz="2600" dirty="0" smtClean="0">
@@ -12516,13 +12166,49 @@
             </a:pPr>
             <a:r>
               <a:rPr lang="es-PE" sz="2600" dirty="0" smtClean="0"/>
-              <a:t>Menor </a:t>
+              <a:t>Fácil de implementar.</a:t>
+            </a:r>
+          </a:p>
+          <a:p>
+            <a:pPr marL="800100" lvl="1" indent="-342900">
+              <a:buFont typeface="Courier New" pitchFamily="49" charset="0"/>
+              <a:buChar char="o"/>
+            </a:pPr>
+            <a:endParaRPr lang="es-PE" sz="2600" dirty="0" smtClean="0"/>
+          </a:p>
+          <a:p>
+            <a:pPr lvl="1"/>
+            <a:r>
+              <a:rPr lang="es-PE" sz="2600" dirty="0" smtClean="0">
+                <a:solidFill>
+                  <a:srgbClr val="FFC000"/>
+                </a:solidFill>
+              </a:rPr>
+              <a:t>CONS</a:t>
+            </a:r>
+            <a:endParaRPr lang="es-PE" sz="2600" dirty="0">
+              <a:solidFill>
+                <a:srgbClr val="FFC000"/>
+              </a:solidFill>
+            </a:endParaRPr>
+          </a:p>
+          <a:p>
+            <a:pPr marL="800100" lvl="1" indent="-342900">
+              <a:buFont typeface="Courier New" pitchFamily="49" charset="0"/>
+              <a:buChar char="o"/>
+            </a:pPr>
+            <a:r>
+              <a:rPr lang="es-PE" sz="2600" dirty="0" smtClean="0"/>
+              <a:t>Gran impacto </a:t>
             </a:r>
             <a:r>
               <a:rPr lang="es-PE" sz="2600" dirty="0"/>
-              <a:t>impacto en el tiempo de ejecución de las pruebas en comparación a las otras estrategias </a:t>
-            </a:r>
-            <a:endParaRPr lang="es-PE" sz="2600" dirty="0" smtClean="0"/>
+              <a:t>en el tiempo de ejecución de </a:t>
+            </a:r>
+            <a:r>
+              <a:rPr lang="es-PE" sz="2600" dirty="0" smtClean="0"/>
+              <a:t>la prueba. (poco escalable si existen muchas pruebas y datos)</a:t>
+            </a:r>
           </a:p>
           <a:p>
             <a:pPr marL="800100" lvl="1" indent="-342900">
@@ -12532,36 +12218,71 @@
             <a:endParaRPr lang="es-PE" sz="2600" dirty="0"/>
           </a:p>
           <a:p>
-            <a:pPr lvl="1"/>
-            <a:r>
-              <a:rPr lang="es-PE" sz="2600" dirty="0" smtClean="0">
-                <a:solidFill>
-                  <a:srgbClr val="FFC000"/>
-                </a:solidFill>
-              </a:rPr>
-              <a:t>CONS</a:t>
-            </a:r>
-          </a:p>
-          <a:p>
-            <a:pPr marL="800100" lvl="1" indent="-342900">
-              <a:buFont typeface="Courier New" pitchFamily="49" charset="0"/>
-              <a:buChar char="o"/>
+            <a:pPr marL="457200" indent="-457200">
+              <a:buFont typeface="Arial" pitchFamily="34" charset="0"/>
+              <a:buChar char="•"/>
             </a:pPr>
+            <a:endParaRPr lang="es-PE" sz="2600" dirty="0" smtClean="0"/>
+          </a:p>
+        </p:txBody>
+      </p:sp>
+      <p:sp>
+        <p:nvSpPr>
+          <p:cNvPr id="6" name="5 Rectángulo"/>
+          <p:cNvSpPr/>
+          <p:nvPr/>
+        </p:nvSpPr>
+        <p:spPr>
+          <a:xfrm>
+            <a:off x="323528" y="1600344"/>
+            <a:ext cx="8568000" cy="892552"/>
+          </a:xfrm>
+          <a:prstGeom prst="rect">
+            <a:avLst/>
+          </a:prstGeom>
+        </p:spPr>
+        <p:txBody>
+          <a:bodyPr wrap="square">
+            <a:spAutoFit/>
+          </a:bodyPr>
+          <a:lstStyle/>
+          <a:p>
+            <a:pPr algn="ctr"/>
+            <a:r>
+              <a:rPr lang="es-PE" sz="2600" dirty="0"/>
+              <a:t>Antes de cada prueba </a:t>
+            </a:r>
             <a:r>
               <a:rPr lang="es-PE" sz="2600" dirty="0" smtClean="0"/>
-              <a:t>Un poco difícil de utilizar sin un ORM.</a:t>
-            </a:r>
-          </a:p>
-          <a:p>
-            <a:pPr lvl="1"/>
-            <a:endParaRPr lang="es-PE" sz="2600" dirty="0" smtClean="0"/>
+              <a:t>eliminar todo y volverlo a crear. </a:t>
+            </a:r>
+            <a:br>
+              <a:rPr lang="es-PE" sz="2600" dirty="0" smtClean="0"/>
+            </a:br>
+            <a:r>
+              <a:rPr lang="es-PE" sz="2600" dirty="0"/>
+              <a:t>(tablas + </a:t>
+            </a:r>
+            <a:r>
+              <a:rPr lang="es-PE" sz="2600" dirty="0" smtClean="0"/>
+              <a:t>datos, </a:t>
+            </a:r>
+            <a:r>
+              <a:rPr lang="es-PE" sz="2600" dirty="0"/>
+              <a:t>solo </a:t>
+            </a:r>
+            <a:r>
+              <a:rPr lang="es-PE" sz="2600" dirty="0" smtClean="0"/>
+              <a:t>datos)</a:t>
+            </a:r>
+            <a:endParaRPr lang="es-PE" sz="2600" dirty="0"/>
           </a:p>
         </p:txBody>
       </p:sp>
     </p:spTree>
     <p:extLst>
       <p:ext uri="{BB962C8B-B14F-4D97-AF65-F5344CB8AC3E}">
-        <p14:creationId xmlns:p14="http://schemas.microsoft.com/office/powerpoint/2010/main" val="1057799750"/>
+        <p14:creationId xmlns:p14="http://schemas.microsoft.com/office/powerpoint/2010/main" val="1758697698"/>
       </p:ext>
     </p:extLst>
   </p:cSld>
@@ -12934,7 +12655,7 @@
                   <a:srgbClr val="00823B"/>
                 </a:solidFill>
               </a:rPr>
-              <a:t>Restablecer el estado de la BD</a:t>
+              <a:t>Inicializar y Restablecer la BD</a:t>
             </a:r>
             <a:endParaRPr lang="es-PE" dirty="0">
               <a:solidFill>
@@ -12973,7 +12694,7 @@
                   <a:srgbClr val="FF0000"/>
                 </a:solidFill>
               </a:rPr>
-              <a:t>Transaction</a:t>
+              <a:t>Nuke</a:t>
             </a:r>
             <a:r>
               <a:rPr lang="es-PE" sz="3200" b="1" dirty="0" smtClean="0">
@@ -12981,7 +12702,7 @@
                   <a:srgbClr val="FF0000"/>
                 </a:solidFill>
               </a:rPr>
-              <a:t> - </a:t>
+              <a:t> and </a:t>
             </a:r>
             <a:r>
               <a:rPr lang="es-PE" sz="3200" b="1" dirty="0" err="1" smtClean="0">
@@ -12989,7 +12710,7 @@
                   <a:srgbClr val="FF0000"/>
                 </a:solidFill>
               </a:rPr>
-              <a:t>Rollback</a:t>
+              <a:t>Pave</a:t>
             </a:r>
             <a:endParaRPr lang="es-PE" sz="3200" b="1" dirty="0" smtClean="0">
               <a:solidFill>
@@ -13001,14 +12722,14 @@
       </p:sp>
       <p:sp>
         <p:nvSpPr>
-          <p:cNvPr id="4" name="3 Rectángulo"/>
+          <p:cNvPr id="7" name="6 Rectángulo"/>
           <p:cNvSpPr/>
           <p:nvPr/>
         </p:nvSpPr>
         <p:spPr>
           <a:xfrm>
-            <a:off x="492356" y="2784410"/>
-            <a:ext cx="8208000" cy="3693319"/>
+            <a:off x="323528" y="1711836"/>
+            <a:ext cx="8568952" cy="3293209"/>
           </a:xfrm>
           <a:prstGeom prst="rect">
             <a:avLst/>
@@ -13020,121 +12741,82 @@
           </a:bodyPr>
           <a:lstStyle/>
           <a:p>
-            <a:r>
-              <a:rPr lang="es-PE" sz="2600" dirty="0" smtClean="0">
-                <a:solidFill>
-                  <a:srgbClr val="FFC000"/>
-                </a:solidFill>
-              </a:rPr>
-              <a:t>PROS</a:t>
-            </a:r>
-          </a:p>
-          <a:p>
-            <a:pPr marL="342900" indent="-342900">
+            <a:pPr marL="457200" indent="-457200">
+              <a:buFont typeface="Arial" pitchFamily="34" charset="0"/>
+              <a:buChar char="•"/>
+            </a:pPr>
+            <a:r>
+              <a:rPr lang="es-PE" sz="2600" dirty="0" smtClean="0"/>
+              <a:t>Herramientas:</a:t>
+            </a:r>
+          </a:p>
+          <a:p>
+            <a:pPr marL="914400" lvl="1" indent="-457200">
               <a:buFont typeface="Courier New" pitchFamily="49" charset="0"/>
               <a:buChar char="o"/>
             </a:pPr>
             <a:r>
+              <a:rPr lang="es-PE" sz="2600" dirty="0" err="1" smtClean="0"/>
+              <a:t>DBUnit</a:t>
+            </a:r>
+            <a:r>
               <a:rPr lang="es-PE" sz="2600" dirty="0" smtClean="0"/>
-              <a:t>Usualmente fácil de implementar.</a:t>
-            </a:r>
+              <a:t>: Permite eliminar todos los datos de las tablas antes de realizar las inserciones.</a:t>
+            </a:r>
+          </a:p>
+          <a:p>
+            <a:pPr lvl="1"/>
             <a:endParaRPr lang="es-PE" sz="2600" dirty="0"/>
           </a:p>
           <a:p>
-            <a:pPr marL="342900" indent="-342900">
+            <a:pPr marL="914400" lvl="1" indent="-457200">
               <a:buFont typeface="Courier New" pitchFamily="49" charset="0"/>
               <a:buChar char="o"/>
             </a:pPr>
             <a:r>
+              <a:rPr lang="es-PE" sz="2600" dirty="0"/>
+              <a:t>Los </a:t>
+            </a:r>
+            <a:r>
+              <a:rPr lang="es-PE" sz="2600" dirty="0" err="1"/>
+              <a:t>ORMs</a:t>
+            </a:r>
+            <a:r>
+              <a:rPr lang="es-PE" sz="2600" dirty="0"/>
+              <a:t> ofrecen la funcionalidad de generar toda la BD (</a:t>
+            </a:r>
+            <a:r>
               <a:rPr lang="es-PE" sz="2600" dirty="0" smtClean="0"/>
-              <a:t>Poco impacto en el tiempo de ejecución de las pruebas.</a:t>
-            </a:r>
-          </a:p>
-          <a:p>
-            <a:endParaRPr lang="es-PE" sz="2600" dirty="0"/>
-          </a:p>
-          <a:p>
-            <a:r>
-              <a:rPr lang="es-PE" sz="2600" dirty="0" smtClean="0">
-                <a:solidFill>
-                  <a:srgbClr val="FFC000"/>
-                </a:solidFill>
-              </a:rPr>
-              <a:t>CONS</a:t>
-            </a:r>
-          </a:p>
-          <a:p>
-            <a:pPr marL="342900" indent="-342900">
+              <a:t>tablas </a:t>
+            </a:r>
+            <a:r>
+              <a:rPr lang="es-PE" sz="2600" dirty="0"/>
+              <a:t>y datos) a partir del modelo de las clases.</a:t>
+            </a:r>
+          </a:p>
+          <a:p>
+            <a:pPr marL="914400" lvl="1" indent="-457200">
               <a:buFont typeface="Courier New" pitchFamily="49" charset="0"/>
               <a:buChar char="o"/>
             </a:pPr>
+            <a:endParaRPr lang="es-PE" sz="2600" dirty="0" smtClean="0"/>
+          </a:p>
+          <a:p>
+            <a:pPr marL="914400" lvl="1" indent="-457200">
+              <a:buFont typeface="Courier New" pitchFamily="49" charset="0"/>
+              <a:buChar char="o"/>
+            </a:pPr>
             <a:r>
               <a:rPr lang="es-PE" sz="2600" dirty="0" smtClean="0"/>
-              <a:t>No siempre se puede utilizar. </a:t>
-            </a:r>
-            <a:br>
+              <a:t>SQL Server </a:t>
+            </a:r>
+            <a:r>
+              <a:rPr lang="es-PE" sz="2600" dirty="0" err="1" smtClean="0"/>
+              <a:t>Snapshots</a:t>
+            </a:r>
+            <a:r>
               <a:rPr lang="es-PE" sz="2600" dirty="0" smtClean="0"/>
-            </a:br>
-            <a:r>
-              <a:rPr lang="es-PE" sz="2600" dirty="0" err="1" smtClean="0"/>
-              <a:t>Ejm</a:t>
-            </a:r>
-            <a:r>
-              <a:rPr lang="es-PE" sz="2600" dirty="0" smtClean="0"/>
-              <a:t>: Web </a:t>
-            </a:r>
-            <a:r>
-              <a:rPr lang="es-PE" sz="2600" dirty="0" err="1" smtClean="0"/>
-              <a:t>Testing</a:t>
-            </a:r>
-            <a:r>
-              <a:rPr lang="es-PE" sz="2600" dirty="0" smtClean="0"/>
-              <a:t> ( El test inicializa un proceso diferente que se ejecuta en el navegador, por lo tanto el </a:t>
-            </a:r>
-            <a:r>
-              <a:rPr lang="es-PE" sz="2600" dirty="0" err="1" smtClean="0"/>
-              <a:t>rollback</a:t>
-            </a:r>
-            <a:r>
-              <a:rPr lang="es-PE" sz="2600" dirty="0" smtClean="0"/>
-              <a:t> de la prueba no afecta a lo alterado por el navegador)</a:t>
-            </a:r>
-          </a:p>
-        </p:txBody>
-      </p:sp>
-      <p:sp>
-        <p:nvSpPr>
-          <p:cNvPr id="6" name="5 Rectángulo"/>
-          <p:cNvSpPr/>
-          <p:nvPr/>
-        </p:nvSpPr>
-        <p:spPr>
-          <a:xfrm>
-            <a:off x="323528" y="1682101"/>
-            <a:ext cx="8568000" cy="892552"/>
-          </a:xfrm>
-          <a:prstGeom prst="rect">
-            <a:avLst/>
-          </a:prstGeom>
-        </p:spPr>
-        <p:txBody>
-          <a:bodyPr wrap="square">
-            <a:spAutoFit/>
-          </a:bodyPr>
-          <a:lstStyle/>
-          <a:p>
-            <a:pPr algn="ctr"/>
-            <a:r>
-              <a:rPr lang="es-PE" sz="2600" dirty="0" smtClean="0"/>
-              <a:t>Realizar cada prueba dentro de una transacción y al finalizar su ejecución realizar un </a:t>
-            </a:r>
-            <a:r>
-              <a:rPr lang="es-PE" sz="2600" dirty="0" err="1" smtClean="0"/>
-              <a:t>rollback</a:t>
-            </a:r>
-            <a:r>
-              <a:rPr lang="es-PE" sz="2600" dirty="0" smtClean="0"/>
-              <a:t> para desechar los cambios.</a:t>
+              <a:t> / Oracle Flashback</a:t>
             </a:r>
             <a:endParaRPr lang="es-PE" sz="2600" dirty="0"/>
           </a:p>
@@ -13143,7 +12825,7 @@
     </p:spTree>
     <p:extLst>
       <p:ext uri="{BB962C8B-B14F-4D97-AF65-F5344CB8AC3E}">
-        <p14:creationId xmlns:p14="http://schemas.microsoft.com/office/powerpoint/2010/main" val="3989018668"/>
+        <p14:creationId xmlns:p14="http://schemas.microsoft.com/office/powerpoint/2010/main" val="1071427256"/>
       </p:ext>
     </p:extLst>
   </p:cSld>
@@ -13354,7 +13036,7 @@
               </a:rPr>
             </a:br>
             <a:r>
-              <a:rPr lang="es-PE" dirty="0">
+              <a:rPr lang="es-PE" dirty="0" smtClean="0">
                 <a:solidFill>
                   <a:srgbClr val="00823B"/>
                 </a:solidFill>
@@ -13362,7 +13044,7 @@
               <a:t>"</a:t>
             </a:r>
             <a:r>
-              <a:rPr lang="es-PE" dirty="0" err="1">
+              <a:rPr lang="es-PE" dirty="0" err="1" smtClean="0">
                 <a:solidFill>
                   <a:srgbClr val="00823B"/>
                 </a:solidFill>
@@ -13370,20 +13052,36 @@
               <a:t>Raw</a:t>
             </a:r>
             <a:r>
-              <a:rPr lang="es-PE" dirty="0">
+              <a:rPr lang="es-PE" dirty="0" smtClean="0">
                 <a:solidFill>
                   <a:srgbClr val="00823B"/>
                 </a:solidFill>
               </a:rPr>
-              <a:t>" ADO.NET </a:t>
-            </a:r>
-            <a:r>
-              <a:rPr lang="es-PE" dirty="0" err="1">
+              <a:t>" </a:t>
+            </a:r>
+            <a:r>
+              <a:rPr lang="es-PE" dirty="0" smtClean="0">
                 <a:solidFill>
                   <a:srgbClr val="00823B"/>
                 </a:solidFill>
               </a:rPr>
+              <a:t>JDBC </a:t>
+            </a:r>
+            <a:r>
+              <a:rPr lang="es-PE" dirty="0" err="1" smtClean="0">
+                <a:solidFill>
+                  <a:srgbClr val="00823B"/>
+                </a:solidFill>
+              </a:rPr>
               <a:t>Testing</a:t>
+            </a:r>
+            <a:r>
+              <a:rPr lang="es-PE" dirty="0" smtClean="0">
+                <a:solidFill>
+                  <a:srgbClr val="00823B"/>
+                </a:solidFill>
+              </a:rPr>
+              <a:t> </a:t>
             </a:r>
             <a:r>
               <a:rPr lang="es-PE" dirty="0" smtClean="0"/>
@@ -13413,7 +13111,23 @@
                   <a:srgbClr val="00823B"/>
                 </a:solidFill>
               </a:rPr>
-              <a:t>Self-Contained</a:t>
+              <a:t>External</a:t>
+            </a:r>
+            <a:r>
+              <a:rPr lang="es-PE" dirty="0" smtClean="0">
+                <a:solidFill>
+                  <a:srgbClr val="00823B"/>
+                </a:solidFill>
+              </a:rPr>
+              <a:t> Data </a:t>
+            </a:r>
+            <a:r>
+              <a:rPr lang="es-PE" dirty="0" err="1" smtClean="0">
+                <a:solidFill>
+                  <a:srgbClr val="00823B"/>
+                </a:solidFill>
+              </a:rPr>
+              <a:t>Source</a:t>
             </a:r>
             <a:r>
               <a:rPr lang="es-PE" dirty="0" smtClean="0">
@@ -13444,7 +13158,7 @@
                   <a:srgbClr val="00823B"/>
                 </a:solidFill>
               </a:rPr>
-              <a:t>Transaction</a:t>
+              <a:t>Nuke</a:t>
             </a:r>
             <a:r>
               <a:rPr lang="es-PE" dirty="0" smtClean="0">
@@ -13452,7 +13166,7 @@
                   <a:srgbClr val="00823B"/>
                 </a:solidFill>
               </a:rPr>
-              <a:t> - </a:t>
+              <a:t> and </a:t>
             </a:r>
             <a:r>
               <a:rPr lang="es-PE" dirty="0" err="1" smtClean="0">
@@ -13460,7 +13174,7 @@
                   <a:srgbClr val="00823B"/>
                 </a:solidFill>
               </a:rPr>
-              <a:t>Rollback</a:t>
+              <a:t>Pave</a:t>
             </a:r>
             <a:r>
               <a:rPr lang="es-PE" dirty="0" smtClean="0">
@@ -13481,7 +13195,7 @@
     </p:spTree>
     <p:extLst>
       <p:ext uri="{BB962C8B-B14F-4D97-AF65-F5344CB8AC3E}">
-        <p14:creationId xmlns:p14="http://schemas.microsoft.com/office/powerpoint/2010/main" val="562345185"/>
+        <p14:creationId xmlns:p14="http://schemas.microsoft.com/office/powerpoint/2010/main" val="3952853575"/>
       </p:ext>
     </p:extLst>
   </p:cSld>
@@ -13606,11 +13320,7 @@
             </a:r>
             <a:r>
               <a:rPr lang="es-PE" sz="2600" dirty="0" smtClean="0"/>
-              <a:t> y </a:t>
-            </a:r>
-            <a:r>
-              <a:rPr lang="es-PE" sz="2600" dirty="0" smtClean="0"/>
-              <a:t>cualquier ORM.</a:t>
+              <a:t> y cualquier ORM.</a:t>
             </a:r>
           </a:p>
           <a:p>
@@ -15209,13 +14919,30 @@
               <a:t>, </a:t>
             </a:r>
             <a:r>
-              <a:rPr lang="es-PE" sz="2400" dirty="0" err="1"/>
+              <a:rPr lang="es-PE" sz="2400" dirty="0" err="1" smtClean="0"/>
               <a:t>TSQLUnit</a:t>
             </a:r>
             <a:r>
-              <a:rPr lang="es-PE" sz="2400" dirty="0"/>
-              <a:t> …..</a:t>
-            </a:r>
+              <a:rPr lang="es-PE" sz="2400" dirty="0" smtClean="0"/>
+              <a:t>, (VS </a:t>
+            </a:r>
+            <a:r>
+              <a:rPr lang="es-PE" sz="2400" dirty="0" err="1" smtClean="0"/>
+              <a:t>Database</a:t>
+            </a:r>
+            <a:r>
+              <a:rPr lang="es-PE" sz="2400" dirty="0" smtClean="0"/>
+              <a:t> </a:t>
+            </a:r>
+            <a:r>
+              <a:rPr lang="es-PE" sz="2400" dirty="0" err="1" smtClean="0"/>
+              <a:t>Projects</a:t>
+            </a:r>
+            <a:r>
+              <a:rPr lang="es-PE" sz="2400" dirty="0" smtClean="0"/>
+              <a:t>)</a:t>
+            </a:r>
+            <a:endParaRPr lang="es-PE" sz="2400" dirty="0"/>
           </a:p>
           <a:p>
             <a:pPr lvl="1" indent="-342900">
@@ -15236,8 +14963,21 @@
             </a:r>
             <a:r>
               <a:rPr lang="es-PE" sz="2400" dirty="0" smtClean="0"/>
-              <a:t>, PLUTO …..</a:t>
-            </a:r>
+              <a:t>, </a:t>
+            </a:r>
+            <a:r>
+              <a:rPr lang="es-PE" sz="2400" dirty="0" smtClean="0"/>
+              <a:t>PLUTO, (SQL </a:t>
+            </a:r>
+            <a:r>
+              <a:rPr lang="es-PE" sz="2400" dirty="0" err="1" smtClean="0"/>
+              <a:t>Developer</a:t>
+            </a:r>
+            <a:r>
+              <a:rPr lang="es-PE" sz="2400" dirty="0"/>
+              <a:t>)</a:t>
+            </a:r>
+            <a:endParaRPr lang="es-PE" sz="2400" dirty="0" smtClean="0"/>
           </a:p>
         </p:txBody>
       </p:sp>
@@ -15655,7 +15395,7 @@
                   <a:srgbClr val="00823B"/>
                 </a:solidFill>
               </a:rPr>
-              <a:t>tSQLt</a:t>
+              <a:t>utPLSQL</a:t>
             </a:r>
             <a:r>
               <a:rPr lang="es-PE" dirty="0" smtClean="0">
@@ -15663,24 +15403,13 @@
                   <a:srgbClr val="00823B"/>
                 </a:solidFill>
               </a:rPr>
-              <a:t> </a:t>
-            </a:r>
-            <a:r>
-              <a:rPr lang="es-PE" dirty="0" err="1" smtClean="0">
-                <a:solidFill>
-                  <a:srgbClr val="00823B"/>
-                </a:solidFill>
-              </a:rPr>
-              <a:t>xUnit</a:t>
-            </a:r>
-            <a:r>
-              <a:rPr lang="es-PE" dirty="0" smtClean="0">
-                <a:solidFill>
-                  <a:srgbClr val="00823B"/>
-                </a:solidFill>
-              </a:rPr>
-              <a:t> DB Framework" </a:t>
-            </a:r>
+              <a:t>" </a:t>
+            </a:r>
+            <a:endParaRPr lang="es-PE" dirty="0" smtClean="0">
+              <a:solidFill>
+                <a:srgbClr val="00823B"/>
+              </a:solidFill>
+            </a:endParaRPr>
           </a:p>
           <a:p>
             <a:r>
@@ -15708,8 +15437,13 @@
                   <a:srgbClr val="00823B"/>
                 </a:solidFill>
               </a:rPr>
-              <a:t>"SQL Server (T-SQL) </a:t>
-            </a:r>
+              <a:t>"Oracle (PLSQL) </a:t>
+            </a:r>
+            <a:endParaRPr lang="es-PE" dirty="0" smtClean="0">
+              <a:solidFill>
+                <a:srgbClr val="00823B"/>
+              </a:solidFill>
+            </a:endParaRPr>
           </a:p>
           <a:p>
             <a:r>
@@ -15801,7 +15535,7 @@
         </p:nvSpPr>
         <p:spPr>
           <a:xfrm>
-            <a:off x="556805" y="183778"/>
+            <a:off x="524338" y="216030"/>
             <a:ext cx="8229600" cy="724942"/>
           </a:xfrm>
         </p:spPr>
@@ -15815,7 +15549,7 @@
                   <a:srgbClr val="00823B"/>
                 </a:solidFill>
               </a:rPr>
-              <a:t>Visual Studio </a:t>
+              <a:t>¿Cuándo utilizar </a:t>
             </a:r>
             <a:r>
               <a:rPr lang="es-PE" dirty="0" err="1" smtClean="0">
@@ -15823,7 +15557,7 @@
                   <a:srgbClr val="00823B"/>
                 </a:solidFill>
               </a:rPr>
-              <a:t>Database</a:t>
+              <a:t>Inside</a:t>
             </a:r>
             <a:r>
               <a:rPr lang="es-PE" dirty="0" smtClean="0">
@@ -15831,15 +15565,15 @@
                   <a:srgbClr val="00823B"/>
                 </a:solidFill>
               </a:rPr>
-              <a:t> </a:t>
-            </a:r>
-            <a:r>
-              <a:rPr lang="es-PE" dirty="0" err="1" smtClean="0">
+              <a:t> DB</a:t>
+            </a:r>
+            <a:r>
+              <a:rPr lang="en-US" dirty="0">
                 <a:solidFill>
                   <a:srgbClr val="00823B"/>
                 </a:solidFill>
               </a:rPr>
-              <a:t>Projects</a:t>
+              <a:t>?</a:t>
             </a:r>
             <a:endParaRPr lang="es-PE" dirty="0">
               <a:solidFill>
@@ -15851,211 +15585,141 @@
       </p:sp>
       <p:sp>
         <p:nvSpPr>
-          <p:cNvPr id="4" name="3 Rectángulo"/>
-          <p:cNvSpPr/>
+          <p:cNvPr id="13" name="12 CuadroTexto"/>
+          <p:cNvSpPr txBox="1"/>
           <p:nvPr/>
         </p:nvSpPr>
         <p:spPr>
           <a:xfrm>
-            <a:off x="492356" y="2299061"/>
-            <a:ext cx="8208000" cy="3693319"/>
+            <a:off x="209672" y="1124744"/>
+            <a:ext cx="8712968" cy="4093428"/>
           </a:xfrm>
           <a:prstGeom prst="rect">
             <a:avLst/>
           </a:prstGeom>
+          <a:noFill/>
         </p:spPr>
         <p:txBody>
-          <a:bodyPr wrap="square">
+          <a:bodyPr wrap="square" rtlCol="0">
             <a:spAutoFit/>
           </a:bodyPr>
           <a:lstStyle/>
           <a:p>
+            <a:pPr algn="ctr"/>
             <a:r>
               <a:rPr lang="es-PE" sz="2600" dirty="0" smtClean="0">
                 <a:solidFill>
                   <a:srgbClr val="FFC000"/>
                 </a:solidFill>
               </a:rPr>
-              <a:t>PROS</a:t>
-            </a:r>
-          </a:p>
-          <a:p>
-            <a:pPr marL="342900" indent="-342900">
-              <a:buFont typeface="Courier New" pitchFamily="49" charset="0"/>
-              <a:buChar char="o"/>
+              <a:t>En la mayoría de casos es mejor probar el funcionamiento interno de la BD a través de pruebas de caja </a:t>
+            </a:r>
+            <a:r>
+              <a:rPr lang="es-PE" sz="2600" dirty="0">
+                <a:solidFill>
+                  <a:srgbClr val="FFC000"/>
+                </a:solidFill>
+              </a:rPr>
+              <a:t>negra </a:t>
+            </a:r>
+            <a:r>
+              <a:rPr lang="es-PE" sz="2600" dirty="0" smtClean="0">
+                <a:solidFill>
+                  <a:srgbClr val="FFC000"/>
+                </a:solidFill>
+              </a:rPr>
+              <a:t>(</a:t>
+            </a:r>
+            <a:r>
+              <a:rPr lang="es-PE" sz="2600" dirty="0" err="1">
+                <a:solidFill>
+                  <a:srgbClr val="FFC000"/>
+                </a:solidFill>
+              </a:rPr>
+              <a:t>Outside</a:t>
+            </a:r>
+            <a:r>
+              <a:rPr lang="es-PE" sz="2600" dirty="0">
+                <a:solidFill>
+                  <a:srgbClr val="FFC000"/>
+                </a:solidFill>
+              </a:rPr>
+              <a:t> DB </a:t>
+            </a:r>
+            <a:r>
+              <a:rPr lang="es-PE" sz="2600" dirty="0" err="1">
+                <a:solidFill>
+                  <a:srgbClr val="FFC000"/>
+                </a:solidFill>
+              </a:rPr>
+              <a:t>Testing</a:t>
+            </a:r>
+            <a:r>
+              <a:rPr lang="es-PE" sz="2600" dirty="0" smtClean="0">
+                <a:solidFill>
+                  <a:srgbClr val="FFC000"/>
+                </a:solidFill>
+              </a:rPr>
+              <a:t>), ya que son más fáciles de escribir y mantener.</a:t>
+            </a:r>
+          </a:p>
+          <a:p>
+            <a:pPr lvl="1"/>
+            <a:endParaRPr lang="es-PE" sz="2600" dirty="0"/>
+          </a:p>
+          <a:p>
+            <a:pPr marL="457200" indent="-457200">
+              <a:buFont typeface="Arial" pitchFamily="34" charset="0"/>
+              <a:buChar char="•"/>
             </a:pPr>
             <a:r>
+              <a:rPr lang="es-PE" sz="2600" dirty="0"/>
+              <a:t>Aplicaciones compuestas principalmente por procedimientos de BD: </a:t>
+            </a:r>
+            <a:r>
               <a:rPr lang="es-PE" sz="2600" dirty="0" err="1"/>
-              <a:t>Development</a:t>
+              <a:t>Batchs</a:t>
             </a:r>
             <a:r>
               <a:rPr lang="es-PE" sz="2600" dirty="0"/>
-              <a:t>, </a:t>
-            </a:r>
-            <a:r>
-              <a:rPr lang="es-PE" sz="2800" b="1" dirty="0" err="1">
-                <a:solidFill>
-                  <a:srgbClr val="FF0000"/>
-                </a:solidFill>
-              </a:rPr>
-              <a:t>Testing</a:t>
-            </a:r>
-            <a:r>
-              <a:rPr lang="es-PE" sz="2800" b="1" dirty="0">
-                <a:solidFill>
-                  <a:srgbClr val="FF0000"/>
-                </a:solidFill>
-              </a:rPr>
-              <a:t>, </a:t>
-            </a:r>
-            <a:r>
-              <a:rPr lang="es-PE" sz="2600" dirty="0" smtClean="0"/>
-              <a:t>Build and  </a:t>
-            </a:r>
-            <a:r>
-              <a:rPr lang="es-PE" sz="2600" dirty="0" err="1" smtClean="0"/>
-              <a:t>Source</a:t>
-            </a:r>
-            <a:r>
-              <a:rPr lang="es-PE" sz="2600" dirty="0" smtClean="0"/>
-              <a:t> Control, </a:t>
-            </a:r>
-            <a:br>
-              <a:rPr lang="es-PE" sz="2600" dirty="0" smtClean="0"/>
-            </a:br>
-            <a:r>
-              <a:rPr lang="es-PE" sz="2600" dirty="0" err="1" smtClean="0"/>
-              <a:t>Code</a:t>
-            </a:r>
-            <a:r>
-              <a:rPr lang="es-PE" sz="2600" dirty="0" smtClean="0"/>
-              <a:t> </a:t>
-            </a:r>
-            <a:r>
-              <a:rPr lang="es-PE" sz="2600" dirty="0" err="1" smtClean="0"/>
-              <a:t>Analysis</a:t>
-            </a:r>
-            <a:r>
-              <a:rPr lang="es-PE" sz="2600" dirty="0" smtClean="0"/>
-              <a:t>, </a:t>
-            </a:r>
-            <a:r>
-              <a:rPr lang="es-PE" sz="2600" dirty="0" err="1" smtClean="0"/>
-              <a:t>Deployment</a:t>
-            </a:r>
-            <a:r>
-              <a:rPr lang="es-PE" sz="2600" dirty="0" smtClean="0"/>
-              <a:t> ……</a:t>
-            </a:r>
-          </a:p>
-          <a:p>
-            <a:pPr marL="342900" indent="-342900">
-              <a:buFont typeface="Courier New" pitchFamily="49" charset="0"/>
-              <a:buChar char="o"/>
-            </a:pPr>
-            <a:r>
-              <a:rPr lang="es-PE" sz="2600" dirty="0" smtClean="0"/>
-              <a:t>Entorno integrado dentro del Visual Studio.</a:t>
-            </a:r>
-            <a:endParaRPr lang="es-PE" sz="2600" dirty="0"/>
-          </a:p>
-          <a:p>
-            <a:endParaRPr lang="es-PE" sz="2600" dirty="0"/>
-          </a:p>
-          <a:p>
-            <a:r>
-              <a:rPr lang="es-PE" sz="2600" dirty="0" smtClean="0">
-                <a:solidFill>
-                  <a:srgbClr val="FFC000"/>
-                </a:solidFill>
-              </a:rPr>
-              <a:t>CONS</a:t>
-            </a:r>
-          </a:p>
-          <a:p>
-            <a:pPr marL="342900" indent="-342900">
-              <a:buFont typeface="Courier New" pitchFamily="49" charset="0"/>
-              <a:buChar char="o"/>
-            </a:pPr>
-            <a:r>
-              <a:rPr lang="es-PE" sz="2600" dirty="0" smtClean="0"/>
-              <a:t>Solo soporta SQL Server.</a:t>
-            </a:r>
-          </a:p>
-          <a:p>
-            <a:pPr marL="342900" indent="-342900">
-              <a:buFont typeface="Courier New" pitchFamily="49" charset="0"/>
-              <a:buChar char="o"/>
-            </a:pPr>
-            <a:r>
-              <a:rPr lang="es-PE" sz="2600" dirty="0" smtClean="0"/>
-              <a:t>Varias características (incluyendo </a:t>
-            </a:r>
-            <a:r>
-              <a:rPr lang="es-PE" sz="2600" dirty="0" err="1" smtClean="0"/>
-              <a:t>Unit</a:t>
-            </a:r>
-            <a:r>
-              <a:rPr lang="es-PE" sz="2600" dirty="0" smtClean="0"/>
-              <a:t> </a:t>
-            </a:r>
-            <a:r>
-              <a:rPr lang="es-PE" sz="2600" dirty="0" err="1" smtClean="0"/>
-              <a:t>Testing</a:t>
-            </a:r>
-            <a:r>
-              <a:rPr lang="es-PE" sz="2600" dirty="0"/>
-              <a:t>)</a:t>
-            </a:r>
-            <a:r>
-              <a:rPr lang="es-PE" sz="2600" dirty="0" smtClean="0"/>
-              <a:t> solo disponibles en las versiones Premium y </a:t>
-            </a:r>
-            <a:r>
-              <a:rPr lang="es-PE" sz="2600" dirty="0" err="1" smtClean="0"/>
-              <a:t>Ultimate</a:t>
+              <a:t>, ETL, etc</a:t>
             </a:r>
             <a:r>
               <a:rPr lang="es-PE" sz="2600" dirty="0" smtClean="0"/>
               <a:t>.</a:t>
             </a:r>
           </a:p>
-        </p:txBody>
-      </p:sp>
-      <p:sp>
-        <p:nvSpPr>
-          <p:cNvPr id="6" name="5 Rectángulo"/>
-          <p:cNvSpPr/>
-          <p:nvPr/>
-        </p:nvSpPr>
-        <p:spPr>
-          <a:xfrm>
-            <a:off x="323528" y="1196752"/>
-            <a:ext cx="8568000" cy="892552"/>
-          </a:xfrm>
-          <a:prstGeom prst="rect">
-            <a:avLst/>
-          </a:prstGeom>
-        </p:spPr>
-        <p:txBody>
-          <a:bodyPr wrap="square">
-            <a:spAutoFit/>
-          </a:bodyPr>
-          <a:lstStyle/>
-          <a:p>
-            <a:pPr algn="ctr"/>
+          <a:p>
+            <a:pPr marL="457200" indent="-457200">
+              <a:buFont typeface="Arial" pitchFamily="34" charset="0"/>
+              <a:buChar char="•"/>
+            </a:pPr>
+            <a:endParaRPr lang="es-PE" sz="2600" dirty="0" smtClean="0"/>
+          </a:p>
+          <a:p>
+            <a:pPr marL="457200" indent="-457200">
+              <a:buFont typeface="Arial" pitchFamily="34" charset="0"/>
+              <a:buChar char="•"/>
+            </a:pPr>
             <a:r>
               <a:rPr lang="es-PE" sz="2600" dirty="0" smtClean="0"/>
-              <a:t>Nos permite gestionar el ciclo de vida de la BD e integrarlo con el resto de la aplicación.</a:t>
-            </a:r>
-            <a:endParaRPr lang="es-PE" sz="2600" dirty="0"/>
+              <a:t>Alternativa a considerar cuando se tienen módulos cuyas pruebas necesitan ser automatizadas, pero gran parte del de la aplicación se encuentra en la BD (Aplicaciones </a:t>
+            </a:r>
+            <a:r>
+              <a:rPr lang="es-PE" sz="2600" dirty="0" err="1" smtClean="0"/>
+              <a:t>Legacy</a:t>
+            </a:r>
+            <a:r>
+              <a:rPr lang="es-PE" sz="2600" dirty="0" smtClean="0"/>
+              <a:t>).</a:t>
+            </a:r>
           </a:p>
         </p:txBody>
       </p:sp>
     </p:spTree>
     <p:extLst>
       <p:ext uri="{BB962C8B-B14F-4D97-AF65-F5344CB8AC3E}">
-        <p14:creationId xmlns:p14="http://schemas.microsoft.com/office/powerpoint/2010/main" val="436741790"/>
+        <p14:creationId xmlns:p14="http://schemas.microsoft.com/office/powerpoint/2010/main" val="3540730048"/>
       </p:ext>
     </p:extLst>
   </p:cSld>
@@ -16073,7 +15737,7 @@
 </file>
 
 <file path=ppt/slides/slide29.xml><?xml version="1.0" encoding="utf-8"?>
-<p:sld xmlns:a="http://schemas.openxmlformats.org/drawingml/2006/main" xmlns:r="http://schemas.openxmlformats.org/officeDocument/2006/relationships" xmlns:p="http://schemas.openxmlformats.org/presentationml/2006/main">
+<p:sld xmlns:a="http://schemas.openxmlformats.org/drawingml/2006/main" xmlns:r="http://schemas.openxmlformats.org/officeDocument/2006/relationships" xmlns:p="http://schemas.openxmlformats.org/presentationml/2006/main" show="0">
   <p:cSld>
     <p:spTree>
       <p:nvGrpSpPr>
@@ -16091,7 +15755,7 @@
       </p:grpSpPr>
       <p:sp>
         <p:nvSpPr>
-          <p:cNvPr id="3" name="2 Título"/>
+          <p:cNvPr id="5" name="2 Título"/>
           <p:cNvSpPr>
             <a:spLocks noGrp="1"/>
           </p:cNvSpPr>
@@ -16101,8 +15765,8 @@
         </p:nvSpPr>
         <p:spPr>
           <a:xfrm>
-            <a:off x="556805" y="183778"/>
-            <a:ext cx="8229600" cy="724942"/>
+            <a:off x="508714" y="116632"/>
+            <a:ext cx="8229600" cy="864096"/>
           </a:xfrm>
         </p:spPr>
         <p:txBody>
@@ -16110,28 +15774,12 @@
           <a:lstStyle/>
           <a:p>
             <a:r>
-              <a:rPr lang="es-PE" dirty="0" err="1" smtClean="0">
+              <a:rPr lang="es-PE" dirty="0" smtClean="0">
                 <a:solidFill>
                   <a:srgbClr val="00823B"/>
                 </a:solidFill>
               </a:rPr>
-              <a:t>Testing</a:t>
-            </a:r>
-            <a:r>
-              <a:rPr lang="es-PE" dirty="0" smtClean="0">
-                <a:solidFill>
-                  <a:srgbClr val="00823B"/>
-                </a:solidFill>
-              </a:rPr>
-              <a:t> utilizando VS DB </a:t>
-            </a:r>
-            <a:r>
-              <a:rPr lang="es-PE" dirty="0" err="1" smtClean="0">
-                <a:solidFill>
-                  <a:srgbClr val="00823B"/>
-                </a:solidFill>
-              </a:rPr>
-              <a:t>Projects</a:t>
+              <a:t>¿ Porqué pruebas de integración?</a:t>
             </a:r>
             <a:endParaRPr lang="es-PE" dirty="0">
               <a:solidFill>
@@ -16143,116 +15791,157 @@
       </p:sp>
       <p:sp>
         <p:nvSpPr>
-          <p:cNvPr id="6" name="5 Rectángulo"/>
-          <p:cNvSpPr/>
+          <p:cNvPr id="8" name="7 CuadroTexto"/>
+          <p:cNvSpPr txBox="1"/>
           <p:nvPr/>
         </p:nvSpPr>
         <p:spPr>
           <a:xfrm>
-            <a:off x="323528" y="1024280"/>
-            <a:ext cx="8568000" cy="892552"/>
-          </a:xfrm>
-          <a:prstGeom prst="rect">
-            <a:avLst/>
-          </a:prstGeom>
-        </p:spPr>
-        <p:txBody>
-          <a:bodyPr wrap="square">
-            <a:spAutoFit/>
-          </a:bodyPr>
-          <a:lstStyle/>
-          <a:p>
-            <a:pPr algn="ctr"/>
-            <a:r>
-              <a:rPr lang="es-PE" sz="2600" dirty="0" smtClean="0"/>
-              <a:t>Entorno mixto a través del cual creamos pruebas utilizando SQL pero las ejecutamos a través de </a:t>
-            </a:r>
-            <a:r>
-              <a:rPr lang="es-PE" sz="2600" dirty="0" err="1" smtClean="0"/>
-              <a:t>MSTests</a:t>
-            </a:r>
-            <a:r>
-              <a:rPr lang="es-PE" sz="2600" dirty="0" smtClean="0"/>
-              <a:t>.</a:t>
-            </a:r>
-            <a:endParaRPr lang="es-PE" sz="2600" dirty="0"/>
-          </a:p>
-        </p:txBody>
-      </p:sp>
-      <p:pic>
-        <p:nvPicPr>
-          <p:cNvPr id="2051" name="Picture 3"/>
-          <p:cNvPicPr>
-            <a:picLocks noChangeAspect="1" noChangeArrowheads="1"/>
-          </p:cNvPicPr>
-          <p:nvPr/>
-        </p:nvPicPr>
-        <p:blipFill>
-          <a:blip r:embed="rId3">
-            <a:extLst>
-              <a:ext uri="{28A0092B-C50C-407E-A947-70E740481C1C}">
-                <a14:useLocalDpi xmlns:a14="http://schemas.microsoft.com/office/drawing/2010/main" val="0"/>
-              </a:ext>
-            </a:extLst>
-          </a:blip>
-          <a:srcRect/>
-          <a:stretch>
-            <a:fillRect/>
-          </a:stretch>
-        </p:blipFill>
-        <p:spPr bwMode="auto">
-          <a:xfrm>
-            <a:off x="0" y="2140757"/>
-            <a:ext cx="9144000" cy="4384587"/>
+            <a:off x="539552" y="1196752"/>
+            <a:ext cx="8136904" cy="4893647"/>
           </a:xfrm>
           <a:prstGeom prst="rect">
             <a:avLst/>
           </a:prstGeom>
           <a:noFill/>
-          <a:ln>
-            <a:noFill/>
-          </a:ln>
-          <a:effectLst/>
-          <a:extLst>
-            <a:ext uri="{909E8E84-426E-40DD-AFC4-6F175D3DCCD1}">
-              <a14:hiddenFill xmlns:a14="http://schemas.microsoft.com/office/drawing/2010/main">
-                <a:solidFill>
-                  <a:schemeClr val="accent1"/>
-                </a:solidFill>
-              </a14:hiddenFill>
-            </a:ext>
-            <a:ext uri="{91240B29-F687-4F45-9708-019B960494DF}">
-              <a14:hiddenLine xmlns:a14="http://schemas.microsoft.com/office/drawing/2010/main" w="9525">
-                <a:solidFill>
-                  <a:schemeClr val="tx1"/>
-                </a:solidFill>
-                <a:miter lim="800000"/>
-                <a:headEnd/>
-                <a:tailEnd/>
-              </a14:hiddenLine>
-            </a:ext>
-            <a:ext uri="{AF507438-7753-43E0-B8FC-AC1667EBCBE1}">
-              <a14:hiddenEffects xmlns:a14="http://schemas.microsoft.com/office/drawing/2010/main">
-                <a:effectLst>
-                  <a:outerShdw dist="35921" dir="2700000" algn="ctr" rotWithShape="0">
-                    <a:schemeClr val="bg2"/>
-                  </a:outerShdw>
-                </a:effectLst>
-              </a14:hiddenEffects>
-            </a:ext>
-          </a:extLst>
         </p:spPr>
-      </p:pic>
+        <p:txBody>
+          <a:bodyPr wrap="square" rtlCol="0">
+            <a:spAutoFit/>
+          </a:bodyPr>
+          <a:lstStyle/>
+          <a:p>
+            <a:pPr algn="ctr"/>
+            <a:r>
+              <a:rPr lang="es-PE" sz="2600" dirty="0" smtClean="0"/>
+              <a:t>Los test de integración son lentos, frágiles, difíciles de escribir pero igual son necesarios.</a:t>
+            </a:r>
+          </a:p>
+          <a:p>
+            <a:pPr marL="571500" indent="-571500">
+              <a:buFont typeface="Arial" pitchFamily="34" charset="0"/>
+              <a:buChar char="•"/>
+            </a:pPr>
+            <a:endParaRPr lang="es-PE" sz="2600" dirty="0" smtClean="0"/>
+          </a:p>
+          <a:p>
+            <a:pPr marL="342900" indent="-342900" fontAlgn="base">
+              <a:spcBef>
+                <a:spcPct val="20000"/>
+              </a:spcBef>
+              <a:spcAft>
+                <a:spcPct val="0"/>
+              </a:spcAft>
+              <a:buFont typeface="Arial" charset="0"/>
+              <a:buChar char="•"/>
+            </a:pPr>
+            <a:r>
+              <a:rPr lang="es-PE" sz="2600" dirty="0"/>
+              <a:t>Una buen conjunto de </a:t>
+            </a:r>
+            <a:r>
+              <a:rPr lang="es-PE" sz="2600" dirty="0">
+                <a:solidFill>
+                  <a:srgbClr val="FF0000"/>
+                </a:solidFill>
+              </a:rPr>
+              <a:t>pruebas unitarias es aún más efectivo si es acompañado de otros  tipos de test.</a:t>
+            </a:r>
+          </a:p>
+          <a:p>
+            <a:pPr marL="342900" indent="-342900" fontAlgn="base">
+              <a:spcBef>
+                <a:spcPct val="20000"/>
+              </a:spcBef>
+              <a:spcAft>
+                <a:spcPct val="0"/>
+              </a:spcAft>
+              <a:buFont typeface="Arial" charset="0"/>
+              <a:buChar char="•"/>
+            </a:pPr>
+            <a:endParaRPr lang="es-ES" sz="2600" dirty="0"/>
+          </a:p>
+          <a:p>
+            <a:pPr marL="342900" indent="-342900" fontAlgn="base">
+              <a:spcBef>
+                <a:spcPct val="20000"/>
+              </a:spcBef>
+              <a:spcAft>
+                <a:spcPct val="0"/>
+              </a:spcAft>
+              <a:buFont typeface="Arial" charset="0"/>
+              <a:buChar char="•"/>
+            </a:pPr>
+            <a:r>
+              <a:rPr lang="es-ES" sz="2600" dirty="0"/>
+              <a:t>Cada tipo de test es una </a:t>
+            </a:r>
+            <a:r>
+              <a:rPr lang="es-ES" sz="2600" dirty="0">
+                <a:solidFill>
+                  <a:srgbClr val="FF0000"/>
+                </a:solidFill>
+              </a:rPr>
+              <a:t>nueva capa de protección en nuestro sistema</a:t>
+            </a:r>
+            <a:r>
+              <a:rPr lang="es-ES" sz="2600" dirty="0" smtClean="0">
+                <a:solidFill>
+                  <a:srgbClr val="FF0000"/>
+                </a:solidFill>
+              </a:rPr>
+              <a:t>.</a:t>
+            </a:r>
+          </a:p>
+          <a:p>
+            <a:pPr marL="342900" indent="-342900" fontAlgn="base">
+              <a:spcBef>
+                <a:spcPct val="20000"/>
+              </a:spcBef>
+              <a:spcAft>
+                <a:spcPct val="0"/>
+              </a:spcAft>
+              <a:buFont typeface="Arial" charset="0"/>
+              <a:buChar char="•"/>
+            </a:pPr>
+            <a:endParaRPr lang="es-ES" sz="2600" dirty="0"/>
+          </a:p>
+          <a:p>
+            <a:pPr marL="342900" indent="-342900" fontAlgn="base">
+              <a:spcBef>
+                <a:spcPct val="20000"/>
+              </a:spcBef>
+              <a:spcAft>
+                <a:spcPct val="0"/>
+              </a:spcAft>
+              <a:buFont typeface="Arial" charset="0"/>
+              <a:buChar char="•"/>
+            </a:pPr>
+            <a:r>
+              <a:rPr lang="es-PE" sz="2600" dirty="0"/>
+              <a:t>El balance  y aplicación efectiva de todos los tipos de test es lo que realmente te dará beneficios.</a:t>
+            </a:r>
+          </a:p>
+        </p:txBody>
+      </p:sp>
     </p:spTree>
     <p:extLst>
       <p:ext uri="{BB962C8B-B14F-4D97-AF65-F5344CB8AC3E}">
-        <p14:creationId xmlns:p14="http://schemas.microsoft.com/office/powerpoint/2010/main" val="1482383444"/>
+        <p14:creationId xmlns:p14="http://schemas.microsoft.com/office/powerpoint/2010/main" val="3027783249"/>
       </p:ext>
     </p:extLst>
   </p:cSld>
   <p:clrMapOvr>
     <a:masterClrMapping/>
   </p:clrMapOvr>
+  <mc:AlternateContent xmlns:mc="http://schemas.openxmlformats.org/markup-compatibility/2006" xmlns:p14="http://schemas.microsoft.com/office/powerpoint/2010/main">
+    <mc:Choice Requires="p14">
+      <p:transition spd="slow" p14:dur="2000"/>
+    </mc:Choice>
+    <mc:Fallback xmlns="">
+      <p:transition spd="slow"/>
+    </mc:Fallback>
+  </mc:AlternateContent>
   <p:timing>
     <p:tnLst>
       <p:par>
@@ -17298,324 +16987,6 @@
 </file>
 
 <file path=ppt/slides/slide30.xml><?xml version="1.0" encoding="utf-8"?>
-<p:sld xmlns:a="http://schemas.openxmlformats.org/drawingml/2006/main" xmlns:r="http://schemas.openxmlformats.org/officeDocument/2006/relationships" xmlns:p="http://schemas.openxmlformats.org/presentationml/2006/main" show="0">
-  <p:cSld>
-    <p:spTree>
-      <p:nvGrpSpPr>
-        <p:cNvPr id="1" name=""/>
-        <p:cNvGrpSpPr/>
-        <p:nvPr/>
-      </p:nvGrpSpPr>
-      <p:grpSpPr>
-        <a:xfrm>
-          <a:off x="0" y="0"/>
-          <a:ext cx="0" cy="0"/>
-          <a:chOff x="0" y="0"/>
-          <a:chExt cx="0" cy="0"/>
-        </a:xfrm>
-      </p:grpSpPr>
-      <p:sp>
-        <p:nvSpPr>
-          <p:cNvPr id="4" name="2 Título"/>
-          <p:cNvSpPr txBox="1">
-            <a:spLocks/>
-          </p:cNvSpPr>
-          <p:nvPr/>
-        </p:nvSpPr>
-        <p:spPr bwMode="auto">
-          <a:xfrm>
-            <a:off x="457200" y="1124744"/>
-            <a:ext cx="8229600" cy="3672408"/>
-          </a:xfrm>
-          <a:prstGeom prst="rect">
-            <a:avLst/>
-          </a:prstGeom>
-          <a:noFill/>
-          <a:ln w="9525">
-            <a:noFill/>
-            <a:miter lim="800000"/>
-            <a:headEnd/>
-            <a:tailEnd/>
-          </a:ln>
-        </p:spPr>
-        <p:txBody>
-          <a:bodyPr vert="horz" wrap="square" lIns="91440" tIns="45720" rIns="91440" bIns="45720" numCol="1" anchor="ctr" anchorCtr="0" compatLnSpc="1">
-            <a:prstTxWarp prst="textNoShape">
-              <a:avLst/>
-            </a:prstTxWarp>
-          </a:bodyPr>
-          <a:lstStyle>
-            <a:lvl1pPr algn="ctr" rtl="0" eaLnBrk="1" fontAlgn="base" hangingPunct="1">
-              <a:spcBef>
-                <a:spcPct val="0"/>
-              </a:spcBef>
-              <a:spcAft>
-                <a:spcPct val="0"/>
-              </a:spcAft>
-              <a:defRPr sz="4400" kern="1200">
-                <a:solidFill>
-                  <a:schemeClr val="tx1"/>
-                </a:solidFill>
-                <a:latin typeface="+mj-lt"/>
-                <a:ea typeface="+mj-ea"/>
-                <a:cs typeface="+mj-cs"/>
-              </a:defRPr>
-            </a:lvl1pPr>
-            <a:lvl2pPr algn="ctr" rtl="0" eaLnBrk="1" fontAlgn="base" hangingPunct="1">
-              <a:spcBef>
-                <a:spcPct val="0"/>
-              </a:spcBef>
-              <a:spcAft>
-                <a:spcPct val="0"/>
-              </a:spcAft>
-              <a:defRPr sz="4400">
-                <a:solidFill>
-                  <a:schemeClr val="tx1"/>
-                </a:solidFill>
-                <a:latin typeface="Calibri" pitchFamily="34" charset="0"/>
-              </a:defRPr>
-            </a:lvl2pPr>
-            <a:lvl3pPr algn="ctr" rtl="0" eaLnBrk="1" fontAlgn="base" hangingPunct="1">
-              <a:spcBef>
-                <a:spcPct val="0"/>
-              </a:spcBef>
-              <a:spcAft>
-                <a:spcPct val="0"/>
-              </a:spcAft>
-              <a:defRPr sz="4400">
-                <a:solidFill>
-                  <a:schemeClr val="tx1"/>
-                </a:solidFill>
-                <a:latin typeface="Calibri" pitchFamily="34" charset="0"/>
-              </a:defRPr>
-            </a:lvl3pPr>
-            <a:lvl4pPr algn="ctr" rtl="0" eaLnBrk="1" fontAlgn="base" hangingPunct="1">
-              <a:spcBef>
-                <a:spcPct val="0"/>
-              </a:spcBef>
-              <a:spcAft>
-                <a:spcPct val="0"/>
-              </a:spcAft>
-              <a:defRPr sz="4400">
-                <a:solidFill>
-                  <a:schemeClr val="tx1"/>
-                </a:solidFill>
-                <a:latin typeface="Calibri" pitchFamily="34" charset="0"/>
-              </a:defRPr>
-            </a:lvl4pPr>
-            <a:lvl5pPr algn="ctr" rtl="0" eaLnBrk="1" fontAlgn="base" hangingPunct="1">
-              <a:spcBef>
-                <a:spcPct val="0"/>
-              </a:spcBef>
-              <a:spcAft>
-                <a:spcPct val="0"/>
-              </a:spcAft>
-              <a:defRPr sz="4400">
-                <a:solidFill>
-                  <a:schemeClr val="tx1"/>
-                </a:solidFill>
-                <a:latin typeface="Calibri" pitchFamily="34" charset="0"/>
-              </a:defRPr>
-            </a:lvl5pPr>
-            <a:lvl6pPr marL="457200" algn="ctr" rtl="0" eaLnBrk="1" fontAlgn="base" hangingPunct="1">
-              <a:spcBef>
-                <a:spcPct val="0"/>
-              </a:spcBef>
-              <a:spcAft>
-                <a:spcPct val="0"/>
-              </a:spcAft>
-              <a:defRPr sz="4400">
-                <a:solidFill>
-                  <a:schemeClr val="tx1"/>
-                </a:solidFill>
-                <a:latin typeface="Calibri" pitchFamily="34" charset="0"/>
-              </a:defRPr>
-            </a:lvl6pPr>
-            <a:lvl7pPr marL="914400" algn="ctr" rtl="0" eaLnBrk="1" fontAlgn="base" hangingPunct="1">
-              <a:spcBef>
-                <a:spcPct val="0"/>
-              </a:spcBef>
-              <a:spcAft>
-                <a:spcPct val="0"/>
-              </a:spcAft>
-              <a:defRPr sz="4400">
-                <a:solidFill>
-                  <a:schemeClr val="tx1"/>
-                </a:solidFill>
-                <a:latin typeface="Calibri" pitchFamily="34" charset="0"/>
-              </a:defRPr>
-            </a:lvl7pPr>
-            <a:lvl8pPr marL="1371600" algn="ctr" rtl="0" eaLnBrk="1" fontAlgn="base" hangingPunct="1">
-              <a:spcBef>
-                <a:spcPct val="0"/>
-              </a:spcBef>
-              <a:spcAft>
-                <a:spcPct val="0"/>
-              </a:spcAft>
-              <a:defRPr sz="4400">
-                <a:solidFill>
-                  <a:schemeClr val="tx1"/>
-                </a:solidFill>
-                <a:latin typeface="Calibri" pitchFamily="34" charset="0"/>
-              </a:defRPr>
-            </a:lvl8pPr>
-            <a:lvl9pPr marL="1828800" algn="ctr" rtl="0" eaLnBrk="1" fontAlgn="base" hangingPunct="1">
-              <a:spcBef>
-                <a:spcPct val="0"/>
-              </a:spcBef>
-              <a:spcAft>
-                <a:spcPct val="0"/>
-              </a:spcAft>
-              <a:defRPr sz="4400">
-                <a:solidFill>
-                  <a:schemeClr val="tx1"/>
-                </a:solidFill>
-                <a:latin typeface="Calibri" pitchFamily="34" charset="0"/>
-              </a:defRPr>
-            </a:lvl9pPr>
-          </a:lstStyle>
-          <a:p>
-            <a:r>
-              <a:rPr lang="es-PE" dirty="0" smtClean="0">
-                <a:solidFill>
-                  <a:srgbClr val="FFC000"/>
-                </a:solidFill>
-              </a:rPr>
-              <a:t>Ejercicio</a:t>
-            </a:r>
-          </a:p>
-          <a:p>
-            <a:r>
-              <a:rPr lang="es-PE" dirty="0" smtClean="0"/>
-              <a:t>Utilizar </a:t>
-            </a:r>
-            <a:br>
-              <a:rPr lang="es-PE" dirty="0" smtClean="0"/>
-            </a:br>
-            <a:r>
-              <a:rPr lang="es-PE" dirty="0" smtClean="0">
-                <a:solidFill>
-                  <a:srgbClr val="00823B"/>
-                </a:solidFill>
-              </a:rPr>
-              <a:t>"Visual Studio DB </a:t>
-            </a:r>
-            <a:r>
-              <a:rPr lang="es-PE" dirty="0" err="1" smtClean="0">
-                <a:solidFill>
-                  <a:srgbClr val="00823B"/>
-                </a:solidFill>
-              </a:rPr>
-              <a:t>Projects</a:t>
-            </a:r>
-            <a:r>
-              <a:rPr lang="es-PE" dirty="0" smtClean="0">
-                <a:solidFill>
-                  <a:srgbClr val="00823B"/>
-                </a:solidFill>
-              </a:rPr>
-              <a:t>" </a:t>
-            </a:r>
-          </a:p>
-          <a:p>
-            <a:r>
-              <a:rPr lang="es-PE" dirty="0" smtClean="0"/>
-              <a:t>para crear pruebas unitarias a </a:t>
-            </a:r>
-            <a:r>
-              <a:rPr lang="es-PE" dirty="0" smtClean="0">
-                <a:solidFill>
-                  <a:srgbClr val="00823B"/>
-                </a:solidFill>
-              </a:rPr>
-              <a:t/>
-            </a:r>
-            <a:br>
-              <a:rPr lang="es-PE" dirty="0" smtClean="0">
-                <a:solidFill>
-                  <a:srgbClr val="00823B"/>
-                </a:solidFill>
-              </a:rPr>
-            </a:br>
-            <a:r>
-              <a:rPr lang="es-PE" dirty="0" smtClean="0">
-                <a:solidFill>
-                  <a:srgbClr val="00823B"/>
-                </a:solidFill>
-              </a:rPr>
-              <a:t>"SQL Server (T-SQL) </a:t>
-            </a:r>
-          </a:p>
-          <a:p>
-            <a:r>
-              <a:rPr lang="es-PE" dirty="0" err="1" smtClean="0">
-                <a:solidFill>
-                  <a:srgbClr val="00823B"/>
-                </a:solidFill>
-              </a:rPr>
-              <a:t>Store</a:t>
-            </a:r>
-            <a:r>
-              <a:rPr lang="es-PE" dirty="0" smtClean="0">
-                <a:solidFill>
-                  <a:srgbClr val="00823B"/>
-                </a:solidFill>
-              </a:rPr>
-              <a:t> </a:t>
-            </a:r>
-            <a:r>
-              <a:rPr lang="es-PE" dirty="0" err="1" smtClean="0">
-                <a:solidFill>
-                  <a:srgbClr val="00823B"/>
-                </a:solidFill>
-              </a:rPr>
-              <a:t>Procedures</a:t>
-            </a:r>
-            <a:r>
-              <a:rPr lang="es-PE" dirty="0" smtClean="0">
-                <a:solidFill>
-                  <a:srgbClr val="00823B"/>
-                </a:solidFill>
-              </a:rPr>
-              <a:t>"</a:t>
-            </a:r>
-            <a:endParaRPr lang="es-PE" dirty="0">
-              <a:solidFill>
-                <a:srgbClr val="00823B"/>
-              </a:solidFill>
-            </a:endParaRPr>
-          </a:p>
-        </p:txBody>
-      </p:sp>
-    </p:spTree>
-    <p:extLst>
-      <p:ext uri="{BB962C8B-B14F-4D97-AF65-F5344CB8AC3E}">
-        <p14:creationId xmlns:p14="http://schemas.microsoft.com/office/powerpoint/2010/main" val="590461063"/>
-      </p:ext>
-    </p:extLst>
-  </p:cSld>
-  <p:clrMapOvr>
-    <a:masterClrMapping/>
-  </p:clrMapOvr>
-  <mc:AlternateContent xmlns:mc="http://schemas.openxmlformats.org/markup-compatibility/2006" xmlns:p14="http://schemas.microsoft.com/office/powerpoint/2010/main">
-    <mc:Choice Requires="p14">
-      <p:transition spd="slow" p14:dur="2000"/>
-    </mc:Choice>
-    <mc:Fallback xmlns="">
-      <p:transition spd="slow"/>
-    </mc:Fallback>
-  </mc:AlternateContent>
-  <p:timing>
-    <p:tnLst>
-      <p:par>
-        <p:cTn id="1" dur="indefinite" restart="never" nodeType="tmRoot"/>
-      </p:par>
-    </p:tnLst>
-  </p:timing>
-</p:sld>
-</file>
-
-<file path=ppt/slides/slide31.xml><?xml version="1.0" encoding="utf-8"?>
 <p:sld xmlns:a="http://schemas.openxmlformats.org/drawingml/2006/main" xmlns:r="http://schemas.openxmlformats.org/officeDocument/2006/relationships" xmlns:p="http://schemas.openxmlformats.org/presentationml/2006/main">
   <p:cSld>
     <p:spTree>
@@ -17634,7 +17005,7 @@
       </p:grpSpPr>
       <p:sp>
         <p:nvSpPr>
-          <p:cNvPr id="3" name="2 Título"/>
+          <p:cNvPr id="5" name="2 Título"/>
           <p:cNvSpPr>
             <a:spLocks noGrp="1"/>
           </p:cNvSpPr>
@@ -17644,8 +17015,8 @@
         </p:nvSpPr>
         <p:spPr>
           <a:xfrm>
-            <a:off x="524338" y="216030"/>
-            <a:ext cx="8229600" cy="724942"/>
+            <a:off x="457200" y="620688"/>
+            <a:ext cx="8229600" cy="2016224"/>
           </a:xfrm>
         </p:spPr>
         <p:txBody>
@@ -17655,38 +17026,29 @@
             <a:r>
               <a:rPr lang="es-PE" dirty="0" smtClean="0">
                 <a:solidFill>
-                  <a:srgbClr val="00823B"/>
-                </a:solidFill>
-              </a:rPr>
-              <a:t>¿Cuándo utilizar </a:t>
-            </a:r>
-            <a:r>
-              <a:rPr lang="es-PE" dirty="0" err="1" smtClean="0">
-                <a:solidFill>
-                  <a:srgbClr val="00823B"/>
-                </a:solidFill>
-              </a:rPr>
-              <a:t>Inside</a:t>
-            </a:r>
-            <a:r>
+                  <a:srgbClr val="FFC000"/>
+                </a:solidFill>
+              </a:rPr>
+              <a:t>Ejercicio</a:t>
+            </a:r>
+            <a:br>
               <a:rPr lang="es-PE" dirty="0" smtClean="0">
                 <a:solidFill>
-                  <a:srgbClr val="00823B"/>
-                </a:solidFill>
-              </a:rPr>
-              <a:t> DB</a:t>
-            </a:r>
-            <a:r>
-              <a:rPr lang="en-US" dirty="0">
-                <a:solidFill>
-                  <a:srgbClr val="00823B"/>
-                </a:solidFill>
-              </a:rPr>
-              <a:t>?</a:t>
+                  <a:srgbClr val="FFC000"/>
+                </a:solidFill>
+              </a:rPr>
+            </a:br>
+            <a:r>
+              <a:rPr lang="es-PE" dirty="0" smtClean="0">
+                <a:solidFill>
+                  <a:srgbClr val="00B050"/>
+                </a:solidFill>
+              </a:rPr>
+              <a:t>Realizar pruebas de base de datos a la aplicación Tienda Virtual</a:t>
             </a:r>
             <a:endParaRPr lang="es-PE" dirty="0">
               <a:solidFill>
-                <a:srgbClr val="00823B"/>
+                <a:srgbClr val="00B050"/>
               </a:solidFill>
             </a:endParaRPr>
           </a:p>
@@ -17694,133 +17056,209 @@
       </p:sp>
       <p:sp>
         <p:nvSpPr>
-          <p:cNvPr id="13" name="12 CuadroTexto"/>
-          <p:cNvSpPr txBox="1"/>
+          <p:cNvPr id="4" name="5 Marcador de contenido"/>
+          <p:cNvSpPr txBox="1">
+            <a:spLocks/>
+          </p:cNvSpPr>
           <p:nvPr/>
         </p:nvSpPr>
-        <p:spPr>
+        <p:spPr bwMode="auto">
           <a:xfrm>
-            <a:off x="209672" y="1124744"/>
-            <a:ext cx="8712968" cy="4093428"/>
+            <a:off x="611560" y="3140968"/>
+            <a:ext cx="8208912" cy="1094859"/>
           </a:xfrm>
           <a:prstGeom prst="rect">
             <a:avLst/>
           </a:prstGeom>
           <a:noFill/>
+          <a:ln w="9525">
+            <a:noFill/>
+            <a:miter lim="800000"/>
+            <a:headEnd/>
+            <a:tailEnd/>
+          </a:ln>
         </p:spPr>
         <p:txBody>
-          <a:bodyPr wrap="square" rtlCol="0">
-            <a:spAutoFit/>
+          <a:bodyPr vert="horz" wrap="square" lIns="91440" tIns="45720" rIns="91440" bIns="45720" numCol="1" anchor="t" anchorCtr="0" compatLnSpc="1">
+            <a:prstTxWarp prst="textNoShape">
+              <a:avLst/>
+            </a:prstTxWarp>
           </a:bodyPr>
-          <a:lstStyle/>
-          <a:p>
-            <a:pPr algn="ctr"/>
-            <a:r>
-              <a:rPr lang="es-PE" sz="2600" dirty="0" smtClean="0">
-                <a:solidFill>
-                  <a:srgbClr val="FFC000"/>
-                </a:solidFill>
-              </a:rPr>
-              <a:t>En la mayoría de casos es mejor probar el funcionamiento interno de la BD a través de pruebas de caja </a:t>
-            </a:r>
-            <a:r>
-              <a:rPr lang="es-PE" sz="2600" dirty="0">
-                <a:solidFill>
-                  <a:srgbClr val="FFC000"/>
-                </a:solidFill>
-              </a:rPr>
-              <a:t>negra </a:t>
-            </a:r>
-            <a:r>
-              <a:rPr lang="es-PE" sz="2600" dirty="0" smtClean="0">
-                <a:solidFill>
-                  <a:srgbClr val="FFC000"/>
-                </a:solidFill>
-              </a:rPr>
-              <a:t>(</a:t>
-            </a:r>
-            <a:r>
-              <a:rPr lang="es-PE" sz="2600" dirty="0" err="1">
-                <a:solidFill>
-                  <a:srgbClr val="FFC000"/>
-                </a:solidFill>
-              </a:rPr>
-              <a:t>Outside</a:t>
-            </a:r>
-            <a:r>
-              <a:rPr lang="es-PE" sz="2600" dirty="0">
-                <a:solidFill>
-                  <a:srgbClr val="FFC000"/>
-                </a:solidFill>
-              </a:rPr>
-              <a:t> DB </a:t>
-            </a:r>
-            <a:r>
-              <a:rPr lang="es-PE" sz="2600" dirty="0" err="1">
-                <a:solidFill>
-                  <a:srgbClr val="FFC000"/>
-                </a:solidFill>
-              </a:rPr>
-              <a:t>Testing</a:t>
-            </a:r>
-            <a:r>
-              <a:rPr lang="es-PE" sz="2600" dirty="0" smtClean="0">
-                <a:solidFill>
-                  <a:srgbClr val="FFC000"/>
-                </a:solidFill>
-              </a:rPr>
-              <a:t>), ya que son más fáciles de escribir y mantener.</a:t>
-            </a:r>
-          </a:p>
-          <a:p>
-            <a:pPr lvl="1"/>
-            <a:endParaRPr lang="es-PE" sz="2600" dirty="0"/>
-          </a:p>
-          <a:p>
-            <a:pPr marL="457200" indent="-457200">
+          <a:lstStyle>
+            <a:lvl1pPr marL="342900" indent="-342900" algn="l" rtl="0" eaLnBrk="1" fontAlgn="base" hangingPunct="1">
+              <a:spcBef>
+                <a:spcPct val="20000"/>
+              </a:spcBef>
+              <a:spcAft>
+                <a:spcPct val="0"/>
+              </a:spcAft>
+              <a:buFont typeface="Arial" charset="0"/>
+              <a:buChar char="•"/>
+              <a:defRPr sz="3200" kern="1200">
+                <a:solidFill>
+                  <a:schemeClr val="tx1"/>
+                </a:solidFill>
+                <a:latin typeface="+mn-lt"/>
+                <a:ea typeface="+mn-ea"/>
+                <a:cs typeface="+mn-cs"/>
+              </a:defRPr>
+            </a:lvl1pPr>
+            <a:lvl2pPr marL="742950" indent="-285750" algn="l" rtl="0" eaLnBrk="1" fontAlgn="base" hangingPunct="1">
+              <a:spcBef>
+                <a:spcPct val="20000"/>
+              </a:spcBef>
+              <a:spcAft>
+                <a:spcPct val="0"/>
+              </a:spcAft>
+              <a:buFont typeface="Arial" charset="0"/>
+              <a:buChar char="–"/>
+              <a:defRPr sz="2800" kern="1200">
+                <a:solidFill>
+                  <a:schemeClr val="tx1"/>
+                </a:solidFill>
+                <a:latin typeface="+mn-lt"/>
+                <a:ea typeface="+mn-ea"/>
+                <a:cs typeface="+mn-cs"/>
+              </a:defRPr>
+            </a:lvl2pPr>
+            <a:lvl3pPr marL="1143000" indent="-228600" algn="l" rtl="0" eaLnBrk="1" fontAlgn="base" hangingPunct="1">
+              <a:spcBef>
+                <a:spcPct val="20000"/>
+              </a:spcBef>
+              <a:spcAft>
+                <a:spcPct val="0"/>
+              </a:spcAft>
+              <a:buFont typeface="Arial" charset="0"/>
+              <a:buChar char="•"/>
+              <a:defRPr sz="2400" kern="1200">
+                <a:solidFill>
+                  <a:schemeClr val="tx1"/>
+                </a:solidFill>
+                <a:latin typeface="+mn-lt"/>
+                <a:ea typeface="+mn-ea"/>
+                <a:cs typeface="+mn-cs"/>
+              </a:defRPr>
+            </a:lvl3pPr>
+            <a:lvl4pPr marL="1600200" indent="-228600" algn="l" rtl="0" eaLnBrk="1" fontAlgn="base" hangingPunct="1">
+              <a:spcBef>
+                <a:spcPct val="20000"/>
+              </a:spcBef>
+              <a:spcAft>
+                <a:spcPct val="0"/>
+              </a:spcAft>
+              <a:buFont typeface="Arial" charset="0"/>
+              <a:buChar char="–"/>
+              <a:defRPr sz="2000" kern="1200">
+                <a:solidFill>
+                  <a:schemeClr val="tx1"/>
+                </a:solidFill>
+                <a:latin typeface="+mn-lt"/>
+                <a:ea typeface="+mn-ea"/>
+                <a:cs typeface="+mn-cs"/>
+              </a:defRPr>
+            </a:lvl4pPr>
+            <a:lvl5pPr marL="2057400" indent="-228600" algn="l" rtl="0" eaLnBrk="1" fontAlgn="base" hangingPunct="1">
+              <a:spcBef>
+                <a:spcPct val="20000"/>
+              </a:spcBef>
+              <a:spcAft>
+                <a:spcPct val="0"/>
+              </a:spcAft>
+              <a:buFont typeface="Arial" charset="0"/>
+              <a:buChar char="»"/>
+              <a:defRPr sz="2000" kern="1200">
+                <a:solidFill>
+                  <a:schemeClr val="tx1"/>
+                </a:solidFill>
+                <a:latin typeface="+mn-lt"/>
+                <a:ea typeface="+mn-ea"/>
+                <a:cs typeface="+mn-cs"/>
+              </a:defRPr>
+            </a:lvl5pPr>
+            <a:lvl6pPr marL="2514600" indent="-228600" algn="l" defTabSz="914400" rtl="0" eaLnBrk="1" latinLnBrk="0" hangingPunct="1">
+              <a:spcBef>
+                <a:spcPct val="20000"/>
+              </a:spcBef>
               <a:buFont typeface="Arial" pitchFamily="34" charset="0"/>
               <a:buChar char="•"/>
-            </a:pPr>
-            <a:r>
-              <a:rPr lang="es-PE" sz="2600" dirty="0"/>
-              <a:t>Aplicaciones compuestas principalmente por procedimientos de BD: </a:t>
-            </a:r>
-            <a:r>
-              <a:rPr lang="es-PE" sz="2600" dirty="0" err="1"/>
-              <a:t>Batchs</a:t>
-            </a:r>
-            <a:r>
-              <a:rPr lang="es-PE" sz="2600" dirty="0"/>
-              <a:t>, ETL, etc</a:t>
-            </a:r>
-            <a:r>
-              <a:rPr lang="es-PE" sz="2600" dirty="0" smtClean="0"/>
-              <a:t>.</a:t>
-            </a:r>
-          </a:p>
-          <a:p>
-            <a:pPr marL="457200" indent="-457200">
+              <a:defRPr sz="2000" kern="1200">
+                <a:solidFill>
+                  <a:schemeClr val="tx1"/>
+                </a:solidFill>
+                <a:latin typeface="+mn-lt"/>
+                <a:ea typeface="+mn-ea"/>
+                <a:cs typeface="+mn-cs"/>
+              </a:defRPr>
+            </a:lvl6pPr>
+            <a:lvl7pPr marL="2971800" indent="-228600" algn="l" defTabSz="914400" rtl="0" eaLnBrk="1" latinLnBrk="0" hangingPunct="1">
+              <a:spcBef>
+                <a:spcPct val="20000"/>
+              </a:spcBef>
               <a:buFont typeface="Arial" pitchFamily="34" charset="0"/>
               <a:buChar char="•"/>
-            </a:pPr>
-            <a:endParaRPr lang="es-PE" sz="2600" dirty="0" smtClean="0"/>
-          </a:p>
-          <a:p>
-            <a:pPr marL="457200" indent="-457200">
+              <a:defRPr sz="2000" kern="1200">
+                <a:solidFill>
+                  <a:schemeClr val="tx1"/>
+                </a:solidFill>
+                <a:latin typeface="+mn-lt"/>
+                <a:ea typeface="+mn-ea"/>
+                <a:cs typeface="+mn-cs"/>
+              </a:defRPr>
+            </a:lvl7pPr>
+            <a:lvl8pPr marL="3429000" indent="-228600" algn="l" defTabSz="914400" rtl="0" eaLnBrk="1" latinLnBrk="0" hangingPunct="1">
+              <a:spcBef>
+                <a:spcPct val="20000"/>
+              </a:spcBef>
               <a:buFont typeface="Arial" pitchFamily="34" charset="0"/>
               <a:buChar char="•"/>
+              <a:defRPr sz="2000" kern="1200">
+                <a:solidFill>
+                  <a:schemeClr val="tx1"/>
+                </a:solidFill>
+                <a:latin typeface="+mn-lt"/>
+                <a:ea typeface="+mn-ea"/>
+                <a:cs typeface="+mn-cs"/>
+              </a:defRPr>
+            </a:lvl8pPr>
+            <a:lvl9pPr marL="3886200" indent="-228600" algn="l" defTabSz="914400" rtl="0" eaLnBrk="1" latinLnBrk="0" hangingPunct="1">
+              <a:spcBef>
+                <a:spcPct val="20000"/>
+              </a:spcBef>
+              <a:buFont typeface="Arial" pitchFamily="34" charset="0"/>
+              <a:buChar char="•"/>
+              <a:defRPr sz="2000" kern="1200">
+                <a:solidFill>
+                  <a:schemeClr val="tx1"/>
+                </a:solidFill>
+                <a:latin typeface="+mn-lt"/>
+                <a:ea typeface="+mn-ea"/>
+                <a:cs typeface="+mn-cs"/>
+              </a:defRPr>
+            </a:lvl9pPr>
+          </a:lstStyle>
+          <a:p>
+            <a:pPr marL="0" indent="0">
+              <a:buNone/>
             </a:pPr>
             <a:r>
-              <a:rPr lang="es-PE" sz="2600" dirty="0" smtClean="0"/>
-              <a:t>Alternativa a considerar cuando se tienen módulos cuyas pruebas necesitan ser automatizadas, pero gran parte del de la aplicación se encuentra en la BD (Aplicaciones </a:t>
-            </a:r>
-            <a:r>
-              <a:rPr lang="es-PE" sz="2600" dirty="0" err="1" smtClean="0"/>
-              <a:t>Legacy</a:t>
-            </a:r>
-            <a:r>
-              <a:rPr lang="es-PE" sz="2600" dirty="0" smtClean="0"/>
-              <a:t>).</a:t>
+              <a:rPr lang="es-PE" sz="2800" dirty="0" smtClean="0"/>
+              <a:t>Utilizar cualquier patrón para crear pruebas a la clase</a:t>
+            </a:r>
+            <a:r>
+              <a:rPr lang="es-PE" sz="2800" dirty="0"/>
+              <a:t> </a:t>
+            </a:r>
+            <a:r>
+              <a:rPr lang="es-PE" sz="2800" dirty="0" smtClean="0"/>
+              <a:t>"</a:t>
+            </a:r>
+            <a:r>
+              <a:rPr lang="es-PE" sz="2800" dirty="0" err="1" smtClean="0"/>
+              <a:t>TiendaVirtual.DataAccess.ProductoDAO</a:t>
+            </a:r>
+            <a:r>
+              <a:rPr lang="es-PE" sz="2800" dirty="0" smtClean="0"/>
+              <a:t>".</a:t>
             </a:r>
           </a:p>
         </p:txBody>
@@ -17828,7 +17266,7 @@
     </p:spTree>
     <p:extLst>
       <p:ext uri="{BB962C8B-B14F-4D97-AF65-F5344CB8AC3E}">
-        <p14:creationId xmlns:p14="http://schemas.microsoft.com/office/powerpoint/2010/main" val="3540730048"/>
+        <p14:creationId xmlns:p14="http://schemas.microsoft.com/office/powerpoint/2010/main" val="2026511769"/>
       </p:ext>
     </p:extLst>
   </p:cSld>
@@ -17845,223 +17283,7 @@
 </p:sld>
 </file>
 
-<file path=ppt/slides/slide32.xml><?xml version="1.0" encoding="utf-8"?>
-<p:sld xmlns:a="http://schemas.openxmlformats.org/drawingml/2006/main" xmlns:r="http://schemas.openxmlformats.org/officeDocument/2006/relationships" xmlns:p="http://schemas.openxmlformats.org/presentationml/2006/main" show="0">
-  <p:cSld>
-    <p:spTree>
-      <p:nvGrpSpPr>
-        <p:cNvPr id="1" name=""/>
-        <p:cNvGrpSpPr/>
-        <p:nvPr/>
-      </p:nvGrpSpPr>
-      <p:grpSpPr>
-        <a:xfrm>
-          <a:off x="0" y="0"/>
-          <a:ext cx="0" cy="0"/>
-          <a:chOff x="0" y="0"/>
-          <a:chExt cx="0" cy="0"/>
-        </a:xfrm>
-      </p:grpSpPr>
-      <p:sp>
-        <p:nvSpPr>
-          <p:cNvPr id="5" name="2 Título"/>
-          <p:cNvSpPr>
-            <a:spLocks noGrp="1"/>
-          </p:cNvSpPr>
-          <p:nvPr>
-            <p:ph type="title"/>
-          </p:nvPr>
-        </p:nvSpPr>
-        <p:spPr>
-          <a:xfrm>
-            <a:off x="508714" y="116632"/>
-            <a:ext cx="8229600" cy="864096"/>
-          </a:xfrm>
-        </p:spPr>
-        <p:txBody>
-          <a:bodyPr/>
-          <a:lstStyle/>
-          <a:p>
-            <a:r>
-              <a:rPr lang="es-PE" dirty="0" smtClean="0">
-                <a:solidFill>
-                  <a:srgbClr val="00823B"/>
-                </a:solidFill>
-              </a:rPr>
-              <a:t>¿ Porqué pruebas de integración?</a:t>
-            </a:r>
-            <a:endParaRPr lang="es-PE" dirty="0">
-              <a:solidFill>
-                <a:srgbClr val="00823B"/>
-              </a:solidFill>
-            </a:endParaRPr>
-          </a:p>
-        </p:txBody>
-      </p:sp>
-      <p:sp>
-        <p:nvSpPr>
-          <p:cNvPr id="8" name="7 CuadroTexto"/>
-          <p:cNvSpPr txBox="1"/>
-          <p:nvPr/>
-        </p:nvSpPr>
-        <p:spPr>
-          <a:xfrm>
-            <a:off x="539552" y="1196752"/>
-            <a:ext cx="8136904" cy="4893647"/>
-          </a:xfrm>
-          <a:prstGeom prst="rect">
-            <a:avLst/>
-          </a:prstGeom>
-          <a:noFill/>
-        </p:spPr>
-        <p:txBody>
-          <a:bodyPr wrap="square" rtlCol="0">
-            <a:spAutoFit/>
-          </a:bodyPr>
-          <a:lstStyle/>
-          <a:p>
-            <a:pPr algn="ctr"/>
-            <a:r>
-              <a:rPr lang="es-PE" sz="2600" dirty="0" smtClean="0"/>
-              <a:t>Los test de integración son lentos, frágiles, difíciles de escribir pero igual son necesarios.</a:t>
-            </a:r>
-          </a:p>
-          <a:p>
-            <a:pPr marL="571500" indent="-571500">
-              <a:buFont typeface="Arial" pitchFamily="34" charset="0"/>
-              <a:buChar char="•"/>
-            </a:pPr>
-            <a:endParaRPr lang="es-PE" sz="2600" dirty="0" smtClean="0"/>
-          </a:p>
-          <a:p>
-            <a:pPr marL="342900" indent="-342900" fontAlgn="base">
-              <a:spcBef>
-                <a:spcPct val="20000"/>
-              </a:spcBef>
-              <a:spcAft>
-                <a:spcPct val="0"/>
-              </a:spcAft>
-              <a:buFont typeface="Arial" charset="0"/>
-              <a:buChar char="•"/>
-            </a:pPr>
-            <a:r>
-              <a:rPr lang="es-PE" sz="2600" dirty="0"/>
-              <a:t>Una buen conjunto de </a:t>
-            </a:r>
-            <a:r>
-              <a:rPr lang="es-PE" sz="2600" dirty="0">
-                <a:solidFill>
-                  <a:srgbClr val="FF0000"/>
-                </a:solidFill>
-              </a:rPr>
-              <a:t>pruebas unitarias es aún más efectivo si es acompañado de otros  tipos de test.</a:t>
-            </a:r>
-          </a:p>
-          <a:p>
-            <a:pPr marL="342900" indent="-342900" fontAlgn="base">
-              <a:spcBef>
-                <a:spcPct val="20000"/>
-              </a:spcBef>
-              <a:spcAft>
-                <a:spcPct val="0"/>
-              </a:spcAft>
-              <a:buFont typeface="Arial" charset="0"/>
-              <a:buChar char="•"/>
-            </a:pPr>
-            <a:endParaRPr lang="es-ES" sz="2600" dirty="0"/>
-          </a:p>
-          <a:p>
-            <a:pPr marL="342900" indent="-342900" fontAlgn="base">
-              <a:spcBef>
-                <a:spcPct val="20000"/>
-              </a:spcBef>
-              <a:spcAft>
-                <a:spcPct val="0"/>
-              </a:spcAft>
-              <a:buFont typeface="Arial" charset="0"/>
-              <a:buChar char="•"/>
-            </a:pPr>
-            <a:r>
-              <a:rPr lang="es-ES" sz="2600" dirty="0"/>
-              <a:t>Cada tipo de test es una </a:t>
-            </a:r>
-            <a:r>
-              <a:rPr lang="es-ES" sz="2600" dirty="0">
-                <a:solidFill>
-                  <a:srgbClr val="FF0000"/>
-                </a:solidFill>
-              </a:rPr>
-              <a:t>nueva capa de protección en nuestro sistema</a:t>
-            </a:r>
-            <a:r>
-              <a:rPr lang="es-ES" sz="2600" dirty="0" smtClean="0">
-                <a:solidFill>
-                  <a:srgbClr val="FF0000"/>
-                </a:solidFill>
-              </a:rPr>
-              <a:t>.</a:t>
-            </a:r>
-          </a:p>
-          <a:p>
-            <a:pPr marL="342900" indent="-342900" fontAlgn="base">
-              <a:spcBef>
-                <a:spcPct val="20000"/>
-              </a:spcBef>
-              <a:spcAft>
-                <a:spcPct val="0"/>
-              </a:spcAft>
-              <a:buFont typeface="Arial" charset="0"/>
-              <a:buChar char="•"/>
-            </a:pPr>
-            <a:endParaRPr lang="es-ES" sz="2600" dirty="0"/>
-          </a:p>
-          <a:p>
-            <a:pPr marL="342900" indent="-342900" fontAlgn="base">
-              <a:spcBef>
-                <a:spcPct val="20000"/>
-              </a:spcBef>
-              <a:spcAft>
-                <a:spcPct val="0"/>
-              </a:spcAft>
-              <a:buFont typeface="Arial" charset="0"/>
-              <a:buChar char="•"/>
-            </a:pPr>
-            <a:r>
-              <a:rPr lang="es-PE" sz="2600" dirty="0"/>
-              <a:t>El balance  y aplicación efectiva de todos los tipos de test es lo que realmente te dará beneficios.</a:t>
-            </a:r>
-          </a:p>
-        </p:txBody>
-      </p:sp>
-    </p:spTree>
-    <p:extLst>
-      <p:ext uri="{BB962C8B-B14F-4D97-AF65-F5344CB8AC3E}">
-        <p14:creationId xmlns:p14="http://schemas.microsoft.com/office/powerpoint/2010/main" val="3027783249"/>
-      </p:ext>
-    </p:extLst>
-  </p:cSld>
-  <p:clrMapOvr>
-    <a:masterClrMapping/>
-  </p:clrMapOvr>
-  <mc:AlternateContent xmlns:mc="http://schemas.openxmlformats.org/markup-compatibility/2006" xmlns:p14="http://schemas.microsoft.com/office/powerpoint/2010/main">
-    <mc:Choice Requires="p14">
-      <p:transition spd="slow" p14:dur="2000"/>
-    </mc:Choice>
-    <mc:Fallback xmlns="">
-      <p:transition spd="slow"/>
-    </mc:Fallback>
-  </mc:AlternateContent>
-  <p:timing>
-    <p:tnLst>
-      <p:par>
-        <p:cTn id="1" dur="indefinite" restart="never" nodeType="tmRoot"/>
-      </p:par>
-    </p:tnLst>
-  </p:timing>
-</p:sld>
-</file>
-
-<file path=ppt/slides/slide33.xml><?xml version="1.0" encoding="utf-8"?>
+<file path=ppt/slides/slide31.xml><?xml version="1.0" encoding="utf-8"?>
 <p:sld xmlns:a="http://schemas.openxmlformats.org/drawingml/2006/main" xmlns:r="http://schemas.openxmlformats.org/officeDocument/2006/relationships" xmlns:p="http://schemas.openxmlformats.org/presentationml/2006/main">
   <p:cSld>
     <p:spTree>
@@ -18340,6 +17562,55 @@
               </a:rPr>
               <a:t>)</a:t>
             </a:r>
+          </a:p>
+        </p:txBody>
+      </p:sp>
+      <p:sp>
+        <p:nvSpPr>
+          <p:cNvPr id="6" name="5 Rectángulo redondeado"/>
+          <p:cNvSpPr/>
+          <p:nvPr/>
+        </p:nvSpPr>
+        <p:spPr>
+          <a:xfrm>
+            <a:off x="4135518" y="5418956"/>
+            <a:ext cx="871297" cy="881366"/>
+          </a:xfrm>
+          <a:prstGeom prst="roundRect">
+            <a:avLst/>
+          </a:prstGeom>
+          <a:noFill/>
+          <a:ln w="101600">
+            <a:solidFill>
+              <a:srgbClr val="C00000"/>
+            </a:solidFill>
+            <a:prstDash val="solid"/>
+          </a:ln>
+        </p:spPr>
+        <p:style>
+          <a:lnRef idx="2">
+            <a:schemeClr val="accent2"/>
+          </a:lnRef>
+          <a:fillRef idx="1">
+            <a:schemeClr val="lt1"/>
+          </a:fillRef>
+          <a:effectRef idx="0">
+            <a:schemeClr val="accent2"/>
+          </a:effectRef>
+          <a:fontRef idx="minor">
+            <a:schemeClr val="dk1"/>
+          </a:fontRef>
+        </p:style>
+        <p:txBody>
+          <a:bodyPr rtlCol="0" anchor="ctr"/>
+          <a:lstStyle/>
+          <a:p>
+            <a:pPr algn="ctr"/>
+            <a:endParaRPr lang="es-PE">
+              <a:solidFill>
+                <a:schemeClr val="dk1"/>
+              </a:solidFill>
+            </a:endParaRPr>
           </a:p>
         </p:txBody>
       </p:sp>
@@ -18441,6 +17712,51 @@
                       </p:childTnLst>
                     </p:cTn>
                   </p:par>
+                  <p:par>
+                    <p:cTn id="9" fill="hold">
+                      <p:stCondLst>
+                        <p:cond delay="indefinite"/>
+                      </p:stCondLst>
+                      <p:childTnLst>
+                        <p:par>
+                          <p:cTn id="10" fill="hold">
+                            <p:stCondLst>
+                              <p:cond delay="0"/>
+                            </p:stCondLst>
+                            <p:childTnLst>
+                              <p:par>
+                                <p:cTn id="11" presetID="1" presetClass="entr" presetSubtype="0" fill="hold" grpId="0" nodeType="clickEffect">
+                                  <p:stCondLst>
+                                    <p:cond delay="0"/>
+                                  </p:stCondLst>
+                                  <p:childTnLst>
+                                    <p:set>
+                                      <p:cBhvr>
+                                        <p:cTn id="12" dur="1" fill="hold">
+                                          <p:stCondLst>
+                                            <p:cond delay="0"/>
+                                          </p:stCondLst>
+                                        </p:cTn>
+                                        <p:tgtEl>
+                                          <p:spTgt spid="6"/>
+                                        </p:tgtEl>
+                                        <p:attrNameLst>
+                                          <p:attrName>style.visibility</p:attrName>
+                                        </p:attrNameLst>
+                                      </p:cBhvr>
+                                      <p:to>
+                                        <p:strVal val="visible"/>
+                                      </p:to>
+                                    </p:set>
+                                  </p:childTnLst>
+                                </p:cTn>
+                              </p:par>
+                            </p:childTnLst>
+                          </p:cTn>
+                        </p:par>
+                      </p:childTnLst>
+                    </p:cTn>
+                  </p:par>
                 </p:childTnLst>
               </p:cTn>
               <p:prevCondLst>
@@ -18465,309 +17781,13 @@
     <p:bldLst>
       <p:bldP spid="7" grpId="0" animBg="1"/>
       <p:bldP spid="12" grpId="0"/>
+      <p:bldP spid="6" grpId="0" animBg="1"/>
     </p:bldLst>
   </p:timing>
 </p:sld>
 </file>
 
-<file path=ppt/slides/slide34.xml><?xml version="1.0" encoding="utf-8"?>
-<p:sld xmlns:a="http://schemas.openxmlformats.org/drawingml/2006/main" xmlns:r="http://schemas.openxmlformats.org/officeDocument/2006/relationships" xmlns:p="http://schemas.openxmlformats.org/presentationml/2006/main">
-  <p:cSld>
-    <p:spTree>
-      <p:nvGrpSpPr>
-        <p:cNvPr id="1" name=""/>
-        <p:cNvGrpSpPr/>
-        <p:nvPr/>
-      </p:nvGrpSpPr>
-      <p:grpSpPr>
-        <a:xfrm>
-          <a:off x="0" y="0"/>
-          <a:ext cx="0" cy="0"/>
-          <a:chOff x="0" y="0"/>
-          <a:chExt cx="0" cy="0"/>
-        </a:xfrm>
-      </p:grpSpPr>
-      <p:sp>
-        <p:nvSpPr>
-          <p:cNvPr id="5" name="2 Título"/>
-          <p:cNvSpPr>
-            <a:spLocks noGrp="1"/>
-          </p:cNvSpPr>
-          <p:nvPr>
-            <p:ph type="title"/>
-          </p:nvPr>
-        </p:nvSpPr>
-        <p:spPr>
-          <a:xfrm>
-            <a:off x="457200" y="620688"/>
-            <a:ext cx="8229600" cy="2016224"/>
-          </a:xfrm>
-        </p:spPr>
-        <p:txBody>
-          <a:bodyPr/>
-          <a:lstStyle/>
-          <a:p>
-            <a:r>
-              <a:rPr lang="es-PE" dirty="0" smtClean="0">
-                <a:solidFill>
-                  <a:srgbClr val="FFC000"/>
-                </a:solidFill>
-              </a:rPr>
-              <a:t>Ejercicio</a:t>
-            </a:r>
-            <a:br>
-              <a:rPr lang="es-PE" dirty="0" smtClean="0">
-                <a:solidFill>
-                  <a:srgbClr val="FFC000"/>
-                </a:solidFill>
-              </a:rPr>
-            </a:br>
-            <a:r>
-              <a:rPr lang="es-PE" dirty="0" smtClean="0">
-                <a:solidFill>
-                  <a:srgbClr val="00B050"/>
-                </a:solidFill>
-              </a:rPr>
-              <a:t>Realizar pruebas de base de datos a la aplicación Tienda Virtual</a:t>
-            </a:r>
-            <a:endParaRPr lang="es-PE" dirty="0">
-              <a:solidFill>
-                <a:srgbClr val="00B050"/>
-              </a:solidFill>
-            </a:endParaRPr>
-          </a:p>
-        </p:txBody>
-      </p:sp>
-      <p:sp>
-        <p:nvSpPr>
-          <p:cNvPr id="4" name="5 Marcador de contenido"/>
-          <p:cNvSpPr txBox="1">
-            <a:spLocks/>
-          </p:cNvSpPr>
-          <p:nvPr/>
-        </p:nvSpPr>
-        <p:spPr bwMode="auto">
-          <a:xfrm>
-            <a:off x="611560" y="3140968"/>
-            <a:ext cx="8208912" cy="1094859"/>
-          </a:xfrm>
-          <a:prstGeom prst="rect">
-            <a:avLst/>
-          </a:prstGeom>
-          <a:noFill/>
-          <a:ln w="9525">
-            <a:noFill/>
-            <a:miter lim="800000"/>
-            <a:headEnd/>
-            <a:tailEnd/>
-          </a:ln>
-        </p:spPr>
-        <p:txBody>
-          <a:bodyPr vert="horz" wrap="square" lIns="91440" tIns="45720" rIns="91440" bIns="45720" numCol="1" anchor="t" anchorCtr="0" compatLnSpc="1">
-            <a:prstTxWarp prst="textNoShape">
-              <a:avLst/>
-            </a:prstTxWarp>
-          </a:bodyPr>
-          <a:lstStyle>
-            <a:lvl1pPr marL="342900" indent="-342900" algn="l" rtl="0" eaLnBrk="1" fontAlgn="base" hangingPunct="1">
-              <a:spcBef>
-                <a:spcPct val="20000"/>
-              </a:spcBef>
-              <a:spcAft>
-                <a:spcPct val="0"/>
-              </a:spcAft>
-              <a:buFont typeface="Arial" charset="0"/>
-              <a:buChar char="•"/>
-              <a:defRPr sz="3200" kern="1200">
-                <a:solidFill>
-                  <a:schemeClr val="tx1"/>
-                </a:solidFill>
-                <a:latin typeface="+mn-lt"/>
-                <a:ea typeface="+mn-ea"/>
-                <a:cs typeface="+mn-cs"/>
-              </a:defRPr>
-            </a:lvl1pPr>
-            <a:lvl2pPr marL="742950" indent="-285750" algn="l" rtl="0" eaLnBrk="1" fontAlgn="base" hangingPunct="1">
-              <a:spcBef>
-                <a:spcPct val="20000"/>
-              </a:spcBef>
-              <a:spcAft>
-                <a:spcPct val="0"/>
-              </a:spcAft>
-              <a:buFont typeface="Arial" charset="0"/>
-              <a:buChar char="–"/>
-              <a:defRPr sz="2800" kern="1200">
-                <a:solidFill>
-                  <a:schemeClr val="tx1"/>
-                </a:solidFill>
-                <a:latin typeface="+mn-lt"/>
-                <a:ea typeface="+mn-ea"/>
-                <a:cs typeface="+mn-cs"/>
-              </a:defRPr>
-            </a:lvl2pPr>
-            <a:lvl3pPr marL="1143000" indent="-228600" algn="l" rtl="0" eaLnBrk="1" fontAlgn="base" hangingPunct="1">
-              <a:spcBef>
-                <a:spcPct val="20000"/>
-              </a:spcBef>
-              <a:spcAft>
-                <a:spcPct val="0"/>
-              </a:spcAft>
-              <a:buFont typeface="Arial" charset="0"/>
-              <a:buChar char="•"/>
-              <a:defRPr sz="2400" kern="1200">
-                <a:solidFill>
-                  <a:schemeClr val="tx1"/>
-                </a:solidFill>
-                <a:latin typeface="+mn-lt"/>
-                <a:ea typeface="+mn-ea"/>
-                <a:cs typeface="+mn-cs"/>
-              </a:defRPr>
-            </a:lvl3pPr>
-            <a:lvl4pPr marL="1600200" indent="-228600" algn="l" rtl="0" eaLnBrk="1" fontAlgn="base" hangingPunct="1">
-              <a:spcBef>
-                <a:spcPct val="20000"/>
-              </a:spcBef>
-              <a:spcAft>
-                <a:spcPct val="0"/>
-              </a:spcAft>
-              <a:buFont typeface="Arial" charset="0"/>
-              <a:buChar char="–"/>
-              <a:defRPr sz="2000" kern="1200">
-                <a:solidFill>
-                  <a:schemeClr val="tx1"/>
-                </a:solidFill>
-                <a:latin typeface="+mn-lt"/>
-                <a:ea typeface="+mn-ea"/>
-                <a:cs typeface="+mn-cs"/>
-              </a:defRPr>
-            </a:lvl4pPr>
-            <a:lvl5pPr marL="2057400" indent="-228600" algn="l" rtl="0" eaLnBrk="1" fontAlgn="base" hangingPunct="1">
-              <a:spcBef>
-                <a:spcPct val="20000"/>
-              </a:spcBef>
-              <a:spcAft>
-                <a:spcPct val="0"/>
-              </a:spcAft>
-              <a:buFont typeface="Arial" charset="0"/>
-              <a:buChar char="»"/>
-              <a:defRPr sz="2000" kern="1200">
-                <a:solidFill>
-                  <a:schemeClr val="tx1"/>
-                </a:solidFill>
-                <a:latin typeface="+mn-lt"/>
-                <a:ea typeface="+mn-ea"/>
-                <a:cs typeface="+mn-cs"/>
-              </a:defRPr>
-            </a:lvl5pPr>
-            <a:lvl6pPr marL="2514600" indent="-228600" algn="l" defTabSz="914400" rtl="0" eaLnBrk="1" latinLnBrk="0" hangingPunct="1">
-              <a:spcBef>
-                <a:spcPct val="20000"/>
-              </a:spcBef>
-              <a:buFont typeface="Arial" pitchFamily="34" charset="0"/>
-              <a:buChar char="•"/>
-              <a:defRPr sz="2000" kern="1200">
-                <a:solidFill>
-                  <a:schemeClr val="tx1"/>
-                </a:solidFill>
-                <a:latin typeface="+mn-lt"/>
-                <a:ea typeface="+mn-ea"/>
-                <a:cs typeface="+mn-cs"/>
-              </a:defRPr>
-            </a:lvl6pPr>
-            <a:lvl7pPr marL="2971800" indent="-228600" algn="l" defTabSz="914400" rtl="0" eaLnBrk="1" latinLnBrk="0" hangingPunct="1">
-              <a:spcBef>
-                <a:spcPct val="20000"/>
-              </a:spcBef>
-              <a:buFont typeface="Arial" pitchFamily="34" charset="0"/>
-              <a:buChar char="•"/>
-              <a:defRPr sz="2000" kern="1200">
-                <a:solidFill>
-                  <a:schemeClr val="tx1"/>
-                </a:solidFill>
-                <a:latin typeface="+mn-lt"/>
-                <a:ea typeface="+mn-ea"/>
-                <a:cs typeface="+mn-cs"/>
-              </a:defRPr>
-            </a:lvl7pPr>
-            <a:lvl8pPr marL="3429000" indent="-228600" algn="l" defTabSz="914400" rtl="0" eaLnBrk="1" latinLnBrk="0" hangingPunct="1">
-              <a:spcBef>
-                <a:spcPct val="20000"/>
-              </a:spcBef>
-              <a:buFont typeface="Arial" pitchFamily="34" charset="0"/>
-              <a:buChar char="•"/>
-              <a:defRPr sz="2000" kern="1200">
-                <a:solidFill>
-                  <a:schemeClr val="tx1"/>
-                </a:solidFill>
-                <a:latin typeface="+mn-lt"/>
-                <a:ea typeface="+mn-ea"/>
-                <a:cs typeface="+mn-cs"/>
-              </a:defRPr>
-            </a:lvl8pPr>
-            <a:lvl9pPr marL="3886200" indent="-228600" algn="l" defTabSz="914400" rtl="0" eaLnBrk="1" latinLnBrk="0" hangingPunct="1">
-              <a:spcBef>
-                <a:spcPct val="20000"/>
-              </a:spcBef>
-              <a:buFont typeface="Arial" pitchFamily="34" charset="0"/>
-              <a:buChar char="•"/>
-              <a:defRPr sz="2000" kern="1200">
-                <a:solidFill>
-                  <a:schemeClr val="tx1"/>
-                </a:solidFill>
-                <a:latin typeface="+mn-lt"/>
-                <a:ea typeface="+mn-ea"/>
-                <a:cs typeface="+mn-cs"/>
-              </a:defRPr>
-            </a:lvl9pPr>
-          </a:lstStyle>
-          <a:p>
-            <a:pPr marL="0" indent="0">
-              <a:buNone/>
-            </a:pPr>
-            <a:r>
-              <a:rPr lang="es-PE" sz="2800" dirty="0" smtClean="0"/>
-              <a:t>Utilizar cualquier patrón para crear pruebas a la clase</a:t>
-            </a:r>
-            <a:r>
-              <a:rPr lang="es-PE" sz="2800" dirty="0"/>
-              <a:t> </a:t>
-            </a:r>
-            <a:r>
-              <a:rPr lang="es-PE" sz="2800" dirty="0" smtClean="0"/>
-              <a:t>"</a:t>
-            </a:r>
-            <a:r>
-              <a:rPr lang="es-PE" sz="2800" dirty="0" err="1" smtClean="0"/>
-              <a:t>TiendaVirtual.DataAccess.ProductoDAO</a:t>
-            </a:r>
-            <a:r>
-              <a:rPr lang="es-PE" sz="2800" dirty="0" smtClean="0"/>
-              <a:t>".</a:t>
-            </a:r>
-          </a:p>
-        </p:txBody>
-      </p:sp>
-    </p:spTree>
-    <p:extLst>
-      <p:ext uri="{BB962C8B-B14F-4D97-AF65-F5344CB8AC3E}">
-        <p14:creationId xmlns:p14="http://schemas.microsoft.com/office/powerpoint/2010/main" val="2026511769"/>
-      </p:ext>
-    </p:extLst>
-  </p:cSld>
-  <p:clrMapOvr>
-    <a:masterClrMapping/>
-  </p:clrMapOvr>
-  <p:timing>
-    <p:tnLst>
-      <p:par>
-        <p:cTn id="1" dur="indefinite" restart="never" nodeType="tmRoot"/>
-      </p:par>
-    </p:tnLst>
-  </p:timing>
-</p:sld>
-</file>
-
-<file path=ppt/slides/slide35.xml><?xml version="1.0" encoding="utf-8"?>
+<file path=ppt/slides/slide32.xml><?xml version="1.0" encoding="utf-8"?>
 <p:sld xmlns:a="http://schemas.openxmlformats.org/drawingml/2006/main" xmlns:r="http://schemas.openxmlformats.org/officeDocument/2006/relationships" xmlns:p="http://schemas.openxmlformats.org/presentationml/2006/main">
   <p:cSld>
     <p:spTree>
@@ -19104,7 +18124,7 @@
 </p:sld>
 </file>
 
-<file path=ppt/slides/slide36.xml><?xml version="1.0" encoding="utf-8"?>
+<file path=ppt/slides/slide33.xml><?xml version="1.0" encoding="utf-8"?>
 <p:sld xmlns:a="http://schemas.openxmlformats.org/drawingml/2006/main" xmlns:r="http://schemas.openxmlformats.org/officeDocument/2006/relationships" xmlns:p="http://schemas.openxmlformats.org/presentationml/2006/main">
   <p:cSld>
     <p:spTree>
@@ -19166,7 +18186,7 @@
         <p:spPr>
           <a:xfrm>
             <a:off x="209672" y="1124744"/>
-            <a:ext cx="8712968" cy="3046988"/>
+            <a:ext cx="8712968" cy="3416320"/>
           </a:xfrm>
           <a:prstGeom prst="rect">
             <a:avLst/>
@@ -19184,20 +18204,27 @@
               <a:buChar char="•"/>
             </a:pPr>
             <a:r>
+              <a:rPr lang="es-PE" sz="2400" dirty="0" smtClean="0"/>
+              <a:t>Recomendaciones </a:t>
+            </a:r>
+            <a:r>
               <a:rPr lang="es-PE" sz="2400" dirty="0" err="1" smtClean="0"/>
-              <a:t>tSQt</a:t>
+              <a:t>DBUnit</a:t>
             </a:r>
             <a:r>
               <a:rPr lang="es-PE" sz="2400" dirty="0" smtClean="0"/>
-              <a:t> </a:t>
-            </a:r>
-            <a:r>
-              <a:rPr lang="es-PE" sz="2400" dirty="0" err="1" smtClean="0"/>
-              <a:t>Website</a:t>
-            </a:r>
-            <a:r>
+              <a:t> con Oracle</a:t>
+            </a:r>
+            <a:br>
               <a:rPr lang="es-PE" sz="2400" dirty="0" smtClean="0"/>
-              <a:t>: </a:t>
+            </a:br>
+            <a:r>
+              <a:rPr lang="es-PE" sz="2400" dirty="0" smtClean="0">
+                <a:solidFill>
+                  <a:srgbClr val="FFC000"/>
+                </a:solidFill>
+              </a:rPr>
+              <a:t>http</a:t>
             </a:r>
             <a:r>
               <a:rPr lang="es-PE" sz="2400" dirty="0">
@@ -19205,35 +18232,55 @@
                   <a:srgbClr val="FFC000"/>
                 </a:solidFill>
               </a:rPr>
-              <a:t>http://tsqlt.org/</a:t>
-            </a:r>
+              <a:t>://3rdstage.blogspot.com/2008/09/dbunit-with-oracle.html</a:t>
+            </a:r>
+          </a:p>
+          <a:p>
+            <a:endParaRPr lang="es-PE" sz="2400" dirty="0"/>
           </a:p>
           <a:p>
             <a:pPr marL="457200" indent="-457200">
               <a:buFont typeface="Arial" pitchFamily="34" charset="0"/>
               <a:buChar char="•"/>
             </a:pPr>
-            <a:endParaRPr lang="es-PE" sz="2400" dirty="0" smtClean="0"/>
-          </a:p>
-          <a:p>
-            <a:pPr marL="457200" indent="-457200">
-              <a:buFont typeface="Arial" pitchFamily="34" charset="0"/>
-              <a:buChar char="•"/>
-            </a:pPr>
+            <a:r>
+              <a:rPr lang="es-PE" sz="2400" dirty="0" err="1" smtClean="0"/>
+              <a:t>utPLSQL</a:t>
+            </a:r>
             <a:r>
               <a:rPr lang="es-PE" sz="2400" dirty="0" smtClean="0"/>
-              <a:t>Visual Studio DB Guide:</a:t>
+              <a:t> </a:t>
+            </a:r>
+            <a:r>
+              <a:rPr lang="es-PE" sz="2400" dirty="0" err="1" smtClean="0"/>
+              <a:t>Website</a:t>
+            </a:r>
+            <a:r>
+              <a:rPr lang="es-PE" sz="2400" dirty="0" smtClean="0"/>
+              <a:t>: </a:t>
+            </a:r>
+            <a:r>
+              <a:rPr lang="es-PE" sz="2400" dirty="0" smtClean="0"/>
+              <a:t/>
             </a:r>
             <a:br>
               <a:rPr lang="es-PE" sz="2400" dirty="0" smtClean="0"/>
             </a:br>
             <a:r>
+              <a:rPr lang="es-PE" sz="2400" dirty="0" smtClean="0">
+                <a:solidFill>
+                  <a:srgbClr val="FFC000"/>
+                </a:solidFill>
+              </a:rPr>
+              <a:t>http</a:t>
+            </a:r>
+            <a:r>
               <a:rPr lang="es-PE" sz="2400" dirty="0">
                 <a:solidFill>
                   <a:srgbClr val="FFC000"/>
                 </a:solidFill>
               </a:rPr>
-              <a:t>http://vsdatabaseguide.codeplex.com</a:t>
+              <a:t>://utplsql.sourceforge.net</a:t>
             </a:r>
             <a:r>
               <a:rPr lang="es-PE" sz="2400" dirty="0" smtClean="0">
@@ -19802,8 +18849,8 @@
         </p:nvSpPr>
         <p:spPr>
           <a:xfrm>
-            <a:off x="380822" y="764704"/>
-            <a:ext cx="8229600" cy="1156990"/>
+            <a:off x="451356" y="278233"/>
+            <a:ext cx="8229600" cy="724942"/>
           </a:xfrm>
         </p:spPr>
         <p:txBody>
@@ -19811,14 +18858,14 @@
           <a:lstStyle/>
           <a:p>
             <a:r>
-              <a:rPr lang="es-PE" dirty="0" smtClean="0">
+              <a:rPr lang="en-US" smtClean="0">
                 <a:solidFill>
                   <a:srgbClr val="00823B"/>
                 </a:solidFill>
               </a:rPr>
-              <a:t>¿ Cuál es el problema con las pruebas de integración?</a:t>
-            </a:r>
-            <a:endParaRPr lang="es-PE" dirty="0">
+              <a:t>Database Testing</a:t>
+            </a:r>
+            <a:endParaRPr lang="en-US">
               <a:solidFill>
                 <a:srgbClr val="00823B"/>
               </a:solidFill>
@@ -19828,305 +18875,14 @@
       </p:sp>
       <p:sp>
         <p:nvSpPr>
-          <p:cNvPr id="41" name="5 Marcador de contenido"/>
-          <p:cNvSpPr txBox="1">
-            <a:spLocks/>
-          </p:cNvSpPr>
-          <p:nvPr/>
-        </p:nvSpPr>
-        <p:spPr bwMode="auto">
-          <a:xfrm>
-            <a:off x="380822" y="2299388"/>
-            <a:ext cx="8523356" cy="576064"/>
-          </a:xfrm>
-          <a:prstGeom prst="rect">
-            <a:avLst/>
-          </a:prstGeom>
-          <a:noFill/>
-          <a:ln w="9525">
-            <a:noFill/>
-            <a:miter lim="800000"/>
-            <a:headEnd/>
-            <a:tailEnd/>
-          </a:ln>
-        </p:spPr>
-        <p:txBody>
-          <a:bodyPr vert="horz" wrap="square" lIns="91440" tIns="45720" rIns="91440" bIns="45720" numCol="1" anchor="t" anchorCtr="0" compatLnSpc="1">
-            <a:prstTxWarp prst="textNoShape">
-              <a:avLst/>
-            </a:prstTxWarp>
-          </a:bodyPr>
-          <a:lstStyle>
-            <a:lvl1pPr marL="342900" indent="-342900" algn="l" rtl="0" eaLnBrk="1" fontAlgn="base" hangingPunct="1">
-              <a:spcBef>
-                <a:spcPct val="20000"/>
-              </a:spcBef>
-              <a:spcAft>
-                <a:spcPct val="0"/>
-              </a:spcAft>
-              <a:buFont typeface="Arial" charset="0"/>
-              <a:buChar char="•"/>
-              <a:defRPr sz="3200" kern="1200">
-                <a:solidFill>
-                  <a:schemeClr val="tx1"/>
-                </a:solidFill>
-                <a:latin typeface="+mn-lt"/>
-                <a:ea typeface="+mn-ea"/>
-                <a:cs typeface="+mn-cs"/>
-              </a:defRPr>
-            </a:lvl1pPr>
-            <a:lvl2pPr marL="742950" indent="-285750" algn="l" rtl="0" eaLnBrk="1" fontAlgn="base" hangingPunct="1">
-              <a:spcBef>
-                <a:spcPct val="20000"/>
-              </a:spcBef>
-              <a:spcAft>
-                <a:spcPct val="0"/>
-              </a:spcAft>
-              <a:buFont typeface="Arial" charset="0"/>
-              <a:buChar char="–"/>
-              <a:defRPr sz="2800" kern="1200">
-                <a:solidFill>
-                  <a:schemeClr val="tx1"/>
-                </a:solidFill>
-                <a:latin typeface="+mn-lt"/>
-                <a:ea typeface="+mn-ea"/>
-                <a:cs typeface="+mn-cs"/>
-              </a:defRPr>
-            </a:lvl2pPr>
-            <a:lvl3pPr marL="1143000" indent="-228600" algn="l" rtl="0" eaLnBrk="1" fontAlgn="base" hangingPunct="1">
-              <a:spcBef>
-                <a:spcPct val="20000"/>
-              </a:spcBef>
-              <a:spcAft>
-                <a:spcPct val="0"/>
-              </a:spcAft>
-              <a:buFont typeface="Arial" charset="0"/>
-              <a:buChar char="•"/>
-              <a:defRPr sz="2400" kern="1200">
-                <a:solidFill>
-                  <a:schemeClr val="tx1"/>
-                </a:solidFill>
-                <a:latin typeface="+mn-lt"/>
-                <a:ea typeface="+mn-ea"/>
-                <a:cs typeface="+mn-cs"/>
-              </a:defRPr>
-            </a:lvl3pPr>
-            <a:lvl4pPr marL="1600200" indent="-228600" algn="l" rtl="0" eaLnBrk="1" fontAlgn="base" hangingPunct="1">
-              <a:spcBef>
-                <a:spcPct val="20000"/>
-              </a:spcBef>
-              <a:spcAft>
-                <a:spcPct val="0"/>
-              </a:spcAft>
-              <a:buFont typeface="Arial" charset="0"/>
-              <a:buChar char="–"/>
-              <a:defRPr sz="2000" kern="1200">
-                <a:solidFill>
-                  <a:schemeClr val="tx1"/>
-                </a:solidFill>
-                <a:latin typeface="+mn-lt"/>
-                <a:ea typeface="+mn-ea"/>
-                <a:cs typeface="+mn-cs"/>
-              </a:defRPr>
-            </a:lvl4pPr>
-            <a:lvl5pPr marL="2057400" indent="-228600" algn="l" rtl="0" eaLnBrk="1" fontAlgn="base" hangingPunct="1">
-              <a:spcBef>
-                <a:spcPct val="20000"/>
-              </a:spcBef>
-              <a:spcAft>
-                <a:spcPct val="0"/>
-              </a:spcAft>
-              <a:buFont typeface="Arial" charset="0"/>
-              <a:buChar char="»"/>
-              <a:defRPr sz="2000" kern="1200">
-                <a:solidFill>
-                  <a:schemeClr val="tx1"/>
-                </a:solidFill>
-                <a:latin typeface="+mn-lt"/>
-                <a:ea typeface="+mn-ea"/>
-                <a:cs typeface="+mn-cs"/>
-              </a:defRPr>
-            </a:lvl5pPr>
-            <a:lvl6pPr marL="2514600" indent="-228600" algn="l" defTabSz="914400" rtl="0" eaLnBrk="1" latinLnBrk="0" hangingPunct="1">
-              <a:spcBef>
-                <a:spcPct val="20000"/>
-              </a:spcBef>
-              <a:buFont typeface="Arial" pitchFamily="34" charset="0"/>
-              <a:buChar char="•"/>
-              <a:defRPr sz="2000" kern="1200">
-                <a:solidFill>
-                  <a:schemeClr val="tx1"/>
-                </a:solidFill>
-                <a:latin typeface="+mn-lt"/>
-                <a:ea typeface="+mn-ea"/>
-                <a:cs typeface="+mn-cs"/>
-              </a:defRPr>
-            </a:lvl6pPr>
-            <a:lvl7pPr marL="2971800" indent="-228600" algn="l" defTabSz="914400" rtl="0" eaLnBrk="1" latinLnBrk="0" hangingPunct="1">
-              <a:spcBef>
-                <a:spcPct val="20000"/>
-              </a:spcBef>
-              <a:buFont typeface="Arial" pitchFamily="34" charset="0"/>
-              <a:buChar char="•"/>
-              <a:defRPr sz="2000" kern="1200">
-                <a:solidFill>
-                  <a:schemeClr val="tx1"/>
-                </a:solidFill>
-                <a:latin typeface="+mn-lt"/>
-                <a:ea typeface="+mn-ea"/>
-                <a:cs typeface="+mn-cs"/>
-              </a:defRPr>
-            </a:lvl7pPr>
-            <a:lvl8pPr marL="3429000" indent="-228600" algn="l" defTabSz="914400" rtl="0" eaLnBrk="1" latinLnBrk="0" hangingPunct="1">
-              <a:spcBef>
-                <a:spcPct val="20000"/>
-              </a:spcBef>
-              <a:buFont typeface="Arial" pitchFamily="34" charset="0"/>
-              <a:buChar char="•"/>
-              <a:defRPr sz="2000" kern="1200">
-                <a:solidFill>
-                  <a:schemeClr val="tx1"/>
-                </a:solidFill>
-                <a:latin typeface="+mn-lt"/>
-                <a:ea typeface="+mn-ea"/>
-                <a:cs typeface="+mn-cs"/>
-              </a:defRPr>
-            </a:lvl8pPr>
-            <a:lvl9pPr marL="3886200" indent="-228600" algn="l" defTabSz="914400" rtl="0" eaLnBrk="1" latinLnBrk="0" hangingPunct="1">
-              <a:spcBef>
-                <a:spcPct val="20000"/>
-              </a:spcBef>
-              <a:buFont typeface="Arial" pitchFamily="34" charset="0"/>
-              <a:buChar char="•"/>
-              <a:defRPr sz="2000" kern="1200">
-                <a:solidFill>
-                  <a:schemeClr val="tx1"/>
-                </a:solidFill>
-                <a:latin typeface="+mn-lt"/>
-                <a:ea typeface="+mn-ea"/>
-                <a:cs typeface="+mn-cs"/>
-              </a:defRPr>
-            </a:lvl9pPr>
-          </a:lstStyle>
-          <a:p>
-            <a:pPr marL="0" indent="0" algn="ctr">
-              <a:buNone/>
-            </a:pPr>
-            <a:r>
-              <a:rPr lang="es-PE" sz="3600" i="1" dirty="0" smtClean="0">
-                <a:solidFill>
-                  <a:srgbClr val="FF0000"/>
-                </a:solidFill>
-              </a:rPr>
-              <a:t>«</a:t>
-            </a:r>
-            <a:r>
-              <a:rPr lang="es-PE" sz="3600" i="1" dirty="0" err="1" smtClean="0">
-                <a:solidFill>
-                  <a:srgbClr val="FF0000"/>
-                </a:solidFill>
-              </a:rPr>
-              <a:t>Integration</a:t>
-            </a:r>
-            <a:r>
-              <a:rPr lang="es-PE" sz="3600" i="1" dirty="0" smtClean="0">
-                <a:solidFill>
-                  <a:srgbClr val="FF0000"/>
-                </a:solidFill>
-              </a:rPr>
-              <a:t> Test are a </a:t>
-            </a:r>
-            <a:r>
-              <a:rPr lang="es-PE" sz="3600" i="1" dirty="0" err="1" smtClean="0">
-                <a:solidFill>
-                  <a:srgbClr val="FF0000"/>
-                </a:solidFill>
-              </a:rPr>
-              <a:t>Vortex</a:t>
-            </a:r>
-            <a:r>
-              <a:rPr lang="es-PE" sz="3600" i="1" dirty="0" smtClean="0">
-                <a:solidFill>
-                  <a:srgbClr val="FF0000"/>
-                </a:solidFill>
-              </a:rPr>
-              <a:t> of </a:t>
-            </a:r>
-            <a:r>
-              <a:rPr lang="es-PE" sz="3600" i="1" dirty="0" err="1" smtClean="0">
-                <a:solidFill>
-                  <a:srgbClr val="FF0000"/>
-                </a:solidFill>
-              </a:rPr>
-              <a:t>Doom</a:t>
-            </a:r>
-            <a:r>
-              <a:rPr lang="es-PE" sz="3600" i="1" dirty="0" smtClean="0">
-                <a:solidFill>
-                  <a:srgbClr val="FF0000"/>
-                </a:solidFill>
-              </a:rPr>
-              <a:t>»</a:t>
-            </a:r>
-          </a:p>
-        </p:txBody>
-      </p:sp>
-      <p:sp>
-        <p:nvSpPr>
-          <p:cNvPr id="2" name="1 Rectángulo"/>
-          <p:cNvSpPr/>
+          <p:cNvPr id="34" name="33 CuadroTexto"/>
+          <p:cNvSpPr txBox="1"/>
           <p:nvPr/>
         </p:nvSpPr>
         <p:spPr>
           <a:xfrm>
-            <a:off x="6660232" y="2915652"/>
-            <a:ext cx="1609030" cy="369332"/>
-          </a:xfrm>
-          <a:prstGeom prst="rect">
-            <a:avLst/>
-          </a:prstGeom>
-        </p:spPr>
-        <p:txBody>
-          <a:bodyPr wrap="none">
-            <a:spAutoFit/>
-          </a:bodyPr>
-          <a:lstStyle/>
-          <a:p>
-            <a:pPr algn="r"/>
-            <a:r>
-              <a:rPr lang="es-PE" dirty="0">
-                <a:solidFill>
-                  <a:srgbClr val="FFC000"/>
-                </a:solidFill>
-              </a:rPr>
-              <a:t>J.B </a:t>
-            </a:r>
-            <a:r>
-              <a:rPr lang="es-PE" dirty="0" err="1">
-                <a:solidFill>
-                  <a:srgbClr val="FFC000"/>
-                </a:solidFill>
-              </a:rPr>
-              <a:t>Rainsberger</a:t>
-            </a:r>
-            <a:endParaRPr lang="es-PE" dirty="0">
-              <a:solidFill>
-                <a:srgbClr val="FFC000"/>
-              </a:solidFill>
-            </a:endParaRPr>
-          </a:p>
-        </p:txBody>
-      </p:sp>
-      <p:sp>
-        <p:nvSpPr>
-          <p:cNvPr id="4" name="3 CuadroTexto"/>
-          <p:cNvSpPr txBox="1"/>
-          <p:nvPr/>
-        </p:nvSpPr>
-        <p:spPr>
-          <a:xfrm>
-            <a:off x="783271" y="3557334"/>
-            <a:ext cx="7821178" cy="2246769"/>
+            <a:off x="735806" y="1836600"/>
+            <a:ext cx="7660700" cy="2677656"/>
           </a:xfrm>
           <a:prstGeom prst="rect">
             <a:avLst/>
@@ -20139,51 +18895,140 @@
           </a:bodyPr>
           <a:lstStyle/>
           <a:p>
-            <a:pPr marL="285750" indent="-285750">
+            <a:pPr marL="457200" indent="-457200">
               <a:buFont typeface="Arial" pitchFamily="34" charset="0"/>
               <a:buChar char="•"/>
             </a:pPr>
             <a:r>
               <a:rPr lang="es-PE" sz="2800" dirty="0" smtClean="0"/>
-              <a:t>Muy lentos en comparación con los test unitarios.</a:t>
-            </a:r>
-          </a:p>
-          <a:p>
-            <a:pPr marL="285750" indent="-285750">
+              <a:t>Las </a:t>
+            </a:r>
+            <a:r>
+              <a:rPr lang="es-PE" sz="2800" dirty="0" err="1" smtClean="0"/>
+              <a:t>BDs</a:t>
+            </a:r>
+            <a:r>
+              <a:rPr lang="es-PE" sz="2800" dirty="0" smtClean="0"/>
+              <a:t> son parte complementaria de las aplicaciones y almacenan datos que son activos importantes.</a:t>
+            </a:r>
+          </a:p>
+          <a:p>
+            <a:pPr marL="457200" indent="-457200">
               <a:buFont typeface="Arial" pitchFamily="34" charset="0"/>
               <a:buChar char="•"/>
             </a:pPr>
-            <a:r>
-              <a:rPr lang="es-PE" sz="2800" dirty="0" smtClean="0"/>
-              <a:t>Muy frágiles.</a:t>
-            </a:r>
-          </a:p>
-          <a:p>
-            <a:pPr marL="285750" indent="-285750">
+            <a:endParaRPr lang="es-PE" sz="2800" dirty="0"/>
+          </a:p>
+          <a:p>
+            <a:pPr marL="457200" indent="-457200">
               <a:buFont typeface="Arial" pitchFamily="34" charset="0"/>
               <a:buChar char="•"/>
             </a:pPr>
             <a:r>
               <a:rPr lang="es-PE" sz="2800" dirty="0" smtClean="0"/>
-              <a:t>Difíciles de configurar y ejecutar de manera atómica.</a:t>
-            </a:r>
-          </a:p>
-          <a:p>
-            <a:pPr marL="285750" indent="-285750">
-              <a:buFont typeface="Arial" pitchFamily="34" charset="0"/>
-              <a:buChar char="•"/>
-            </a:pPr>
+              <a:t>Las </a:t>
+            </a:r>
+            <a:r>
+              <a:rPr lang="es-PE" sz="2800" dirty="0" err="1" smtClean="0"/>
+              <a:t>BDs</a:t>
+            </a:r>
             <a:r>
               <a:rPr lang="es-PE" sz="2800" dirty="0" smtClean="0"/>
-              <a:t>No nos dan una certeza de cuál ha sido el error.</a:t>
-            </a:r>
+              <a:t> usualmente contienen </a:t>
+            </a:r>
+            <a:r>
+              <a:rPr lang="es-PE" sz="2800" dirty="0"/>
+              <a:t>lógica y realizan funcionalidad crítica para las organizaciones</a:t>
+            </a:r>
+            <a:r>
+              <a:rPr lang="es-PE" sz="2800" dirty="0" smtClean="0"/>
+              <a:t>.</a:t>
+            </a:r>
+            <a:endParaRPr lang="es-PE" sz="2800" dirty="0"/>
+          </a:p>
+        </p:txBody>
+      </p:sp>
+      <p:sp>
+        <p:nvSpPr>
+          <p:cNvPr id="4" name="3 CuadroTexto"/>
+          <p:cNvSpPr txBox="1"/>
+          <p:nvPr/>
+        </p:nvSpPr>
+        <p:spPr>
+          <a:xfrm>
+            <a:off x="209672" y="4824684"/>
+            <a:ext cx="8712968" cy="1384995"/>
+          </a:xfrm>
+          <a:prstGeom prst="rect">
+            <a:avLst/>
+          </a:prstGeom>
+          <a:noFill/>
+        </p:spPr>
+        <p:txBody>
+          <a:bodyPr wrap="square" rtlCol="0">
+            <a:spAutoFit/>
+          </a:bodyPr>
+          <a:lstStyle/>
+          <a:p>
+            <a:pPr algn="ctr"/>
+            <a:r>
+              <a:rPr lang="es-PE" sz="2800" dirty="0" smtClean="0">
+                <a:solidFill>
+                  <a:srgbClr val="FFC000"/>
+                </a:solidFill>
+              </a:rPr>
+              <a:t>Es esencial contar con un conjunto de pruebas automatizadas que validen la integridad y funcionamiento de la base de datos.</a:t>
+            </a:r>
+            <a:endParaRPr lang="es-PE" sz="2800" dirty="0">
+              <a:solidFill>
+                <a:srgbClr val="FFC000"/>
+              </a:solidFill>
+            </a:endParaRPr>
+          </a:p>
+        </p:txBody>
+      </p:sp>
+      <p:sp>
+        <p:nvSpPr>
+          <p:cNvPr id="5" name="4 CuadroTexto"/>
+          <p:cNvSpPr txBox="1"/>
+          <p:nvPr/>
+        </p:nvSpPr>
+        <p:spPr>
+          <a:xfrm>
+            <a:off x="3673315" y="1196752"/>
+            <a:ext cx="1785682" cy="584775"/>
+          </a:xfrm>
+          <a:prstGeom prst="rect">
+            <a:avLst/>
+          </a:prstGeom>
+          <a:noFill/>
+        </p:spPr>
+        <p:txBody>
+          <a:bodyPr wrap="none" rtlCol="0">
+            <a:spAutoFit/>
+          </a:bodyPr>
+          <a:lstStyle/>
+          <a:p>
+            <a:r>
+              <a:rPr lang="es-PE" sz="3200" b="1" dirty="0" smtClean="0">
+                <a:solidFill>
+                  <a:srgbClr val="FF0000"/>
+                </a:solidFill>
+              </a:rPr>
+              <a:t>¿Porqué?</a:t>
+            </a:r>
+            <a:endParaRPr lang="es-PE" sz="3200" b="1" dirty="0">
+              <a:solidFill>
+                <a:srgbClr val="FF0000"/>
+              </a:solidFill>
+            </a:endParaRPr>
           </a:p>
         </p:txBody>
       </p:sp>
     </p:spTree>
     <p:extLst>
       <p:ext uri="{BB962C8B-B14F-4D97-AF65-F5344CB8AC3E}">
-        <p14:creationId xmlns:p14="http://schemas.microsoft.com/office/powerpoint/2010/main" val="3591506619"/>
+        <p14:creationId xmlns:p14="http://schemas.microsoft.com/office/powerpoint/2010/main" val="3838617184"/>
       </p:ext>
     </p:extLst>
   </p:cSld>
@@ -20229,8 +19074,8 @@
         </p:nvSpPr>
         <p:spPr>
           <a:xfrm>
-            <a:off x="451356" y="278233"/>
-            <a:ext cx="8229600" cy="724942"/>
+            <a:off x="380822" y="764704"/>
+            <a:ext cx="8229600" cy="1156990"/>
           </a:xfrm>
         </p:spPr>
         <p:txBody>
@@ -20238,14 +19083,14 @@
           <a:lstStyle/>
           <a:p>
             <a:r>
-              <a:rPr lang="en-US" smtClean="0">
+              <a:rPr lang="es-PE" dirty="0" smtClean="0">
                 <a:solidFill>
                   <a:srgbClr val="00823B"/>
                 </a:solidFill>
               </a:rPr>
-              <a:t>Database Testing</a:t>
-            </a:r>
-            <a:endParaRPr lang="en-US">
+              <a:t>¿ Cuál es el problema con las pruebas de integración?</a:t>
+            </a:r>
+            <a:endParaRPr lang="es-PE" dirty="0">
               <a:solidFill>
                 <a:srgbClr val="00823B"/>
               </a:solidFill>
@@ -20255,14 +19100,305 @@
       </p:sp>
       <p:sp>
         <p:nvSpPr>
-          <p:cNvPr id="34" name="33 CuadroTexto"/>
+          <p:cNvPr id="41" name="5 Marcador de contenido"/>
+          <p:cNvSpPr txBox="1">
+            <a:spLocks/>
+          </p:cNvSpPr>
+          <p:nvPr/>
+        </p:nvSpPr>
+        <p:spPr bwMode="auto">
+          <a:xfrm>
+            <a:off x="380822" y="2299388"/>
+            <a:ext cx="8523356" cy="576064"/>
+          </a:xfrm>
+          <a:prstGeom prst="rect">
+            <a:avLst/>
+          </a:prstGeom>
+          <a:noFill/>
+          <a:ln w="9525">
+            <a:noFill/>
+            <a:miter lim="800000"/>
+            <a:headEnd/>
+            <a:tailEnd/>
+          </a:ln>
+        </p:spPr>
+        <p:txBody>
+          <a:bodyPr vert="horz" wrap="square" lIns="91440" tIns="45720" rIns="91440" bIns="45720" numCol="1" anchor="t" anchorCtr="0" compatLnSpc="1">
+            <a:prstTxWarp prst="textNoShape">
+              <a:avLst/>
+            </a:prstTxWarp>
+          </a:bodyPr>
+          <a:lstStyle>
+            <a:lvl1pPr marL="342900" indent="-342900" algn="l" rtl="0" eaLnBrk="1" fontAlgn="base" hangingPunct="1">
+              <a:spcBef>
+                <a:spcPct val="20000"/>
+              </a:spcBef>
+              <a:spcAft>
+                <a:spcPct val="0"/>
+              </a:spcAft>
+              <a:buFont typeface="Arial" charset="0"/>
+              <a:buChar char="•"/>
+              <a:defRPr sz="3200" kern="1200">
+                <a:solidFill>
+                  <a:schemeClr val="tx1"/>
+                </a:solidFill>
+                <a:latin typeface="+mn-lt"/>
+                <a:ea typeface="+mn-ea"/>
+                <a:cs typeface="+mn-cs"/>
+              </a:defRPr>
+            </a:lvl1pPr>
+            <a:lvl2pPr marL="742950" indent="-285750" algn="l" rtl="0" eaLnBrk="1" fontAlgn="base" hangingPunct="1">
+              <a:spcBef>
+                <a:spcPct val="20000"/>
+              </a:spcBef>
+              <a:spcAft>
+                <a:spcPct val="0"/>
+              </a:spcAft>
+              <a:buFont typeface="Arial" charset="0"/>
+              <a:buChar char="–"/>
+              <a:defRPr sz="2800" kern="1200">
+                <a:solidFill>
+                  <a:schemeClr val="tx1"/>
+                </a:solidFill>
+                <a:latin typeface="+mn-lt"/>
+                <a:ea typeface="+mn-ea"/>
+                <a:cs typeface="+mn-cs"/>
+              </a:defRPr>
+            </a:lvl2pPr>
+            <a:lvl3pPr marL="1143000" indent="-228600" algn="l" rtl="0" eaLnBrk="1" fontAlgn="base" hangingPunct="1">
+              <a:spcBef>
+                <a:spcPct val="20000"/>
+              </a:spcBef>
+              <a:spcAft>
+                <a:spcPct val="0"/>
+              </a:spcAft>
+              <a:buFont typeface="Arial" charset="0"/>
+              <a:buChar char="•"/>
+              <a:defRPr sz="2400" kern="1200">
+                <a:solidFill>
+                  <a:schemeClr val="tx1"/>
+                </a:solidFill>
+                <a:latin typeface="+mn-lt"/>
+                <a:ea typeface="+mn-ea"/>
+                <a:cs typeface="+mn-cs"/>
+              </a:defRPr>
+            </a:lvl3pPr>
+            <a:lvl4pPr marL="1600200" indent="-228600" algn="l" rtl="0" eaLnBrk="1" fontAlgn="base" hangingPunct="1">
+              <a:spcBef>
+                <a:spcPct val="20000"/>
+              </a:spcBef>
+              <a:spcAft>
+                <a:spcPct val="0"/>
+              </a:spcAft>
+              <a:buFont typeface="Arial" charset="0"/>
+              <a:buChar char="–"/>
+              <a:defRPr sz="2000" kern="1200">
+                <a:solidFill>
+                  <a:schemeClr val="tx1"/>
+                </a:solidFill>
+                <a:latin typeface="+mn-lt"/>
+                <a:ea typeface="+mn-ea"/>
+                <a:cs typeface="+mn-cs"/>
+              </a:defRPr>
+            </a:lvl4pPr>
+            <a:lvl5pPr marL="2057400" indent="-228600" algn="l" rtl="0" eaLnBrk="1" fontAlgn="base" hangingPunct="1">
+              <a:spcBef>
+                <a:spcPct val="20000"/>
+              </a:spcBef>
+              <a:spcAft>
+                <a:spcPct val="0"/>
+              </a:spcAft>
+              <a:buFont typeface="Arial" charset="0"/>
+              <a:buChar char="»"/>
+              <a:defRPr sz="2000" kern="1200">
+                <a:solidFill>
+                  <a:schemeClr val="tx1"/>
+                </a:solidFill>
+                <a:latin typeface="+mn-lt"/>
+                <a:ea typeface="+mn-ea"/>
+                <a:cs typeface="+mn-cs"/>
+              </a:defRPr>
+            </a:lvl5pPr>
+            <a:lvl6pPr marL="2514600" indent="-228600" algn="l" defTabSz="914400" rtl="0" eaLnBrk="1" latinLnBrk="0" hangingPunct="1">
+              <a:spcBef>
+                <a:spcPct val="20000"/>
+              </a:spcBef>
+              <a:buFont typeface="Arial" pitchFamily="34" charset="0"/>
+              <a:buChar char="•"/>
+              <a:defRPr sz="2000" kern="1200">
+                <a:solidFill>
+                  <a:schemeClr val="tx1"/>
+                </a:solidFill>
+                <a:latin typeface="+mn-lt"/>
+                <a:ea typeface="+mn-ea"/>
+                <a:cs typeface="+mn-cs"/>
+              </a:defRPr>
+            </a:lvl6pPr>
+            <a:lvl7pPr marL="2971800" indent="-228600" algn="l" defTabSz="914400" rtl="0" eaLnBrk="1" latinLnBrk="0" hangingPunct="1">
+              <a:spcBef>
+                <a:spcPct val="20000"/>
+              </a:spcBef>
+              <a:buFont typeface="Arial" pitchFamily="34" charset="0"/>
+              <a:buChar char="•"/>
+              <a:defRPr sz="2000" kern="1200">
+                <a:solidFill>
+                  <a:schemeClr val="tx1"/>
+                </a:solidFill>
+                <a:latin typeface="+mn-lt"/>
+                <a:ea typeface="+mn-ea"/>
+                <a:cs typeface="+mn-cs"/>
+              </a:defRPr>
+            </a:lvl7pPr>
+            <a:lvl8pPr marL="3429000" indent="-228600" algn="l" defTabSz="914400" rtl="0" eaLnBrk="1" latinLnBrk="0" hangingPunct="1">
+              <a:spcBef>
+                <a:spcPct val="20000"/>
+              </a:spcBef>
+              <a:buFont typeface="Arial" pitchFamily="34" charset="0"/>
+              <a:buChar char="•"/>
+              <a:defRPr sz="2000" kern="1200">
+                <a:solidFill>
+                  <a:schemeClr val="tx1"/>
+                </a:solidFill>
+                <a:latin typeface="+mn-lt"/>
+                <a:ea typeface="+mn-ea"/>
+                <a:cs typeface="+mn-cs"/>
+              </a:defRPr>
+            </a:lvl8pPr>
+            <a:lvl9pPr marL="3886200" indent="-228600" algn="l" defTabSz="914400" rtl="0" eaLnBrk="1" latinLnBrk="0" hangingPunct="1">
+              <a:spcBef>
+                <a:spcPct val="20000"/>
+              </a:spcBef>
+              <a:buFont typeface="Arial" pitchFamily="34" charset="0"/>
+              <a:buChar char="•"/>
+              <a:defRPr sz="2000" kern="1200">
+                <a:solidFill>
+                  <a:schemeClr val="tx1"/>
+                </a:solidFill>
+                <a:latin typeface="+mn-lt"/>
+                <a:ea typeface="+mn-ea"/>
+                <a:cs typeface="+mn-cs"/>
+              </a:defRPr>
+            </a:lvl9pPr>
+          </a:lstStyle>
+          <a:p>
+            <a:pPr marL="0" indent="0" algn="ctr">
+              <a:buNone/>
+            </a:pPr>
+            <a:r>
+              <a:rPr lang="es-PE" sz="3600" i="1" dirty="0" smtClean="0">
+                <a:solidFill>
+                  <a:srgbClr val="FF0000"/>
+                </a:solidFill>
+              </a:rPr>
+              <a:t>«</a:t>
+            </a:r>
+            <a:r>
+              <a:rPr lang="es-PE" sz="3600" i="1" dirty="0" err="1" smtClean="0">
+                <a:solidFill>
+                  <a:srgbClr val="FF0000"/>
+                </a:solidFill>
+              </a:rPr>
+              <a:t>Integration</a:t>
+            </a:r>
+            <a:r>
+              <a:rPr lang="es-PE" sz="3600" i="1" dirty="0" smtClean="0">
+                <a:solidFill>
+                  <a:srgbClr val="FF0000"/>
+                </a:solidFill>
+              </a:rPr>
+              <a:t> Test are a </a:t>
+            </a:r>
+            <a:r>
+              <a:rPr lang="es-PE" sz="3600" i="1" dirty="0" err="1" smtClean="0">
+                <a:solidFill>
+                  <a:srgbClr val="FF0000"/>
+                </a:solidFill>
+              </a:rPr>
+              <a:t>Vortex</a:t>
+            </a:r>
+            <a:r>
+              <a:rPr lang="es-PE" sz="3600" i="1" dirty="0" smtClean="0">
+                <a:solidFill>
+                  <a:srgbClr val="FF0000"/>
+                </a:solidFill>
+              </a:rPr>
+              <a:t> of </a:t>
+            </a:r>
+            <a:r>
+              <a:rPr lang="es-PE" sz="3600" i="1" dirty="0" err="1" smtClean="0">
+                <a:solidFill>
+                  <a:srgbClr val="FF0000"/>
+                </a:solidFill>
+              </a:rPr>
+              <a:t>Doom</a:t>
+            </a:r>
+            <a:r>
+              <a:rPr lang="es-PE" sz="3600" i="1" dirty="0" smtClean="0">
+                <a:solidFill>
+                  <a:srgbClr val="FF0000"/>
+                </a:solidFill>
+              </a:rPr>
+              <a:t>»</a:t>
+            </a:r>
+          </a:p>
+        </p:txBody>
+      </p:sp>
+      <p:sp>
+        <p:nvSpPr>
+          <p:cNvPr id="2" name="1 Rectángulo"/>
+          <p:cNvSpPr/>
+          <p:nvPr/>
+        </p:nvSpPr>
+        <p:spPr>
+          <a:xfrm>
+            <a:off x="6660232" y="2915652"/>
+            <a:ext cx="1609030" cy="369332"/>
+          </a:xfrm>
+          <a:prstGeom prst="rect">
+            <a:avLst/>
+          </a:prstGeom>
+        </p:spPr>
+        <p:txBody>
+          <a:bodyPr wrap="none">
+            <a:spAutoFit/>
+          </a:bodyPr>
+          <a:lstStyle/>
+          <a:p>
+            <a:pPr algn="r"/>
+            <a:r>
+              <a:rPr lang="es-PE" dirty="0">
+                <a:solidFill>
+                  <a:srgbClr val="FFC000"/>
+                </a:solidFill>
+              </a:rPr>
+              <a:t>J.B </a:t>
+            </a:r>
+            <a:r>
+              <a:rPr lang="es-PE" dirty="0" err="1">
+                <a:solidFill>
+                  <a:srgbClr val="FFC000"/>
+                </a:solidFill>
+              </a:rPr>
+              <a:t>Rainsberger</a:t>
+            </a:r>
+            <a:endParaRPr lang="es-PE" dirty="0">
+              <a:solidFill>
+                <a:srgbClr val="FFC000"/>
+              </a:solidFill>
+            </a:endParaRPr>
+          </a:p>
+        </p:txBody>
+      </p:sp>
+      <p:sp>
+        <p:nvSpPr>
+          <p:cNvPr id="4" name="3 CuadroTexto"/>
           <p:cNvSpPr txBox="1"/>
           <p:nvPr/>
         </p:nvSpPr>
         <p:spPr>
           <a:xfrm>
-            <a:off x="735806" y="1836600"/>
-            <a:ext cx="7660700" cy="2677656"/>
+            <a:off x="783271" y="3557334"/>
+            <a:ext cx="7821178" cy="2246769"/>
           </a:xfrm>
           <a:prstGeom prst="rect">
             <a:avLst/>
@@ -20275,140 +19411,51 @@
           </a:bodyPr>
           <a:lstStyle/>
           <a:p>
-            <a:pPr marL="457200" indent="-457200">
+            <a:pPr marL="285750" indent="-285750">
               <a:buFont typeface="Arial" pitchFamily="34" charset="0"/>
               <a:buChar char="•"/>
             </a:pPr>
             <a:r>
               <a:rPr lang="es-PE" sz="2800" dirty="0" smtClean="0"/>
-              <a:t>Las </a:t>
-            </a:r>
-            <a:r>
-              <a:rPr lang="es-PE" sz="2800" dirty="0" err="1" smtClean="0"/>
-              <a:t>BDs</a:t>
-            </a:r>
-            <a:r>
-              <a:rPr lang="es-PE" sz="2800" dirty="0" smtClean="0"/>
-              <a:t> son parte complementaria de las aplicaciones y almacenan datos que son activos importantes.</a:t>
-            </a:r>
-          </a:p>
-          <a:p>
-            <a:pPr marL="457200" indent="-457200">
+              <a:t>Muy lentos en comparación con los test unitarios.</a:t>
+            </a:r>
+          </a:p>
+          <a:p>
+            <a:pPr marL="285750" indent="-285750">
               <a:buFont typeface="Arial" pitchFamily="34" charset="0"/>
               <a:buChar char="•"/>
             </a:pPr>
-            <a:endParaRPr lang="es-PE" sz="2800" dirty="0"/>
-          </a:p>
-          <a:p>
-            <a:pPr marL="457200" indent="-457200">
+            <a:r>
+              <a:rPr lang="es-PE" sz="2800" dirty="0" smtClean="0"/>
+              <a:t>Muy frágiles.</a:t>
+            </a:r>
+          </a:p>
+          <a:p>
+            <a:pPr marL="285750" indent="-285750">
               <a:buFont typeface="Arial" pitchFamily="34" charset="0"/>
               <a:buChar char="•"/>
             </a:pPr>
             <a:r>
               <a:rPr lang="es-PE" sz="2800" dirty="0" smtClean="0"/>
-              <a:t>Las </a:t>
-            </a:r>
-            <a:r>
-              <a:rPr lang="es-PE" sz="2800" dirty="0" err="1" smtClean="0"/>
-              <a:t>BDs</a:t>
-            </a:r>
+              <a:t>Difíciles de configurar y ejecutar de manera atómica.</a:t>
+            </a:r>
+          </a:p>
+          <a:p>
+            <a:pPr marL="285750" indent="-285750">
+              <a:buFont typeface="Arial" pitchFamily="34" charset="0"/>
+              <a:buChar char="•"/>
+            </a:pPr>
             <a:r>
               <a:rPr lang="es-PE" sz="2800" dirty="0" smtClean="0"/>
-              <a:t> usualmente contienen </a:t>
-            </a:r>
-            <a:r>
-              <a:rPr lang="es-PE" sz="2800" dirty="0"/>
-              <a:t>lógica y realizan funcionalidad crítica para las organizaciones</a:t>
-            </a:r>
-            <a:r>
-              <a:rPr lang="es-PE" sz="2800" dirty="0" smtClean="0"/>
-              <a:t>.</a:t>
-            </a:r>
-            <a:endParaRPr lang="es-PE" sz="2800" dirty="0"/>
-          </a:p>
-        </p:txBody>
-      </p:sp>
-      <p:sp>
-        <p:nvSpPr>
-          <p:cNvPr id="4" name="3 CuadroTexto"/>
-          <p:cNvSpPr txBox="1"/>
-          <p:nvPr/>
-        </p:nvSpPr>
-        <p:spPr>
-          <a:xfrm>
-            <a:off x="209672" y="4824684"/>
-            <a:ext cx="8712968" cy="1384995"/>
-          </a:xfrm>
-          <a:prstGeom prst="rect">
-            <a:avLst/>
-          </a:prstGeom>
-          <a:noFill/>
-        </p:spPr>
-        <p:txBody>
-          <a:bodyPr wrap="square" rtlCol="0">
-            <a:spAutoFit/>
-          </a:bodyPr>
-          <a:lstStyle/>
-          <a:p>
-            <a:pPr algn="ctr"/>
-            <a:r>
-              <a:rPr lang="es-PE" sz="2800" dirty="0" smtClean="0">
-                <a:solidFill>
-                  <a:srgbClr val="FFC000"/>
-                </a:solidFill>
-              </a:rPr>
-              <a:t>Es esencial contar con un conjunto de pruebas automatizadas que validen la integridad y funcionamiento de la base de datos.</a:t>
-            </a:r>
-            <a:endParaRPr lang="es-PE" sz="2800" dirty="0">
-              <a:solidFill>
-                <a:srgbClr val="FFC000"/>
-              </a:solidFill>
-            </a:endParaRPr>
-          </a:p>
-        </p:txBody>
-      </p:sp>
-      <p:sp>
-        <p:nvSpPr>
-          <p:cNvPr id="5" name="4 CuadroTexto"/>
-          <p:cNvSpPr txBox="1"/>
-          <p:nvPr/>
-        </p:nvSpPr>
-        <p:spPr>
-          <a:xfrm>
-            <a:off x="3673315" y="1196752"/>
-            <a:ext cx="1785682" cy="584775"/>
-          </a:xfrm>
-          <a:prstGeom prst="rect">
-            <a:avLst/>
-          </a:prstGeom>
-          <a:noFill/>
-        </p:spPr>
-        <p:txBody>
-          <a:bodyPr wrap="none" rtlCol="0">
-            <a:spAutoFit/>
-          </a:bodyPr>
-          <a:lstStyle/>
-          <a:p>
-            <a:r>
-              <a:rPr lang="es-PE" sz="3200" b="1" dirty="0" smtClean="0">
-                <a:solidFill>
-                  <a:srgbClr val="FF0000"/>
-                </a:solidFill>
-              </a:rPr>
-              <a:t>¿Porqué?</a:t>
-            </a:r>
-            <a:endParaRPr lang="es-PE" sz="3200" b="1" dirty="0">
-              <a:solidFill>
-                <a:srgbClr val="FF0000"/>
-              </a:solidFill>
-            </a:endParaRPr>
+              <a:t>No nos dan una certeza de cuál ha sido el error.</a:t>
+            </a:r>
           </a:p>
         </p:txBody>
       </p:sp>
     </p:spTree>
     <p:extLst>
       <p:ext uri="{BB962C8B-B14F-4D97-AF65-F5344CB8AC3E}">
-        <p14:creationId xmlns:p14="http://schemas.microsoft.com/office/powerpoint/2010/main" val="3838617184"/>
+        <p14:creationId xmlns:p14="http://schemas.microsoft.com/office/powerpoint/2010/main" val="3591506619"/>
       </p:ext>
     </p:extLst>
   </p:cSld>
